--- a/public/uploads/slides/ppt/STEP Cards.pptx
+++ b/public/uploads/slides/ppt/STEP Cards.pptx
@@ -10,13 +10,13 @@
   <p:sldIdLst>
     <p:sldId id="256" r:id="rId2"/>
     <p:sldId id="257" r:id="rId3"/>
-    <p:sldId id="258" r:id="rId4"/>
-    <p:sldId id="268" r:id="rId5"/>
-    <p:sldId id="269" r:id="rId6"/>
-    <p:sldId id="270" r:id="rId7"/>
-    <p:sldId id="271" r:id="rId8"/>
-    <p:sldId id="272" r:id="rId9"/>
-    <p:sldId id="273" r:id="rId10"/>
+    <p:sldId id="268" r:id="rId4"/>
+    <p:sldId id="269" r:id="rId5"/>
+    <p:sldId id="270" r:id="rId6"/>
+    <p:sldId id="271" r:id="rId7"/>
+    <p:sldId id="272" r:id="rId8"/>
+    <p:sldId id="273" r:id="rId9"/>
+    <p:sldId id="274" r:id="rId10"/>
     <p:sldId id="265" r:id="rId11"/>
     <p:sldId id="266" r:id="rId12"/>
   </p:sldIdLst>
@@ -3188,9 +3188,9 @@
         <p:grpSpPr>
           <a:xfrm>
             <a:off x="-101626" y="-30217"/>
-            <a:ext cx="24548768" cy="13295143"/>
+            <a:ext cx="29221748" cy="13141255"/>
             <a:chOff x="-101626" y="-30217"/>
-            <a:chExt cx="24548768" cy="13295143"/>
+            <a:chExt cx="29221748" cy="13141255"/>
           </a:xfrm>
         </p:grpSpPr>
         <p:sp>
@@ -3400,8 +3400,8 @@
           </p:nvSpPr>
           <p:spPr>
             <a:xfrm>
-              <a:off x="-19199" y="2753564"/>
-              <a:ext cx="12304319" cy="2321716"/>
+              <a:off x="-19198" y="2753564"/>
+              <a:ext cx="7619538" cy="2321716"/>
             </a:xfrm>
             <a:prstGeom prst="rect">
               <a:avLst/>
@@ -3443,7 +3443,7 @@
           </p:nvSpPr>
           <p:spPr>
             <a:xfrm rot="5400000">
-              <a:off x="11759959" y="3278726"/>
+              <a:off x="7075178" y="3278727"/>
               <a:ext cx="2321715" cy="1271394"/>
             </a:xfrm>
             <a:custGeom>
@@ -3565,8 +3565,8 @@
           </p:nvSpPr>
           <p:spPr>
             <a:xfrm>
-              <a:off x="16130081" y="12505104"/>
-              <a:ext cx="7734553" cy="759822"/>
+              <a:off x="14466277" y="12658992"/>
+              <a:ext cx="14653845" cy="452046"/>
             </a:xfrm>
             <a:prstGeom prst="rect">
               <a:avLst/>
@@ -3581,12 +3581,12 @@
             </a:extLst>
           </p:spPr>
           <p:txBody>
-            <a:bodyPr wrap="none" lIns="71437" tIns="71437" rIns="71437" bIns="71437" anchor="ctr">
+            <a:bodyPr wrap="square" lIns="71437" tIns="71437" rIns="71437" bIns="71437" anchor="ctr">
               <a:spAutoFit/>
             </a:bodyPr>
             <a:lstStyle/>
             <a:p>
-              <a:pPr algn="r">
+              <a:pPr algn="l">
                 <a:defRPr sz="2000" b="0">
                   <a:solidFill>
                     <a:srgbClr val="919191"/>
@@ -3611,24 +3611,7 @@
               </a:r>
               <a:r>
                 <a:rPr lang="en-AU" dirty="0"/>
-                <a:t>/photos/</a:t>
-              </a:r>
-            </a:p>
-            <a:p>
-              <a:pPr algn="r">
-                <a:defRPr sz="2000" b="0">
-                  <a:solidFill>
-                    <a:srgbClr val="919191"/>
-                  </a:solidFill>
-                  <a:latin typeface="Montserrat Medium"/>
-                  <a:ea typeface="Montserrat Medium"/>
-                  <a:cs typeface="Montserrat Medium"/>
-                  <a:sym typeface="Montserrat Medium"/>
-                </a:defRPr>
-              </a:pPr>
-              <a:r>
-                <a:rPr lang="en-AU" dirty="0"/>
-                <a:t>bt-Sc22W-BE</a:t>
+                <a:t>/photos/bt-Sc22W-BE</a:t>
               </a:r>
             </a:p>
           </p:txBody>
@@ -3641,8 +3624,8 @@
           </p:nvSpPr>
           <p:spPr>
             <a:xfrm>
-              <a:off x="-74732" y="5357789"/>
-              <a:ext cx="11343367" cy="2321715"/>
+              <a:off x="-74731" y="5357789"/>
+              <a:ext cx="7675070" cy="2321715"/>
             </a:xfrm>
             <a:prstGeom prst="rect">
               <a:avLst/>
@@ -3684,7 +3667,7 @@
           </p:nvSpPr>
           <p:spPr>
             <a:xfrm rot="5400000">
-              <a:off x="10743474" y="5882950"/>
+              <a:off x="7051731" y="5882950"/>
               <a:ext cx="2321716" cy="1271394"/>
             </a:xfrm>
             <a:custGeom>
@@ -5168,10 +5151,59 @@
       </p:pic>
       <p:sp>
         <p:nvSpPr>
-          <p:cNvPr id="36" name="Shape 144">
+          <p:cNvPr id="39" name="Shape 124">
             <a:extLst>
               <a:ext uri="{FF2B5EF4-FFF2-40B4-BE49-F238E27FC236}">
-                <a16:creationId xmlns:a16="http://schemas.microsoft.com/office/drawing/2014/main" id="{CD1E192E-5FE6-3E49-8AA2-BBE7F7DBFBD4}"/>
+                <a16:creationId xmlns:a16="http://schemas.microsoft.com/office/drawing/2014/main" id="{B2E28D7F-C438-8F43-95C0-05859735C6CC}"/>
+              </a:ext>
+            </a:extLst>
+          </p:cNvPr>
+          <p:cNvSpPr/>
+          <p:nvPr/>
+        </p:nvSpPr>
+        <p:spPr>
+          <a:xfrm>
+            <a:off x="-46996" y="379438"/>
+            <a:ext cx="7619538" cy="2321716"/>
+          </a:xfrm>
+          <a:prstGeom prst="rect">
+            <a:avLst/>
+          </a:prstGeom>
+          <a:solidFill>
+            <a:srgbClr val="EE5150"/>
+          </a:solidFill>
+          <a:ln w="12700">
+            <a:miter lim="400000"/>
+          </a:ln>
+        </p:spPr>
+        <p:txBody>
+          <a:bodyPr lIns="0" tIns="0" rIns="0" bIns="0" anchor="ctr"/>
+          <a:lstStyle/>
+          <a:p>
+            <a:pPr lvl="3" algn="l" defTabSz="642937">
+              <a:lnSpc>
+                <a:spcPts val="27900"/>
+              </a:lnSpc>
+              <a:defRPr sz="9600">
+                <a:solidFill>
+                  <a:srgbClr val="FFFFFF"/>
+                </a:solidFill>
+                <a:latin typeface="Tw Cen MT"/>
+                <a:ea typeface="Tw Cen MT"/>
+                <a:cs typeface="Tw Cen MT"/>
+                <a:sym typeface="Tw Cen MT"/>
+              </a:defRPr>
+            </a:pPr>
+            <a:endParaRPr/>
+          </a:p>
+        </p:txBody>
+      </p:sp>
+      <p:sp>
+        <p:nvSpPr>
+          <p:cNvPr id="40" name="Shape 125">
+            <a:extLst>
+              <a:ext uri="{FF2B5EF4-FFF2-40B4-BE49-F238E27FC236}">
+                <a16:creationId xmlns:a16="http://schemas.microsoft.com/office/drawing/2014/main" id="{3AE0CF62-A508-344C-96C5-322F92B833BC}"/>
               </a:ext>
             </a:extLst>
           </p:cNvPr>
@@ -5180,8 +5212,134 @@
         </p:nvSpPr>
         <p:spPr>
           <a:xfrm rot="5400000">
-            <a:off x="12360992" y="3581052"/>
+            <a:off x="7047380" y="904601"/>
             <a:ext cx="2321715" cy="1271394"/>
+          </a:xfrm>
+          <a:custGeom>
+            <a:avLst/>
+            <a:gdLst/>
+            <a:ahLst/>
+            <a:cxnLst>
+              <a:cxn ang="0">
+                <a:pos x="wd2" y="hd2"/>
+              </a:cxn>
+              <a:cxn ang="5400000">
+                <a:pos x="wd2" y="hd2"/>
+              </a:cxn>
+              <a:cxn ang="10800000">
+                <a:pos x="wd2" y="hd2"/>
+              </a:cxn>
+              <a:cxn ang="16200000">
+                <a:pos x="wd2" y="hd2"/>
+              </a:cxn>
+            </a:cxnLst>
+            <a:rect l="0" t="0" r="r" b="b"/>
+            <a:pathLst>
+              <a:path w="21600" h="21600" extrusionOk="0">
+                <a:moveTo>
+                  <a:pt x="0" y="0"/>
+                </a:moveTo>
+                <a:lnTo>
+                  <a:pt x="0" y="21600"/>
+                </a:lnTo>
+                <a:lnTo>
+                  <a:pt x="21600" y="21600"/>
+                </a:lnTo>
+                <a:close/>
+              </a:path>
+            </a:pathLst>
+          </a:custGeom>
+          <a:solidFill>
+            <a:srgbClr val="EE5150"/>
+          </a:solidFill>
+          <a:ln w="12700">
+            <a:miter lim="400000"/>
+          </a:ln>
+        </p:spPr>
+        <p:txBody>
+          <a:bodyPr lIns="71437" tIns="71437" rIns="71437" bIns="71437" anchor="ctr"/>
+          <a:lstStyle/>
+          <a:p>
+            <a:pPr>
+              <a:defRPr sz="3000" b="0">
+                <a:solidFill>
+                  <a:srgbClr val="FFFFFF"/>
+                </a:solidFill>
+                <a:latin typeface="+mn-lt"/>
+                <a:ea typeface="+mn-ea"/>
+                <a:cs typeface="+mn-cs"/>
+                <a:sym typeface="Helvetica Neue Medium"/>
+              </a:defRPr>
+            </a:pPr>
+            <a:endParaRPr/>
+          </a:p>
+        </p:txBody>
+      </p:sp>
+      <p:sp>
+        <p:nvSpPr>
+          <p:cNvPr id="41" name="Shape 128">
+            <a:extLst>
+              <a:ext uri="{FF2B5EF4-FFF2-40B4-BE49-F238E27FC236}">
+                <a16:creationId xmlns:a16="http://schemas.microsoft.com/office/drawing/2014/main" id="{A3FC385D-1B32-884E-AAF6-64CFDA90A0D3}"/>
+              </a:ext>
+            </a:extLst>
+          </p:cNvPr>
+          <p:cNvSpPr/>
+          <p:nvPr/>
+        </p:nvSpPr>
+        <p:spPr>
+          <a:xfrm>
+            <a:off x="-102529" y="2983663"/>
+            <a:ext cx="7675070" cy="2321715"/>
+          </a:xfrm>
+          <a:prstGeom prst="rect">
+            <a:avLst/>
+          </a:prstGeom>
+          <a:solidFill>
+            <a:srgbClr val="EE5150"/>
+          </a:solidFill>
+          <a:ln w="12700">
+            <a:miter lim="400000"/>
+          </a:ln>
+        </p:spPr>
+        <p:txBody>
+          <a:bodyPr lIns="0" tIns="0" rIns="0" bIns="0" anchor="ctr"/>
+          <a:lstStyle/>
+          <a:p>
+            <a:pPr lvl="3" algn="l" defTabSz="642937">
+              <a:lnSpc>
+                <a:spcPts val="27900"/>
+              </a:lnSpc>
+              <a:defRPr sz="9600">
+                <a:solidFill>
+                  <a:srgbClr val="FFFFFF"/>
+                </a:solidFill>
+                <a:latin typeface="Tw Cen MT"/>
+                <a:ea typeface="Tw Cen MT"/>
+                <a:cs typeface="Tw Cen MT"/>
+                <a:sym typeface="Tw Cen MT"/>
+              </a:defRPr>
+            </a:pPr>
+            <a:endParaRPr/>
+          </a:p>
+        </p:txBody>
+      </p:sp>
+      <p:sp>
+        <p:nvSpPr>
+          <p:cNvPr id="42" name="Shape 129">
+            <a:extLst>
+              <a:ext uri="{FF2B5EF4-FFF2-40B4-BE49-F238E27FC236}">
+                <a16:creationId xmlns:a16="http://schemas.microsoft.com/office/drawing/2014/main" id="{F5103DD4-4BB3-E14A-B35A-80E3BFEF0D05}"/>
+              </a:ext>
+            </a:extLst>
+          </p:cNvPr>
+          <p:cNvSpPr/>
+          <p:nvPr/>
+        </p:nvSpPr>
+        <p:spPr>
+          <a:xfrm rot="5400000">
+            <a:off x="7023933" y="3508824"/>
+            <a:ext cx="2321716" cy="1271394"/>
           </a:xfrm>
           <a:custGeom>
             <a:avLst/>
@@ -5427,10 +5585,10 @@
         </p:nvGrpSpPr>
         <p:grpSpPr>
           <a:xfrm>
-            <a:off x="-110395" y="-1039931"/>
-            <a:ext cx="24844535" cy="11273559"/>
-            <a:chOff x="-110395" y="-1039931"/>
-            <a:chExt cx="24844535" cy="11273559"/>
+            <a:off x="369844" y="-1039931"/>
+            <a:ext cx="24364296" cy="11273559"/>
+            <a:chOff x="369844" y="-1039931"/>
+            <a:chExt cx="24364296" cy="11273559"/>
           </a:xfrm>
         </p:grpSpPr>
         <p:sp>
@@ -5664,127 +5822,13 @@
               </a:r>
               <a:r>
                 <a:rPr dirty="0"/>
-                <a:t>PAGE </a:t>
+                <a:t>PAGE</a:t>
               </a:r>
               <a:r>
                 <a:rPr lang="en-AU" dirty="0"/>
-                <a:t>104</a:t>
+                <a:t> 148</a:t>
               </a:r>
               <a:endParaRPr dirty="0"/>
-            </a:p>
-          </p:txBody>
-        </p:sp>
-        <p:sp>
-          <p:nvSpPr>
-            <p:cNvPr id="143" name="Shape 143"/>
-            <p:cNvSpPr/>
-            <p:nvPr/>
-          </p:nvSpPr>
-          <p:spPr>
-            <a:xfrm>
-              <a:off x="-110395" y="609796"/>
-              <a:ext cx="12005529" cy="2321715"/>
-            </a:xfrm>
-            <a:prstGeom prst="rect">
-              <a:avLst/>
-            </a:prstGeom>
-            <a:solidFill>
-              <a:srgbClr val="EE5150"/>
-            </a:solidFill>
-            <a:ln w="12700">
-              <a:miter lim="400000"/>
-            </a:ln>
-          </p:spPr>
-          <p:txBody>
-            <a:bodyPr lIns="0" tIns="0" rIns="0" bIns="0" anchor="ctr"/>
-            <a:lstStyle/>
-            <a:p>
-              <a:pPr lvl="3" algn="l" defTabSz="642937">
-                <a:lnSpc>
-                  <a:spcPts val="27900"/>
-                </a:lnSpc>
-                <a:defRPr sz="9600">
-                  <a:solidFill>
-                    <a:srgbClr val="FFFFFF"/>
-                  </a:solidFill>
-                  <a:latin typeface="Tw Cen MT"/>
-                  <a:ea typeface="Tw Cen MT"/>
-                  <a:cs typeface="Tw Cen MT"/>
-                  <a:sym typeface="Tw Cen MT"/>
-                </a:defRPr>
-              </a:pPr>
-              <a:endParaRPr/>
-            </a:p>
-          </p:txBody>
-        </p:sp>
-        <p:sp>
-          <p:nvSpPr>
-            <p:cNvPr id="144" name="Shape 144"/>
-            <p:cNvSpPr/>
-            <p:nvPr/>
-          </p:nvSpPr>
-          <p:spPr>
-            <a:xfrm rot="5400000">
-              <a:off x="11368800" y="1134957"/>
-              <a:ext cx="2321715" cy="1271394"/>
-            </a:xfrm>
-            <a:custGeom>
-              <a:avLst/>
-              <a:gdLst/>
-              <a:ahLst/>
-              <a:cxnLst>
-                <a:cxn ang="0">
-                  <a:pos x="wd2" y="hd2"/>
-                </a:cxn>
-                <a:cxn ang="5400000">
-                  <a:pos x="wd2" y="hd2"/>
-                </a:cxn>
-                <a:cxn ang="10800000">
-                  <a:pos x="wd2" y="hd2"/>
-                </a:cxn>
-                <a:cxn ang="16200000">
-                  <a:pos x="wd2" y="hd2"/>
-                </a:cxn>
-              </a:cxnLst>
-              <a:rect l="0" t="0" r="r" b="b"/>
-              <a:pathLst>
-                <a:path w="21600" h="21600" extrusionOk="0">
-                  <a:moveTo>
-                    <a:pt x="0" y="0"/>
-                  </a:moveTo>
-                  <a:lnTo>
-                    <a:pt x="0" y="21600"/>
-                  </a:lnTo>
-                  <a:lnTo>
-                    <a:pt x="21600" y="21600"/>
-                  </a:lnTo>
-                  <a:close/>
-                </a:path>
-              </a:pathLst>
-            </a:custGeom>
-            <a:solidFill>
-              <a:srgbClr val="EE5150"/>
-            </a:solidFill>
-            <a:ln w="12700">
-              <a:miter lim="400000"/>
-            </a:ln>
-          </p:spPr>
-          <p:txBody>
-            <a:bodyPr lIns="71437" tIns="71437" rIns="71437" bIns="71437" anchor="ctr"/>
-            <a:lstStyle/>
-            <a:p>
-              <a:pPr>
-                <a:defRPr sz="3000" b="0">
-                  <a:solidFill>
-                    <a:srgbClr val="FFFFFF"/>
-                  </a:solidFill>
-                  <a:latin typeface="+mn-lt"/>
-                  <a:ea typeface="+mn-ea"/>
-                  <a:cs typeface="+mn-cs"/>
-                  <a:sym typeface="Helvetica Neue Medium"/>
-                </a:defRPr>
-              </a:pPr>
-              <a:endParaRPr/>
             </a:p>
           </p:txBody>
         </p:sp>
@@ -6085,120 +6129,6 @@
         </p:sp>
         <p:sp>
           <p:nvSpPr>
-            <p:cNvPr id="150" name="Shape 150"/>
-            <p:cNvSpPr/>
-            <p:nvPr/>
-          </p:nvSpPr>
-          <p:spPr>
-            <a:xfrm>
-              <a:off x="-100301" y="3057910"/>
-              <a:ext cx="12986454" cy="2321715"/>
-            </a:xfrm>
-            <a:prstGeom prst="rect">
-              <a:avLst/>
-            </a:prstGeom>
-            <a:solidFill>
-              <a:srgbClr val="EE5150"/>
-            </a:solidFill>
-            <a:ln w="12700">
-              <a:miter lim="400000"/>
-            </a:ln>
-          </p:spPr>
-          <p:txBody>
-            <a:bodyPr lIns="0" tIns="0" rIns="0" bIns="0" anchor="ctr"/>
-            <a:lstStyle/>
-            <a:p>
-              <a:pPr lvl="3" algn="l" defTabSz="642937">
-                <a:lnSpc>
-                  <a:spcPts val="27900"/>
-                </a:lnSpc>
-                <a:defRPr sz="9600">
-                  <a:solidFill>
-                    <a:srgbClr val="FFFFFF"/>
-                  </a:solidFill>
-                  <a:latin typeface="Tw Cen MT"/>
-                  <a:ea typeface="Tw Cen MT"/>
-                  <a:cs typeface="Tw Cen MT"/>
-                  <a:sym typeface="Tw Cen MT"/>
-                </a:defRPr>
-              </a:pPr>
-              <a:endParaRPr dirty="0"/>
-            </a:p>
-          </p:txBody>
-        </p:sp>
-        <p:sp>
-          <p:nvSpPr>
-            <p:cNvPr id="151" name="Shape 151"/>
-            <p:cNvSpPr/>
-            <p:nvPr/>
-          </p:nvSpPr>
-          <p:spPr>
-            <a:xfrm rot="5400000">
-              <a:off x="9976984" y="3583071"/>
-              <a:ext cx="2321716" cy="1271394"/>
-            </a:xfrm>
-            <a:custGeom>
-              <a:avLst/>
-              <a:gdLst/>
-              <a:ahLst/>
-              <a:cxnLst>
-                <a:cxn ang="0">
-                  <a:pos x="wd2" y="hd2"/>
-                </a:cxn>
-                <a:cxn ang="5400000">
-                  <a:pos x="wd2" y="hd2"/>
-                </a:cxn>
-                <a:cxn ang="10800000">
-                  <a:pos x="wd2" y="hd2"/>
-                </a:cxn>
-                <a:cxn ang="16200000">
-                  <a:pos x="wd2" y="hd2"/>
-                </a:cxn>
-              </a:cxnLst>
-              <a:rect l="0" t="0" r="r" b="b"/>
-              <a:pathLst>
-                <a:path w="21600" h="21600" extrusionOk="0">
-                  <a:moveTo>
-                    <a:pt x="0" y="0"/>
-                  </a:moveTo>
-                  <a:lnTo>
-                    <a:pt x="0" y="21600"/>
-                  </a:lnTo>
-                  <a:lnTo>
-                    <a:pt x="21600" y="21600"/>
-                  </a:lnTo>
-                  <a:close/>
-                </a:path>
-              </a:pathLst>
-            </a:custGeom>
-            <a:solidFill>
-              <a:srgbClr val="EE5150"/>
-            </a:solidFill>
-            <a:ln w="12700">
-              <a:miter lim="400000"/>
-            </a:ln>
-          </p:spPr>
-          <p:txBody>
-            <a:bodyPr lIns="71437" tIns="71437" rIns="71437" bIns="71437" anchor="ctr"/>
-            <a:lstStyle/>
-            <a:p>
-              <a:pPr>
-                <a:defRPr sz="3000" b="0">
-                  <a:solidFill>
-                    <a:srgbClr val="FFFFFF"/>
-                  </a:solidFill>
-                  <a:latin typeface="+mn-lt"/>
-                  <a:ea typeface="+mn-ea"/>
-                  <a:cs typeface="+mn-cs"/>
-                  <a:sym typeface="Helvetica Neue Medium"/>
-                </a:defRPr>
-              </a:pPr>
-              <a:endParaRPr/>
-            </a:p>
-          </p:txBody>
-        </p:sp>
-        <p:sp>
-          <p:nvSpPr>
             <p:cNvPr id="153" name="Shape 153"/>
             <p:cNvSpPr/>
             <p:nvPr/>
@@ -6252,7 +6182,7 @@
               <a:avLst/>
             </a:prstGeom>
             <a:solidFill>
-              <a:srgbClr val="DB5C56"/>
+              <a:srgbClr val="EF5150"/>
             </a:solidFill>
             <a:ln w="12700">
               <a:miter lim="400000"/>
@@ -6958,10 +6888,10 @@
       </p:sp>
       <p:sp>
         <p:nvSpPr>
-          <p:cNvPr id="37" name="Shape 127">
+          <p:cNvPr id="35" name="Shape 127">
             <a:extLst>
               <a:ext uri="{FF2B5EF4-FFF2-40B4-BE49-F238E27FC236}">
-                <a16:creationId xmlns:a16="http://schemas.microsoft.com/office/drawing/2014/main" id="{99CA618A-6B4F-8E4C-8AF3-72305AAD38A0}"/>
+                <a16:creationId xmlns:a16="http://schemas.microsoft.com/office/drawing/2014/main" id="{E90CEF30-9B38-5245-A19A-11BEEAFB52FF}"/>
               </a:ext>
             </a:extLst>
           </p:cNvPr>
@@ -6970,8 +6900,8 @@
         </p:nvSpPr>
         <p:spPr>
           <a:xfrm>
-            <a:off x="16130081" y="12505104"/>
-            <a:ext cx="7734553" cy="759822"/>
+            <a:off x="14466277" y="12658992"/>
+            <a:ext cx="14653845" cy="452046"/>
           </a:xfrm>
           <a:prstGeom prst="rect">
             <a:avLst/>
@@ -6986,12 +6916,12 @@
           </a:extLst>
         </p:spPr>
         <p:txBody>
-          <a:bodyPr wrap="none" lIns="71437" tIns="71437" rIns="71437" bIns="71437" anchor="ctr">
+          <a:bodyPr wrap="square" lIns="71437" tIns="71437" rIns="71437" bIns="71437" anchor="ctr">
             <a:spAutoFit/>
           </a:bodyPr>
           <a:lstStyle/>
           <a:p>
-            <a:pPr algn="r">
+            <a:pPr algn="l">
               <a:defRPr sz="2000" b="0">
                 <a:solidFill>
                   <a:srgbClr val="919191"/>
@@ -7016,29 +6946,17 @@
             </a:r>
             <a:r>
               <a:rPr lang="en-AU" dirty="0"/>
-              <a:t>/photos/</a:t>
-            </a:r>
-          </a:p>
-          <a:p>
-            <a:pPr algn="r">
-              <a:defRPr sz="2000" b="0">
-                <a:solidFill>
-                  <a:srgbClr val="919191"/>
-                </a:solidFill>
-                <a:latin typeface="Montserrat Medium"/>
-                <a:ea typeface="Montserrat Medium"/>
-                <a:cs typeface="Montserrat Medium"/>
-                <a:sym typeface="Montserrat Medium"/>
-              </a:defRPr>
-            </a:pPr>
-            <a:r>
-              <a:rPr lang="en-AU" dirty="0"/>
-              <a:t>bt-Sc22W-BE</a:t>
+              <a:t>/photos/bt-Sc22W-BE</a:t>
             </a:r>
           </a:p>
         </p:txBody>
       </p:sp>
     </p:spTree>
+    <p:extLst>
+      <p:ext uri="{BB962C8B-B14F-4D97-AF65-F5344CB8AC3E}">
+        <p14:creationId xmlns:p14="http://schemas.microsoft.com/office/powerpoint/2010/main" val="1933813554"/>
+      </p:ext>
+    </p:extLst>
   </p:cSld>
   <p:clrMapOvr>
     <a:masterClrMapping/>
@@ -7101,10 +7019,59 @@
       </p:pic>
       <p:sp>
         <p:nvSpPr>
-          <p:cNvPr id="36" name="Shape 144">
+          <p:cNvPr id="39" name="Shape 124">
             <a:extLst>
               <a:ext uri="{FF2B5EF4-FFF2-40B4-BE49-F238E27FC236}">
-                <a16:creationId xmlns:a16="http://schemas.microsoft.com/office/drawing/2014/main" id="{CD1E192E-5FE6-3E49-8AA2-BBE7F7DBFBD4}"/>
+                <a16:creationId xmlns:a16="http://schemas.microsoft.com/office/drawing/2014/main" id="{B2E28D7F-C438-8F43-95C0-05859735C6CC}"/>
+              </a:ext>
+            </a:extLst>
+          </p:cNvPr>
+          <p:cNvSpPr/>
+          <p:nvPr/>
+        </p:nvSpPr>
+        <p:spPr>
+          <a:xfrm>
+            <a:off x="-46996" y="379438"/>
+            <a:ext cx="7619538" cy="2321716"/>
+          </a:xfrm>
+          <a:prstGeom prst="rect">
+            <a:avLst/>
+          </a:prstGeom>
+          <a:solidFill>
+            <a:srgbClr val="EE5150"/>
+          </a:solidFill>
+          <a:ln w="12700">
+            <a:miter lim="400000"/>
+          </a:ln>
+        </p:spPr>
+        <p:txBody>
+          <a:bodyPr lIns="0" tIns="0" rIns="0" bIns="0" anchor="ctr"/>
+          <a:lstStyle/>
+          <a:p>
+            <a:pPr lvl="3" algn="l" defTabSz="642937">
+              <a:lnSpc>
+                <a:spcPts val="27900"/>
+              </a:lnSpc>
+              <a:defRPr sz="9600">
+                <a:solidFill>
+                  <a:srgbClr val="FFFFFF"/>
+                </a:solidFill>
+                <a:latin typeface="Tw Cen MT"/>
+                <a:ea typeface="Tw Cen MT"/>
+                <a:cs typeface="Tw Cen MT"/>
+                <a:sym typeface="Tw Cen MT"/>
+              </a:defRPr>
+            </a:pPr>
+            <a:endParaRPr/>
+          </a:p>
+        </p:txBody>
+      </p:sp>
+      <p:sp>
+        <p:nvSpPr>
+          <p:cNvPr id="40" name="Shape 125">
+            <a:extLst>
+              <a:ext uri="{FF2B5EF4-FFF2-40B4-BE49-F238E27FC236}">
+                <a16:creationId xmlns:a16="http://schemas.microsoft.com/office/drawing/2014/main" id="{3AE0CF62-A508-344C-96C5-322F92B833BC}"/>
               </a:ext>
             </a:extLst>
           </p:cNvPr>
@@ -7113,8 +7080,2002 @@
         </p:nvSpPr>
         <p:spPr>
           <a:xfrm rot="5400000">
-            <a:off x="12360992" y="3581052"/>
+            <a:off x="7047380" y="904601"/>
             <a:ext cx="2321715" cy="1271394"/>
+          </a:xfrm>
+          <a:custGeom>
+            <a:avLst/>
+            <a:gdLst/>
+            <a:ahLst/>
+            <a:cxnLst>
+              <a:cxn ang="0">
+                <a:pos x="wd2" y="hd2"/>
+              </a:cxn>
+              <a:cxn ang="5400000">
+                <a:pos x="wd2" y="hd2"/>
+              </a:cxn>
+              <a:cxn ang="10800000">
+                <a:pos x="wd2" y="hd2"/>
+              </a:cxn>
+              <a:cxn ang="16200000">
+                <a:pos x="wd2" y="hd2"/>
+              </a:cxn>
+            </a:cxnLst>
+            <a:rect l="0" t="0" r="r" b="b"/>
+            <a:pathLst>
+              <a:path w="21600" h="21600" extrusionOk="0">
+                <a:moveTo>
+                  <a:pt x="0" y="0"/>
+                </a:moveTo>
+                <a:lnTo>
+                  <a:pt x="0" y="21600"/>
+                </a:lnTo>
+                <a:lnTo>
+                  <a:pt x="21600" y="21600"/>
+                </a:lnTo>
+                <a:close/>
+              </a:path>
+            </a:pathLst>
+          </a:custGeom>
+          <a:solidFill>
+            <a:srgbClr val="EE5150"/>
+          </a:solidFill>
+          <a:ln w="12700">
+            <a:miter lim="400000"/>
+          </a:ln>
+        </p:spPr>
+        <p:txBody>
+          <a:bodyPr lIns="71437" tIns="71437" rIns="71437" bIns="71437" anchor="ctr"/>
+          <a:lstStyle/>
+          <a:p>
+            <a:pPr>
+              <a:defRPr sz="3000" b="0">
+                <a:solidFill>
+                  <a:srgbClr val="FFFFFF"/>
+                </a:solidFill>
+                <a:latin typeface="+mn-lt"/>
+                <a:ea typeface="+mn-ea"/>
+                <a:cs typeface="+mn-cs"/>
+                <a:sym typeface="Helvetica Neue Medium"/>
+              </a:defRPr>
+            </a:pPr>
+            <a:endParaRPr/>
+          </a:p>
+        </p:txBody>
+      </p:sp>
+      <p:sp>
+        <p:nvSpPr>
+          <p:cNvPr id="41" name="Shape 128">
+            <a:extLst>
+              <a:ext uri="{FF2B5EF4-FFF2-40B4-BE49-F238E27FC236}">
+                <a16:creationId xmlns:a16="http://schemas.microsoft.com/office/drawing/2014/main" id="{A3FC385D-1B32-884E-AAF6-64CFDA90A0D3}"/>
+              </a:ext>
+            </a:extLst>
+          </p:cNvPr>
+          <p:cNvSpPr/>
+          <p:nvPr/>
+        </p:nvSpPr>
+        <p:spPr>
+          <a:xfrm>
+            <a:off x="-102529" y="2983663"/>
+            <a:ext cx="7675070" cy="2321715"/>
+          </a:xfrm>
+          <a:prstGeom prst="rect">
+            <a:avLst/>
+          </a:prstGeom>
+          <a:solidFill>
+            <a:srgbClr val="EE5150"/>
+          </a:solidFill>
+          <a:ln w="12700">
+            <a:miter lim="400000"/>
+          </a:ln>
+        </p:spPr>
+        <p:txBody>
+          <a:bodyPr lIns="0" tIns="0" rIns="0" bIns="0" anchor="ctr"/>
+          <a:lstStyle/>
+          <a:p>
+            <a:pPr lvl="3" algn="l" defTabSz="642937">
+              <a:lnSpc>
+                <a:spcPts val="27900"/>
+              </a:lnSpc>
+              <a:defRPr sz="9600">
+                <a:solidFill>
+                  <a:srgbClr val="FFFFFF"/>
+                </a:solidFill>
+                <a:latin typeface="Tw Cen MT"/>
+                <a:ea typeface="Tw Cen MT"/>
+                <a:cs typeface="Tw Cen MT"/>
+                <a:sym typeface="Tw Cen MT"/>
+              </a:defRPr>
+            </a:pPr>
+            <a:endParaRPr/>
+          </a:p>
+        </p:txBody>
+      </p:sp>
+      <p:sp>
+        <p:nvSpPr>
+          <p:cNvPr id="42" name="Shape 129">
+            <a:extLst>
+              <a:ext uri="{FF2B5EF4-FFF2-40B4-BE49-F238E27FC236}">
+                <a16:creationId xmlns:a16="http://schemas.microsoft.com/office/drawing/2014/main" id="{F5103DD4-4BB3-E14A-B35A-80E3BFEF0D05}"/>
+              </a:ext>
+            </a:extLst>
+          </p:cNvPr>
+          <p:cNvSpPr/>
+          <p:nvPr/>
+        </p:nvSpPr>
+        <p:spPr>
+          <a:xfrm rot="5400000">
+            <a:off x="7023933" y="3508824"/>
+            <a:ext cx="2321716" cy="1271394"/>
+          </a:xfrm>
+          <a:custGeom>
+            <a:avLst/>
+            <a:gdLst/>
+            <a:ahLst/>
+            <a:cxnLst>
+              <a:cxn ang="0">
+                <a:pos x="wd2" y="hd2"/>
+              </a:cxn>
+              <a:cxn ang="5400000">
+                <a:pos x="wd2" y="hd2"/>
+              </a:cxn>
+              <a:cxn ang="10800000">
+                <a:pos x="wd2" y="hd2"/>
+              </a:cxn>
+              <a:cxn ang="16200000">
+                <a:pos x="wd2" y="hd2"/>
+              </a:cxn>
+            </a:cxnLst>
+            <a:rect l="0" t="0" r="r" b="b"/>
+            <a:pathLst>
+              <a:path w="21600" h="21600" extrusionOk="0">
+                <a:moveTo>
+                  <a:pt x="0" y="0"/>
+                </a:moveTo>
+                <a:lnTo>
+                  <a:pt x="0" y="21600"/>
+                </a:lnTo>
+                <a:lnTo>
+                  <a:pt x="21600" y="21600"/>
+                </a:lnTo>
+                <a:close/>
+              </a:path>
+            </a:pathLst>
+          </a:custGeom>
+          <a:solidFill>
+            <a:srgbClr val="EE5150"/>
+          </a:solidFill>
+          <a:ln w="12700">
+            <a:miter lim="400000"/>
+          </a:ln>
+        </p:spPr>
+        <p:txBody>
+          <a:bodyPr lIns="71437" tIns="71437" rIns="71437" bIns="71437" anchor="ctr"/>
+          <a:lstStyle/>
+          <a:p>
+            <a:pPr>
+              <a:defRPr sz="3000" b="0">
+                <a:solidFill>
+                  <a:srgbClr val="FFFFFF"/>
+                </a:solidFill>
+                <a:latin typeface="+mn-lt"/>
+                <a:ea typeface="+mn-ea"/>
+                <a:cs typeface="+mn-cs"/>
+                <a:sym typeface="Helvetica Neue Medium"/>
+              </a:defRPr>
+            </a:pPr>
+            <a:endParaRPr/>
+          </a:p>
+        </p:txBody>
+      </p:sp>
+      <p:sp>
+        <p:nvSpPr>
+          <p:cNvPr id="160" name="Shape 160"/>
+          <p:cNvSpPr/>
+          <p:nvPr/>
+        </p:nvSpPr>
+        <p:spPr>
+          <a:xfrm>
+            <a:off x="206152" y="10291399"/>
+            <a:ext cx="3582665" cy="638176"/>
+          </a:xfrm>
+          <a:prstGeom prst="rect">
+            <a:avLst/>
+          </a:prstGeom>
+          <a:ln w="12700">
+            <a:miter lim="400000"/>
+          </a:ln>
+          <a:extLst>
+            <a:ext uri="{C572A759-6A51-4108-AA02-DFA0A04FC94B}">
+              <ma14:wrappingTextBoxFlag xmlns="" xmlns:ma14="http://schemas.microsoft.com/office/mac/drawingml/2011/main" val="1"/>
+            </a:ext>
+          </a:extLst>
+        </p:spPr>
+        <p:txBody>
+          <a:bodyPr lIns="71437" tIns="71437" rIns="71437" bIns="71437">
+            <a:spAutoFit/>
+          </a:bodyPr>
+          <a:lstStyle>
+            <a:lvl1pPr>
+              <a:defRPr b="0">
+                <a:solidFill>
+                  <a:srgbClr val="FF2830"/>
+                </a:solidFill>
+                <a:latin typeface="Montserrat Medium"/>
+                <a:ea typeface="Montserrat Medium"/>
+                <a:cs typeface="Montserrat Medium"/>
+                <a:sym typeface="Montserrat Medium"/>
+              </a:defRPr>
+            </a:lvl1pPr>
+          </a:lstStyle>
+          <a:p>
+            <a:r>
+              <a:rPr dirty="0"/>
+              <a:t>[</a:t>
+            </a:r>
+            <a:r>
+              <a:rPr lang="en-AU" dirty="0"/>
+              <a:t>10 mins</a:t>
+            </a:r>
+            <a:r>
+              <a:rPr dirty="0"/>
+              <a:t>] </a:t>
+            </a:r>
+          </a:p>
+        </p:txBody>
+      </p:sp>
+      <p:sp>
+        <p:nvSpPr>
+          <p:cNvPr id="162" name="Shape 162"/>
+          <p:cNvSpPr/>
+          <p:nvPr/>
+        </p:nvSpPr>
+        <p:spPr>
+          <a:xfrm>
+            <a:off x="3398920" y="10987347"/>
+            <a:ext cx="3687764" cy="2235201"/>
+          </a:xfrm>
+          <a:custGeom>
+            <a:avLst/>
+            <a:gdLst/>
+            <a:ahLst/>
+            <a:cxnLst>
+              <a:cxn ang="0">
+                <a:pos x="wd2" y="hd2"/>
+              </a:cxn>
+              <a:cxn ang="5400000">
+                <a:pos x="wd2" y="hd2"/>
+              </a:cxn>
+              <a:cxn ang="10800000">
+                <a:pos x="wd2" y="hd2"/>
+              </a:cxn>
+              <a:cxn ang="16200000">
+                <a:pos x="wd2" y="hd2"/>
+              </a:cxn>
+            </a:cxnLst>
+            <a:rect l="0" t="0" r="r" b="b"/>
+            <a:pathLst>
+              <a:path w="21600" h="21600" extrusionOk="0">
+                <a:moveTo>
+                  <a:pt x="10902" y="0"/>
+                </a:moveTo>
+                <a:lnTo>
+                  <a:pt x="8659" y="4150"/>
+                </a:lnTo>
+                <a:lnTo>
+                  <a:pt x="1492" y="4150"/>
+                </a:lnTo>
+                <a:cubicBezTo>
+                  <a:pt x="668" y="4150"/>
+                  <a:pt x="0" y="5252"/>
+                  <a:pt x="0" y="6612"/>
+                </a:cubicBezTo>
+                <a:lnTo>
+                  <a:pt x="0" y="19138"/>
+                </a:lnTo>
+                <a:cubicBezTo>
+                  <a:pt x="0" y="20498"/>
+                  <a:pt x="668" y="21600"/>
+                  <a:pt x="1492" y="21600"/>
+                </a:cubicBezTo>
+                <a:lnTo>
+                  <a:pt x="20108" y="21600"/>
+                </a:lnTo>
+                <a:cubicBezTo>
+                  <a:pt x="20932" y="21600"/>
+                  <a:pt x="21600" y="20498"/>
+                  <a:pt x="21600" y="19138"/>
+                </a:cubicBezTo>
+                <a:lnTo>
+                  <a:pt x="21600" y="6612"/>
+                </a:lnTo>
+                <a:cubicBezTo>
+                  <a:pt x="21600" y="5252"/>
+                  <a:pt x="20932" y="4150"/>
+                  <a:pt x="20108" y="4150"/>
+                </a:cubicBezTo>
+                <a:lnTo>
+                  <a:pt x="13143" y="4150"/>
+                </a:lnTo>
+                <a:lnTo>
+                  <a:pt x="10902" y="0"/>
+                </a:lnTo>
+                <a:close/>
+              </a:path>
+            </a:pathLst>
+          </a:custGeom>
+          <a:solidFill>
+            <a:srgbClr val="EE5150"/>
+          </a:solidFill>
+          <a:ln w="12700">
+            <a:miter lim="400000"/>
+          </a:ln>
+          <a:extLst>
+            <a:ext uri="{C572A759-6A51-4108-AA02-DFA0A04FC94B}">
+              <ma14:wrappingTextBoxFlag xmlns="" xmlns:ma14="http://schemas.microsoft.com/office/mac/drawingml/2011/main" val="1"/>
+            </a:ext>
+          </a:extLst>
+        </p:spPr>
+        <p:txBody>
+          <a:bodyPr lIns="71437" tIns="71437" rIns="71437" bIns="71437" anchor="ctr"/>
+          <a:lstStyle>
+            <a:lvl1pPr>
+              <a:defRPr sz="3000" b="0">
+                <a:solidFill>
+                  <a:srgbClr val="FFFFFF"/>
+                </a:solidFill>
+                <a:latin typeface="Montserrat Medium"/>
+                <a:ea typeface="Montserrat Medium"/>
+                <a:cs typeface="Montserrat Medium"/>
+                <a:sym typeface="Montserrat Medium"/>
+              </a:defRPr>
+            </a:lvl1pPr>
+          </a:lstStyle>
+          <a:p>
+            <a:r>
+              <a:t>Lorum ipsum dolor sit amet</a:t>
+            </a:r>
+          </a:p>
+        </p:txBody>
+      </p:sp>
+      <p:grpSp>
+        <p:nvGrpSpPr>
+          <p:cNvPr id="2" name="Group 1">
+            <a:extLst>
+              <a:ext uri="{FF2B5EF4-FFF2-40B4-BE49-F238E27FC236}">
+                <a16:creationId xmlns:a16="http://schemas.microsoft.com/office/drawing/2014/main" id="{27304E72-85EE-1B4A-9675-032DACEA0D51}"/>
+              </a:ext>
+            </a:extLst>
+          </p:cNvPr>
+          <p:cNvGrpSpPr/>
+          <p:nvPr/>
+        </p:nvGrpSpPr>
+        <p:grpSpPr>
+          <a:xfrm>
+            <a:off x="369844" y="-1039931"/>
+            <a:ext cx="24364296" cy="11273559"/>
+            <a:chOff x="369844" y="-1039931"/>
+            <a:chExt cx="24364296" cy="11273559"/>
+          </a:xfrm>
+        </p:grpSpPr>
+        <p:sp>
+          <p:nvSpPr>
+            <p:cNvPr id="139" name="Shape 139"/>
+            <p:cNvSpPr/>
+            <p:nvPr/>
+          </p:nvSpPr>
+          <p:spPr>
+            <a:xfrm rot="16200000">
+              <a:off x="14734463" y="1317089"/>
+              <a:ext cx="6120259" cy="3360399"/>
+            </a:xfrm>
+            <a:custGeom>
+              <a:avLst/>
+              <a:gdLst/>
+              <a:ahLst/>
+              <a:cxnLst>
+                <a:cxn ang="0">
+                  <a:pos x="wd2" y="hd2"/>
+                </a:cxn>
+                <a:cxn ang="5400000">
+                  <a:pos x="wd2" y="hd2"/>
+                </a:cxn>
+                <a:cxn ang="10800000">
+                  <a:pos x="wd2" y="hd2"/>
+                </a:cxn>
+                <a:cxn ang="16200000">
+                  <a:pos x="wd2" y="hd2"/>
+                </a:cxn>
+              </a:cxnLst>
+              <a:rect l="0" t="0" r="r" b="b"/>
+              <a:pathLst>
+                <a:path w="21600" h="21600" extrusionOk="0">
+                  <a:moveTo>
+                    <a:pt x="0" y="0"/>
+                  </a:moveTo>
+                  <a:lnTo>
+                    <a:pt x="0" y="21600"/>
+                  </a:lnTo>
+                  <a:lnTo>
+                    <a:pt x="21600" y="21600"/>
+                  </a:lnTo>
+                  <a:close/>
+                </a:path>
+              </a:pathLst>
+            </a:custGeom>
+            <a:solidFill>
+              <a:srgbClr val="FFFFFF"/>
+            </a:solidFill>
+            <a:ln w="12700">
+              <a:miter lim="400000"/>
+            </a:ln>
+          </p:spPr>
+          <p:txBody>
+            <a:bodyPr lIns="71437" tIns="71437" rIns="71437" bIns="71437" anchor="ctr"/>
+            <a:lstStyle/>
+            <a:p>
+              <a:pPr>
+                <a:defRPr sz="3000" b="0">
+                  <a:solidFill>
+                    <a:srgbClr val="FFFFFF"/>
+                  </a:solidFill>
+                  <a:latin typeface="+mn-lt"/>
+                  <a:ea typeface="+mn-ea"/>
+                  <a:cs typeface="+mn-cs"/>
+                  <a:sym typeface="Helvetica Neue Medium"/>
+                </a:defRPr>
+              </a:pPr>
+              <a:endParaRPr/>
+            </a:p>
+          </p:txBody>
+        </p:sp>
+        <p:sp>
+          <p:nvSpPr>
+            <p:cNvPr id="140" name="Shape 140"/>
+            <p:cNvSpPr/>
+            <p:nvPr/>
+          </p:nvSpPr>
+          <p:spPr>
+            <a:xfrm rot="16200000">
+              <a:off x="17562253" y="615600"/>
+              <a:ext cx="3063687" cy="1682153"/>
+            </a:xfrm>
+            <a:custGeom>
+              <a:avLst/>
+              <a:gdLst/>
+              <a:ahLst/>
+              <a:cxnLst>
+                <a:cxn ang="0">
+                  <a:pos x="wd2" y="hd2"/>
+                </a:cxn>
+                <a:cxn ang="5400000">
+                  <a:pos x="wd2" y="hd2"/>
+                </a:cxn>
+                <a:cxn ang="10800000">
+                  <a:pos x="wd2" y="hd2"/>
+                </a:cxn>
+                <a:cxn ang="16200000">
+                  <a:pos x="wd2" y="hd2"/>
+                </a:cxn>
+              </a:cxnLst>
+              <a:rect l="0" t="0" r="r" b="b"/>
+              <a:pathLst>
+                <a:path w="21600" h="21600" extrusionOk="0">
+                  <a:moveTo>
+                    <a:pt x="0" y="0"/>
+                  </a:moveTo>
+                  <a:lnTo>
+                    <a:pt x="0" y="21600"/>
+                  </a:lnTo>
+                  <a:lnTo>
+                    <a:pt x="21600" y="21600"/>
+                  </a:lnTo>
+                  <a:close/>
+                </a:path>
+              </a:pathLst>
+            </a:custGeom>
+            <a:solidFill>
+              <a:srgbClr val="EE5150"/>
+            </a:solidFill>
+            <a:ln w="12700">
+              <a:miter lim="400000"/>
+            </a:ln>
+          </p:spPr>
+          <p:txBody>
+            <a:bodyPr lIns="71437" tIns="71437" rIns="71437" bIns="71437" anchor="ctr"/>
+            <a:lstStyle/>
+            <a:p>
+              <a:pPr>
+                <a:defRPr sz="3000" b="0">
+                  <a:solidFill>
+                    <a:srgbClr val="FFFFFF"/>
+                  </a:solidFill>
+                  <a:latin typeface="+mn-lt"/>
+                  <a:ea typeface="+mn-ea"/>
+                  <a:cs typeface="+mn-cs"/>
+                  <a:sym typeface="Helvetica Neue Medium"/>
+                </a:defRPr>
+              </a:pPr>
+              <a:endParaRPr/>
+            </a:p>
+          </p:txBody>
+        </p:sp>
+        <p:sp>
+          <p:nvSpPr>
+            <p:cNvPr id="141" name="Shape 141"/>
+            <p:cNvSpPr/>
+            <p:nvPr/>
+          </p:nvSpPr>
+          <p:spPr>
+            <a:xfrm>
+              <a:off x="19899076" y="-60452"/>
+              <a:ext cx="4496226" cy="3047293"/>
+            </a:xfrm>
+            <a:prstGeom prst="rect">
+              <a:avLst/>
+            </a:prstGeom>
+            <a:solidFill>
+              <a:srgbClr val="EE5150"/>
+            </a:solidFill>
+            <a:ln w="12700">
+              <a:miter lim="400000"/>
+            </a:ln>
+          </p:spPr>
+          <p:txBody>
+            <a:bodyPr lIns="71437" tIns="71437" rIns="71437" bIns="71437" anchor="ctr"/>
+            <a:lstStyle/>
+            <a:p>
+              <a:pPr>
+                <a:defRPr sz="3000" b="0">
+                  <a:solidFill>
+                    <a:srgbClr val="FFFFFF"/>
+                  </a:solidFill>
+                  <a:latin typeface="+mn-lt"/>
+                  <a:ea typeface="+mn-ea"/>
+                  <a:cs typeface="+mn-cs"/>
+                  <a:sym typeface="Helvetica Neue Medium"/>
+                </a:defRPr>
+              </a:pPr>
+              <a:endParaRPr/>
+            </a:p>
+          </p:txBody>
+        </p:sp>
+        <p:sp>
+          <p:nvSpPr>
+            <p:cNvPr id="142" name="Shape 142"/>
+            <p:cNvSpPr/>
+            <p:nvPr/>
+          </p:nvSpPr>
+          <p:spPr>
+            <a:xfrm>
+              <a:off x="18613692" y="-539579"/>
+              <a:ext cx="6120448" cy="2607060"/>
+            </a:xfrm>
+            <a:prstGeom prst="rect">
+              <a:avLst/>
+            </a:prstGeom>
+            <a:ln w="12700">
+              <a:miter lim="400000"/>
+            </a:ln>
+            <a:extLst>
+              <a:ext uri="{C572A759-6A51-4108-AA02-DFA0A04FC94B}">
+                <ma14:wrappingTextBoxFlag xmlns="" xmlns:ma14="http://schemas.microsoft.com/office/mac/drawingml/2011/main" val="1"/>
+              </a:ext>
+            </a:extLst>
+          </p:spPr>
+          <p:txBody>
+            <a:bodyPr wrap="square" lIns="0" tIns="0" rIns="0" bIns="0" anchor="ctr">
+              <a:spAutoFit/>
+            </a:bodyPr>
+            <a:lstStyle/>
+            <a:p>
+              <a:pPr lvl="3" algn="l" defTabSz="642937">
+                <a:lnSpc>
+                  <a:spcPts val="24800"/>
+                </a:lnSpc>
+                <a:defRPr sz="7000" b="0" spc="-140">
+                  <a:solidFill>
+                    <a:srgbClr val="FFFFFF"/>
+                  </a:solidFill>
+                  <a:latin typeface="Montserrat Bold"/>
+                  <a:ea typeface="Montserrat Bold"/>
+                  <a:cs typeface="Montserrat Bold"/>
+                  <a:sym typeface="Montserrat Bold"/>
+                </a:defRPr>
+              </a:pPr>
+              <a:r>
+                <a:rPr lang="en-AU" dirty="0"/>
+                <a:t>  </a:t>
+              </a:r>
+              <a:r>
+                <a:rPr dirty="0"/>
+                <a:t>PAGE</a:t>
+              </a:r>
+              <a:r>
+                <a:rPr lang="en-AU" dirty="0"/>
+                <a:t> 148</a:t>
+              </a:r>
+              <a:endParaRPr dirty="0"/>
+            </a:p>
+          </p:txBody>
+        </p:sp>
+        <p:sp>
+          <p:nvSpPr>
+            <p:cNvPr id="145" name="Shape 145"/>
+            <p:cNvSpPr/>
+            <p:nvPr/>
+          </p:nvSpPr>
+          <p:spPr>
+            <a:xfrm>
+              <a:off x="385152" y="-1039931"/>
+              <a:ext cx="9610201" cy="3931013"/>
+            </a:xfrm>
+            <a:prstGeom prst="rect">
+              <a:avLst/>
+            </a:prstGeom>
+            <a:ln w="12700">
+              <a:miter lim="400000"/>
+            </a:ln>
+            <a:extLst>
+              <a:ext uri="{C572A759-6A51-4108-AA02-DFA0A04FC94B}">
+                <ma14:wrappingTextBoxFlag xmlns="" xmlns:ma14="http://schemas.microsoft.com/office/mac/drawingml/2011/main" val="1"/>
+              </a:ext>
+            </a:extLst>
+          </p:spPr>
+          <p:txBody>
+            <a:bodyPr lIns="0" tIns="0" rIns="0" bIns="0" anchor="ctr">
+              <a:spAutoFit/>
+            </a:bodyPr>
+            <a:lstStyle/>
+            <a:p>
+              <a:pPr lvl="3" algn="l" defTabSz="642937">
+                <a:lnSpc>
+                  <a:spcPts val="35600"/>
+                </a:lnSpc>
+                <a:defRPr sz="15000" b="0" spc="-300">
+                  <a:solidFill>
+                    <a:srgbClr val="FFFFFF"/>
+                  </a:solidFill>
+                  <a:latin typeface="Montserrat Bold"/>
+                  <a:ea typeface="Montserrat Bold"/>
+                  <a:cs typeface="Montserrat Bold"/>
+                  <a:sym typeface="Montserrat Bold"/>
+                </a:defRPr>
+              </a:pPr>
+              <a:r>
+                <a:rPr lang="en-AU" sz="16000" spc="-319" dirty="0"/>
+                <a:t>STEP</a:t>
+              </a:r>
+              <a:endParaRPr sz="16000" spc="-319" dirty="0"/>
+            </a:p>
+          </p:txBody>
+        </p:sp>
+        <p:sp>
+          <p:nvSpPr>
+            <p:cNvPr id="146" name="Shape 146"/>
+            <p:cNvSpPr/>
+            <p:nvPr/>
+          </p:nvSpPr>
+          <p:spPr>
+            <a:xfrm>
+              <a:off x="1334644" y="6636377"/>
+              <a:ext cx="21354888" cy="1621597"/>
+            </a:xfrm>
+            <a:prstGeom prst="rect">
+              <a:avLst/>
+            </a:prstGeom>
+            <a:ln w="12700">
+              <a:miter lim="400000"/>
+            </a:ln>
+            <a:extLst>
+              <a:ext uri="{C572A759-6A51-4108-AA02-DFA0A04FC94B}">
+                <ma14:wrappingTextBoxFlag xmlns="" xmlns:ma14="http://schemas.microsoft.com/office/mac/drawingml/2011/main" val="1"/>
+              </a:ext>
+            </a:extLst>
+          </p:spPr>
+          <p:txBody>
+            <a:bodyPr lIns="71437" tIns="71437" rIns="71437" bIns="71437">
+              <a:spAutoFit/>
+            </a:bodyPr>
+            <a:lstStyle>
+              <a:lvl1pPr algn="l">
+                <a:defRPr b="0">
+                  <a:latin typeface="Montserrat Medium"/>
+                  <a:ea typeface="Montserrat Medium"/>
+                  <a:cs typeface="Montserrat Medium"/>
+                  <a:sym typeface="Montserrat Medium"/>
+                </a:defRPr>
+              </a:lvl1pPr>
+            </a:lstStyle>
+            <a:p>
+              <a:r>
+                <a:rPr lang="en-AU" dirty="0"/>
+                <a:t>In this exercise, you will populate a set of STEP cards representing the forces relevant to your chosen context, using the template on the companion website. Focus on your own design problem, or follow the ‘Supermarket of the Future’ design brief (p.196). See p.199 for an example of a set of STEP Cards.</a:t>
+              </a:r>
+              <a:endParaRPr dirty="0"/>
+            </a:p>
+          </p:txBody>
+        </p:sp>
+        <p:sp>
+          <p:nvSpPr>
+            <p:cNvPr id="147" name="Shape 147"/>
+            <p:cNvSpPr/>
+            <p:nvPr/>
+          </p:nvSpPr>
+          <p:spPr>
+            <a:xfrm rot="16200000">
+              <a:off x="16480800" y="3733069"/>
+              <a:ext cx="2107691" cy="1157253"/>
+            </a:xfrm>
+            <a:custGeom>
+              <a:avLst/>
+              <a:gdLst/>
+              <a:ahLst/>
+              <a:cxnLst>
+                <a:cxn ang="0">
+                  <a:pos x="wd2" y="hd2"/>
+                </a:cxn>
+                <a:cxn ang="5400000">
+                  <a:pos x="wd2" y="hd2"/>
+                </a:cxn>
+                <a:cxn ang="10800000">
+                  <a:pos x="wd2" y="hd2"/>
+                </a:cxn>
+                <a:cxn ang="16200000">
+                  <a:pos x="wd2" y="hd2"/>
+                </a:cxn>
+              </a:cxnLst>
+              <a:rect l="0" t="0" r="r" b="b"/>
+              <a:pathLst>
+                <a:path w="21600" h="21600" extrusionOk="0">
+                  <a:moveTo>
+                    <a:pt x="0" y="0"/>
+                  </a:moveTo>
+                  <a:lnTo>
+                    <a:pt x="0" y="21600"/>
+                  </a:lnTo>
+                  <a:lnTo>
+                    <a:pt x="21600" y="21600"/>
+                  </a:lnTo>
+                  <a:close/>
+                </a:path>
+              </a:pathLst>
+            </a:custGeom>
+            <a:solidFill>
+              <a:srgbClr val="212121"/>
+            </a:solidFill>
+            <a:ln w="12700">
+              <a:miter lim="400000"/>
+            </a:ln>
+          </p:spPr>
+          <p:txBody>
+            <a:bodyPr lIns="71437" tIns="71437" rIns="71437" bIns="71437" anchor="ctr"/>
+            <a:lstStyle/>
+            <a:p>
+              <a:pPr>
+                <a:defRPr sz="3000" b="0">
+                  <a:solidFill>
+                    <a:srgbClr val="FFFFFF"/>
+                  </a:solidFill>
+                  <a:latin typeface="+mn-lt"/>
+                  <a:ea typeface="+mn-ea"/>
+                  <a:cs typeface="+mn-cs"/>
+                  <a:sym typeface="Helvetica Neue Medium"/>
+                </a:defRPr>
+              </a:pPr>
+              <a:endParaRPr/>
+            </a:p>
+          </p:txBody>
+        </p:sp>
+        <p:sp>
+          <p:nvSpPr>
+            <p:cNvPr id="148" name="Shape 148"/>
+            <p:cNvSpPr/>
+            <p:nvPr/>
+          </p:nvSpPr>
+          <p:spPr>
+            <a:xfrm>
+              <a:off x="18112142" y="3266047"/>
+              <a:ext cx="6328532" cy="2107692"/>
+            </a:xfrm>
+            <a:prstGeom prst="rect">
+              <a:avLst/>
+            </a:prstGeom>
+            <a:solidFill>
+              <a:srgbClr val="212121"/>
+            </a:solidFill>
+            <a:ln w="12700">
+              <a:miter lim="400000"/>
+            </a:ln>
+          </p:spPr>
+          <p:txBody>
+            <a:bodyPr lIns="71437" tIns="71437" rIns="71437" bIns="71437" anchor="ctr"/>
+            <a:lstStyle/>
+            <a:p>
+              <a:pPr marR="254000" algn="r">
+                <a:defRPr sz="3000" b="0">
+                  <a:solidFill>
+                    <a:srgbClr val="FFFFFF"/>
+                  </a:solidFill>
+                  <a:latin typeface="Montserrat Bold"/>
+                  <a:ea typeface="Montserrat Bold"/>
+                  <a:cs typeface="Montserrat Bold"/>
+                  <a:sym typeface="Montserrat Bold"/>
+                </a:defRPr>
+              </a:pPr>
+              <a:endParaRPr/>
+            </a:p>
+          </p:txBody>
+        </p:sp>
+        <p:sp>
+          <p:nvSpPr>
+            <p:cNvPr id="149" name="Shape 149"/>
+            <p:cNvSpPr/>
+            <p:nvPr/>
+          </p:nvSpPr>
+          <p:spPr>
+            <a:xfrm>
+              <a:off x="19398447" y="3551163"/>
+              <a:ext cx="4823435" cy="1529264"/>
+            </a:xfrm>
+            <a:prstGeom prst="rect">
+              <a:avLst/>
+            </a:prstGeom>
+            <a:ln w="12700">
+              <a:miter lim="400000"/>
+            </a:ln>
+            <a:extLst>
+              <a:ext uri="{C572A759-6A51-4108-AA02-DFA0A04FC94B}">
+                <ma14:wrappingTextBoxFlag xmlns="" xmlns:ma14="http://schemas.microsoft.com/office/mac/drawingml/2011/main" val="1"/>
+              </a:ext>
+            </a:extLst>
+          </p:spPr>
+          <p:txBody>
+            <a:bodyPr wrap="none" lIns="71437" tIns="71437" rIns="71437" bIns="71437" anchor="ctr">
+              <a:spAutoFit/>
+            </a:bodyPr>
+            <a:lstStyle/>
+            <a:p>
+              <a:pPr marR="254000" algn="r">
+                <a:defRPr sz="3000" b="0">
+                  <a:solidFill>
+                    <a:srgbClr val="FFFFFF"/>
+                  </a:solidFill>
+                  <a:latin typeface="Montserrat Bold"/>
+                  <a:ea typeface="Montserrat Bold"/>
+                  <a:cs typeface="Montserrat Bold"/>
+                  <a:sym typeface="Montserrat Bold"/>
+                </a:defRPr>
+              </a:pPr>
+              <a:r>
+                <a:rPr lang="en-AU" sz="3000" dirty="0"/>
+                <a:t>YOU WILL NEED</a:t>
+              </a:r>
+            </a:p>
+            <a:p>
+              <a:pPr marR="254000" algn="r">
+                <a:defRPr sz="3000" b="0">
+                  <a:solidFill>
+                    <a:srgbClr val="FFFFFF"/>
+                  </a:solidFill>
+                  <a:latin typeface="Montserrat Bold"/>
+                  <a:ea typeface="Montserrat Bold"/>
+                  <a:cs typeface="Montserrat Bold"/>
+                  <a:sym typeface="Montserrat Bold"/>
+                </a:defRPr>
+              </a:pPr>
+              <a:r>
+                <a:rPr lang="en-AU" sz="3000" dirty="0"/>
+                <a:t>Pen, paper, a range of</a:t>
+              </a:r>
+            </a:p>
+            <a:p>
+              <a:pPr marR="254000" algn="r">
+                <a:defRPr sz="3000" b="0">
+                  <a:solidFill>
+                    <a:srgbClr val="FFFFFF"/>
+                  </a:solidFill>
+                  <a:latin typeface="Montserrat Bold"/>
+                  <a:ea typeface="Montserrat Bold"/>
+                  <a:cs typeface="Montserrat Bold"/>
+                  <a:sym typeface="Montserrat Bold"/>
+                </a:defRPr>
+              </a:pPr>
+              <a:r>
+                <a:rPr lang="en-AU" sz="3000" dirty="0"/>
+                <a:t>materials (optional)</a:t>
+              </a:r>
+              <a:endParaRPr sz="3000" dirty="0">
+                <a:latin typeface="Montserrat Medium"/>
+                <a:ea typeface="Montserrat Medium"/>
+                <a:cs typeface="Montserrat Medium"/>
+                <a:sym typeface="Montserrat Medium"/>
+              </a:endParaRPr>
+            </a:p>
+          </p:txBody>
+        </p:sp>
+        <p:sp>
+          <p:nvSpPr>
+            <p:cNvPr id="153" name="Shape 153"/>
+            <p:cNvSpPr/>
+            <p:nvPr/>
+          </p:nvSpPr>
+          <p:spPr>
+            <a:xfrm>
+              <a:off x="2479707" y="9714356"/>
+              <a:ext cx="19139561" cy="1"/>
+            </a:xfrm>
+            <a:prstGeom prst="line">
+              <a:avLst/>
+            </a:prstGeom>
+            <a:ln w="88900">
+              <a:solidFill>
+                <a:srgbClr val="000000"/>
+              </a:solidFill>
+              <a:miter lim="400000"/>
+            </a:ln>
+          </p:spPr>
+          <p:txBody>
+            <a:bodyPr lIns="71437" tIns="71437" rIns="71437" bIns="71437" anchor="ctr"/>
+            <a:lstStyle/>
+            <a:p>
+              <a:pPr>
+                <a:defRPr sz="3000" b="0">
+                  <a:solidFill>
+                    <a:srgbClr val="FFFFFF"/>
+                  </a:solidFill>
+                  <a:latin typeface="+mn-lt"/>
+                  <a:ea typeface="+mn-ea"/>
+                  <a:cs typeface="+mn-cs"/>
+                  <a:sym typeface="Helvetica Neue Medium"/>
+                </a:defRPr>
+              </a:pPr>
+              <a:endParaRPr/>
+            </a:p>
+          </p:txBody>
+        </p:sp>
+        <p:sp>
+          <p:nvSpPr>
+            <p:cNvPr id="154" name="Shape 154"/>
+            <p:cNvSpPr/>
+            <p:nvPr/>
+          </p:nvSpPr>
+          <p:spPr>
+            <a:xfrm>
+              <a:off x="1478213" y="9195086"/>
+              <a:ext cx="1038542" cy="1038541"/>
+            </a:xfrm>
+            <a:prstGeom prst="ellipse">
+              <a:avLst/>
+            </a:prstGeom>
+            <a:solidFill>
+              <a:srgbClr val="C0C0C0"/>
+            </a:solidFill>
+            <a:ln w="12700">
+              <a:miter lim="400000"/>
+            </a:ln>
+            <a:extLst>
+              <a:ext uri="{C572A759-6A51-4108-AA02-DFA0A04FC94B}">
+                <ma14:wrappingTextBoxFlag xmlns="" xmlns:ma14="http://schemas.microsoft.com/office/mac/drawingml/2011/main" val="1"/>
+              </a:ext>
+            </a:extLst>
+          </p:spPr>
+          <p:txBody>
+            <a:bodyPr lIns="71437" tIns="71437" rIns="71437" bIns="71437" anchor="ctr"/>
+            <a:lstStyle>
+              <a:lvl1pPr>
+                <a:defRPr sz="4000" b="0">
+                  <a:solidFill>
+                    <a:srgbClr val="FFFFFF"/>
+                  </a:solidFill>
+                  <a:latin typeface="Montserrat Bold"/>
+                  <a:ea typeface="Montserrat Bold"/>
+                  <a:cs typeface="Montserrat Bold"/>
+                  <a:sym typeface="Montserrat Bold"/>
+                </a:defRPr>
+              </a:lvl1pPr>
+            </a:lstStyle>
+            <a:p>
+              <a:r>
+                <a:t>1</a:t>
+              </a:r>
+            </a:p>
+          </p:txBody>
+        </p:sp>
+        <p:sp>
+          <p:nvSpPr>
+            <p:cNvPr id="155" name="Shape 155"/>
+            <p:cNvSpPr/>
+            <p:nvPr/>
+          </p:nvSpPr>
+          <p:spPr>
+            <a:xfrm>
+              <a:off x="20794536" y="9195086"/>
+              <a:ext cx="1038542" cy="1038541"/>
+            </a:xfrm>
+            <a:prstGeom prst="ellipse">
+              <a:avLst/>
+            </a:prstGeom>
+            <a:solidFill>
+              <a:srgbClr val="C0C0C0"/>
+            </a:solidFill>
+            <a:ln w="12700">
+              <a:miter lim="400000"/>
+            </a:ln>
+            <a:extLst>
+              <a:ext uri="{C572A759-6A51-4108-AA02-DFA0A04FC94B}">
+                <ma14:wrappingTextBoxFlag xmlns="" xmlns:ma14="http://schemas.microsoft.com/office/mac/drawingml/2011/main" val="1"/>
+              </a:ext>
+            </a:extLst>
+          </p:spPr>
+          <p:txBody>
+            <a:bodyPr lIns="71437" tIns="71437" rIns="71437" bIns="71437" anchor="ctr"/>
+            <a:lstStyle>
+              <a:lvl1pPr>
+                <a:defRPr sz="4000" b="0">
+                  <a:solidFill>
+                    <a:srgbClr val="FFFFFF"/>
+                  </a:solidFill>
+                  <a:latin typeface="Montserrat Bold"/>
+                  <a:ea typeface="Montserrat Bold"/>
+                  <a:cs typeface="Montserrat Bold"/>
+                  <a:sym typeface="Montserrat Bold"/>
+                </a:defRPr>
+              </a:lvl1pPr>
+            </a:lstStyle>
+            <a:p>
+              <a:r>
+                <a:t>7</a:t>
+              </a:r>
+            </a:p>
+          </p:txBody>
+        </p:sp>
+        <p:sp>
+          <p:nvSpPr>
+            <p:cNvPr id="156" name="Shape 156"/>
+            <p:cNvSpPr/>
+            <p:nvPr/>
+          </p:nvSpPr>
+          <p:spPr>
+            <a:xfrm>
+              <a:off x="4697601" y="9195086"/>
+              <a:ext cx="1038541" cy="1038541"/>
+            </a:xfrm>
+            <a:prstGeom prst="ellipse">
+              <a:avLst/>
+            </a:prstGeom>
+            <a:solidFill>
+              <a:srgbClr val="EF5150"/>
+            </a:solidFill>
+            <a:ln w="12700">
+              <a:miter lim="400000"/>
+            </a:ln>
+            <a:extLst>
+              <a:ext uri="{C572A759-6A51-4108-AA02-DFA0A04FC94B}">
+                <ma14:wrappingTextBoxFlag xmlns="" xmlns:ma14="http://schemas.microsoft.com/office/mac/drawingml/2011/main" val="1"/>
+              </a:ext>
+            </a:extLst>
+          </p:spPr>
+          <p:txBody>
+            <a:bodyPr lIns="71437" tIns="71437" rIns="71437" bIns="71437" anchor="ctr"/>
+            <a:lstStyle>
+              <a:lvl1pPr>
+                <a:defRPr sz="4000" b="0">
+                  <a:solidFill>
+                    <a:srgbClr val="FFFFFF"/>
+                  </a:solidFill>
+                  <a:latin typeface="Montserrat Bold"/>
+                  <a:ea typeface="Montserrat Bold"/>
+                  <a:cs typeface="Montserrat Bold"/>
+                  <a:sym typeface="Montserrat Bold"/>
+                </a:defRPr>
+              </a:lvl1pPr>
+            </a:lstStyle>
+            <a:p>
+              <a:r>
+                <a:t>2</a:t>
+              </a:r>
+            </a:p>
+          </p:txBody>
+        </p:sp>
+        <p:sp>
+          <p:nvSpPr>
+            <p:cNvPr id="157" name="Shape 157"/>
+            <p:cNvSpPr/>
+            <p:nvPr/>
+          </p:nvSpPr>
+          <p:spPr>
+            <a:xfrm>
+              <a:off x="7916988" y="9195086"/>
+              <a:ext cx="1038541" cy="1038541"/>
+            </a:xfrm>
+            <a:prstGeom prst="ellipse">
+              <a:avLst/>
+            </a:prstGeom>
+            <a:solidFill>
+              <a:srgbClr val="C0C0C0"/>
+            </a:solidFill>
+            <a:ln w="12700">
+              <a:miter lim="400000"/>
+            </a:ln>
+            <a:extLst>
+              <a:ext uri="{C572A759-6A51-4108-AA02-DFA0A04FC94B}">
+                <ma14:wrappingTextBoxFlag xmlns="" xmlns:ma14="http://schemas.microsoft.com/office/mac/drawingml/2011/main" val="1"/>
+              </a:ext>
+            </a:extLst>
+          </p:spPr>
+          <p:txBody>
+            <a:bodyPr lIns="71437" tIns="71437" rIns="71437" bIns="71437" anchor="ctr"/>
+            <a:lstStyle>
+              <a:lvl1pPr>
+                <a:defRPr sz="4000" b="0">
+                  <a:solidFill>
+                    <a:srgbClr val="FFFFFF"/>
+                  </a:solidFill>
+                  <a:latin typeface="Montserrat Bold"/>
+                  <a:ea typeface="Montserrat Bold"/>
+                  <a:cs typeface="Montserrat Bold"/>
+                  <a:sym typeface="Montserrat Bold"/>
+                </a:defRPr>
+              </a:lvl1pPr>
+            </a:lstStyle>
+            <a:p>
+              <a:r>
+                <a:t>3</a:t>
+              </a:r>
+            </a:p>
+          </p:txBody>
+        </p:sp>
+        <p:sp>
+          <p:nvSpPr>
+            <p:cNvPr id="158" name="Shape 158"/>
+            <p:cNvSpPr/>
+            <p:nvPr/>
+          </p:nvSpPr>
+          <p:spPr>
+            <a:xfrm>
+              <a:off x="11136375" y="9195086"/>
+              <a:ext cx="1038541" cy="1038541"/>
+            </a:xfrm>
+            <a:prstGeom prst="ellipse">
+              <a:avLst/>
+            </a:prstGeom>
+            <a:solidFill>
+              <a:srgbClr val="C0C0C0"/>
+            </a:solidFill>
+            <a:ln w="12700">
+              <a:miter lim="400000"/>
+            </a:ln>
+            <a:extLst>
+              <a:ext uri="{C572A759-6A51-4108-AA02-DFA0A04FC94B}">
+                <ma14:wrappingTextBoxFlag xmlns="" xmlns:ma14="http://schemas.microsoft.com/office/mac/drawingml/2011/main" val="1"/>
+              </a:ext>
+            </a:extLst>
+          </p:spPr>
+          <p:txBody>
+            <a:bodyPr lIns="71437" tIns="71437" rIns="71437" bIns="71437" anchor="ctr"/>
+            <a:lstStyle>
+              <a:lvl1pPr>
+                <a:defRPr sz="4000" b="0">
+                  <a:solidFill>
+                    <a:srgbClr val="FFFFFF"/>
+                  </a:solidFill>
+                  <a:latin typeface="Montserrat Bold"/>
+                  <a:ea typeface="Montserrat Bold"/>
+                  <a:cs typeface="Montserrat Bold"/>
+                  <a:sym typeface="Montserrat Bold"/>
+                </a:defRPr>
+              </a:lvl1pPr>
+            </a:lstStyle>
+            <a:p>
+              <a:r>
+                <a:t>4</a:t>
+              </a:r>
+            </a:p>
+          </p:txBody>
+        </p:sp>
+        <p:sp>
+          <p:nvSpPr>
+            <p:cNvPr id="159" name="Shape 159"/>
+            <p:cNvSpPr/>
+            <p:nvPr/>
+          </p:nvSpPr>
+          <p:spPr>
+            <a:xfrm>
+              <a:off x="14355762" y="9195086"/>
+              <a:ext cx="1038541" cy="1038541"/>
+            </a:xfrm>
+            <a:prstGeom prst="ellipse">
+              <a:avLst/>
+            </a:prstGeom>
+            <a:solidFill>
+              <a:srgbClr val="C0C0C0"/>
+            </a:solidFill>
+            <a:ln w="12700">
+              <a:miter lim="400000"/>
+            </a:ln>
+            <a:extLst>
+              <a:ext uri="{C572A759-6A51-4108-AA02-DFA0A04FC94B}">
+                <ma14:wrappingTextBoxFlag xmlns="" xmlns:ma14="http://schemas.microsoft.com/office/mac/drawingml/2011/main" val="1"/>
+              </a:ext>
+            </a:extLst>
+          </p:spPr>
+          <p:txBody>
+            <a:bodyPr lIns="71437" tIns="71437" rIns="71437" bIns="71437" anchor="ctr"/>
+            <a:lstStyle>
+              <a:lvl1pPr>
+                <a:defRPr sz="4000" b="0">
+                  <a:solidFill>
+                    <a:srgbClr val="FFFFFF"/>
+                  </a:solidFill>
+                  <a:latin typeface="Montserrat Bold"/>
+                  <a:ea typeface="Montserrat Bold"/>
+                  <a:cs typeface="Montserrat Bold"/>
+                  <a:sym typeface="Montserrat Bold"/>
+                </a:defRPr>
+              </a:lvl1pPr>
+            </a:lstStyle>
+            <a:p>
+              <a:r>
+                <a:t>5</a:t>
+              </a:r>
+            </a:p>
+          </p:txBody>
+        </p:sp>
+        <p:sp>
+          <p:nvSpPr>
+            <p:cNvPr id="163" name="Shape 163"/>
+            <p:cNvSpPr/>
+            <p:nvPr/>
+          </p:nvSpPr>
+          <p:spPr>
+            <a:xfrm>
+              <a:off x="17575150" y="9195086"/>
+              <a:ext cx="1038541" cy="1038542"/>
+            </a:xfrm>
+            <a:prstGeom prst="ellipse">
+              <a:avLst/>
+            </a:prstGeom>
+            <a:solidFill>
+              <a:srgbClr val="C0C0C0"/>
+            </a:solidFill>
+            <a:ln w="12700">
+              <a:miter lim="400000"/>
+            </a:ln>
+            <a:extLst>
+              <a:ext uri="{C572A759-6A51-4108-AA02-DFA0A04FC94B}">
+                <ma14:wrappingTextBoxFlag xmlns="" xmlns:ma14="http://schemas.microsoft.com/office/mac/drawingml/2011/main" val="1"/>
+              </a:ext>
+            </a:extLst>
+          </p:spPr>
+          <p:txBody>
+            <a:bodyPr lIns="71437" tIns="71437" rIns="71437" bIns="71437" anchor="ctr"/>
+            <a:lstStyle>
+              <a:lvl1pPr>
+                <a:defRPr sz="4000" b="0">
+                  <a:solidFill>
+                    <a:srgbClr val="FFFFFF"/>
+                  </a:solidFill>
+                  <a:latin typeface="Montserrat Bold"/>
+                  <a:ea typeface="Montserrat Bold"/>
+                  <a:cs typeface="Montserrat Bold"/>
+                  <a:sym typeface="Montserrat Bold"/>
+                </a:defRPr>
+              </a:lvl1pPr>
+            </a:lstStyle>
+            <a:p>
+              <a:r>
+                <a:t>6</a:t>
+              </a:r>
+            </a:p>
+          </p:txBody>
+        </p:sp>
+        <p:sp>
+          <p:nvSpPr>
+            <p:cNvPr id="152" name="Shape 152"/>
+            <p:cNvSpPr/>
+            <p:nvPr/>
+          </p:nvSpPr>
+          <p:spPr>
+            <a:xfrm>
+              <a:off x="369844" y="1408182"/>
+              <a:ext cx="13084209" cy="3931013"/>
+            </a:xfrm>
+            <a:prstGeom prst="rect">
+              <a:avLst/>
+            </a:prstGeom>
+            <a:ln w="12700">
+              <a:miter lim="400000"/>
+            </a:ln>
+            <a:extLst>
+              <a:ext uri="{C572A759-6A51-4108-AA02-DFA0A04FC94B}">
+                <ma14:wrappingTextBoxFlag xmlns="" xmlns:ma14="http://schemas.microsoft.com/office/mac/drawingml/2011/main" val="1"/>
+              </a:ext>
+            </a:extLst>
+          </p:spPr>
+          <p:txBody>
+            <a:bodyPr wrap="square" lIns="0" tIns="0" rIns="0" bIns="0" anchor="ctr">
+              <a:spAutoFit/>
+            </a:bodyPr>
+            <a:lstStyle/>
+            <a:p>
+              <a:pPr lvl="3" algn="l" defTabSz="642937">
+                <a:lnSpc>
+                  <a:spcPts val="35600"/>
+                </a:lnSpc>
+                <a:defRPr sz="15000" b="0" spc="-300">
+                  <a:solidFill>
+                    <a:srgbClr val="FFFFFF"/>
+                  </a:solidFill>
+                  <a:latin typeface="Montserrat Bold"/>
+                  <a:ea typeface="Montserrat Bold"/>
+                  <a:cs typeface="Montserrat Bold"/>
+                  <a:sym typeface="Montserrat Bold"/>
+                </a:defRPr>
+              </a:pPr>
+              <a:r>
+                <a:rPr lang="en-AU" sz="16000" spc="-319" dirty="0"/>
+                <a:t>Cards</a:t>
+              </a:r>
+              <a:endParaRPr sz="16000" spc="-319" dirty="0"/>
+            </a:p>
+          </p:txBody>
+        </p:sp>
+      </p:grpSp>
+      <p:sp>
+        <p:nvSpPr>
+          <p:cNvPr id="164" name="Shape 164"/>
+          <p:cNvSpPr/>
+          <p:nvPr/>
+        </p:nvSpPr>
+        <p:spPr>
+          <a:xfrm>
+            <a:off x="16303088" y="10291399"/>
+            <a:ext cx="3582665" cy="638176"/>
+          </a:xfrm>
+          <a:prstGeom prst="rect">
+            <a:avLst/>
+          </a:prstGeom>
+          <a:ln w="12700">
+            <a:miter lim="400000"/>
+          </a:ln>
+          <a:extLst>
+            <a:ext uri="{C572A759-6A51-4108-AA02-DFA0A04FC94B}">
+              <ma14:wrappingTextBoxFlag xmlns="" xmlns:ma14="http://schemas.microsoft.com/office/mac/drawingml/2011/main" val="1"/>
+            </a:ext>
+          </a:extLst>
+        </p:spPr>
+        <p:txBody>
+          <a:bodyPr lIns="71437" tIns="71437" rIns="71437" bIns="71437">
+            <a:spAutoFit/>
+          </a:bodyPr>
+          <a:lstStyle>
+            <a:lvl1pPr>
+              <a:defRPr b="0">
+                <a:solidFill>
+                  <a:srgbClr val="FF2830"/>
+                </a:solidFill>
+                <a:latin typeface="Montserrat Medium"/>
+                <a:ea typeface="Montserrat Medium"/>
+                <a:cs typeface="Montserrat Medium"/>
+                <a:sym typeface="Montserrat Medium"/>
+              </a:defRPr>
+            </a:lvl1pPr>
+          </a:lstStyle>
+          <a:p>
+            <a:r>
+              <a:rPr dirty="0"/>
+              <a:t>[</a:t>
+            </a:r>
+            <a:r>
+              <a:rPr lang="en-AU" dirty="0"/>
+              <a:t>15 mins</a:t>
+            </a:r>
+            <a:r>
+              <a:rPr dirty="0"/>
+              <a:t>] </a:t>
+            </a:r>
+          </a:p>
+        </p:txBody>
+      </p:sp>
+      <p:sp>
+        <p:nvSpPr>
+          <p:cNvPr id="165" name="Shape 165"/>
+          <p:cNvSpPr/>
+          <p:nvPr/>
+        </p:nvSpPr>
+        <p:spPr>
+          <a:xfrm>
+            <a:off x="19156336" y="10291399"/>
+            <a:ext cx="4314942" cy="636712"/>
+          </a:xfrm>
+          <a:prstGeom prst="rect">
+            <a:avLst/>
+          </a:prstGeom>
+          <a:ln w="12700">
+            <a:miter lim="400000"/>
+          </a:ln>
+          <a:extLst>
+            <a:ext uri="{C572A759-6A51-4108-AA02-DFA0A04FC94B}">
+              <ma14:wrappingTextBoxFlag xmlns="" xmlns:ma14="http://schemas.microsoft.com/office/mac/drawingml/2011/main" val="1"/>
+            </a:ext>
+          </a:extLst>
+        </p:spPr>
+        <p:txBody>
+          <a:bodyPr lIns="71437" tIns="71437" rIns="71437" bIns="71437">
+            <a:spAutoFit/>
+          </a:bodyPr>
+          <a:lstStyle/>
+          <a:p>
+            <a:pPr>
+              <a:defRPr b="0">
+                <a:solidFill>
+                  <a:srgbClr val="FF2830"/>
+                </a:solidFill>
+                <a:latin typeface="Montserrat Medium"/>
+                <a:ea typeface="Montserrat Medium"/>
+                <a:cs typeface="Montserrat Medium"/>
+                <a:sym typeface="Montserrat Medium"/>
+              </a:defRPr>
+            </a:pPr>
+            <a:r>
+              <a:rPr dirty="0"/>
+              <a:t>[</a:t>
+            </a:r>
+            <a:r>
+              <a:rPr lang="en-AU" dirty="0"/>
+              <a:t>10 mins</a:t>
+            </a:r>
+            <a:r>
+              <a:rPr dirty="0"/>
+              <a:t>] </a:t>
+            </a:r>
+          </a:p>
+        </p:txBody>
+      </p:sp>
+      <p:sp>
+        <p:nvSpPr>
+          <p:cNvPr id="166" name="Shape 166"/>
+          <p:cNvSpPr/>
+          <p:nvPr/>
+        </p:nvSpPr>
+        <p:spPr>
+          <a:xfrm>
+            <a:off x="3398920" y="10291399"/>
+            <a:ext cx="3582665" cy="638176"/>
+          </a:xfrm>
+          <a:prstGeom prst="rect">
+            <a:avLst/>
+          </a:prstGeom>
+          <a:ln w="12700">
+            <a:miter lim="400000"/>
+          </a:ln>
+          <a:extLst>
+            <a:ext uri="{C572A759-6A51-4108-AA02-DFA0A04FC94B}">
+              <ma14:wrappingTextBoxFlag xmlns="" xmlns:ma14="http://schemas.microsoft.com/office/mac/drawingml/2011/main" val="1"/>
+            </a:ext>
+          </a:extLst>
+        </p:spPr>
+        <p:txBody>
+          <a:bodyPr lIns="71437" tIns="71437" rIns="71437" bIns="71437">
+            <a:spAutoFit/>
+          </a:bodyPr>
+          <a:lstStyle>
+            <a:lvl1pPr>
+              <a:defRPr b="0">
+                <a:solidFill>
+                  <a:srgbClr val="FF2830"/>
+                </a:solidFill>
+                <a:latin typeface="Montserrat Medium"/>
+                <a:ea typeface="Montserrat Medium"/>
+                <a:cs typeface="Montserrat Medium"/>
+                <a:sym typeface="Montserrat Medium"/>
+              </a:defRPr>
+            </a:lvl1pPr>
+          </a:lstStyle>
+          <a:p>
+            <a:r>
+              <a:rPr lang="en-AU" dirty="0"/>
+              <a:t>[1-4 hours</a:t>
+            </a:r>
+            <a:r>
+              <a:rPr dirty="0"/>
+              <a:t>] </a:t>
+            </a:r>
+          </a:p>
+        </p:txBody>
+      </p:sp>
+      <p:sp>
+        <p:nvSpPr>
+          <p:cNvPr id="167" name="Shape 167"/>
+          <p:cNvSpPr/>
+          <p:nvPr/>
+        </p:nvSpPr>
+        <p:spPr>
+          <a:xfrm>
+            <a:off x="6644926" y="10291399"/>
+            <a:ext cx="3582665" cy="638176"/>
+          </a:xfrm>
+          <a:prstGeom prst="rect">
+            <a:avLst/>
+          </a:prstGeom>
+          <a:ln w="12700">
+            <a:miter lim="400000"/>
+          </a:ln>
+          <a:extLst>
+            <a:ext uri="{C572A759-6A51-4108-AA02-DFA0A04FC94B}">
+              <ma14:wrappingTextBoxFlag xmlns="" xmlns:ma14="http://schemas.microsoft.com/office/mac/drawingml/2011/main" val="1"/>
+            </a:ext>
+          </a:extLst>
+        </p:spPr>
+        <p:txBody>
+          <a:bodyPr lIns="71437" tIns="71437" rIns="71437" bIns="71437">
+            <a:spAutoFit/>
+          </a:bodyPr>
+          <a:lstStyle>
+            <a:lvl1pPr>
+              <a:defRPr b="0">
+                <a:solidFill>
+                  <a:srgbClr val="FF2830"/>
+                </a:solidFill>
+                <a:latin typeface="Montserrat Medium"/>
+                <a:ea typeface="Montserrat Medium"/>
+                <a:cs typeface="Montserrat Medium"/>
+                <a:sym typeface="Montserrat Medium"/>
+              </a:defRPr>
+            </a:lvl1pPr>
+          </a:lstStyle>
+          <a:p>
+            <a:r>
+              <a:rPr dirty="0"/>
+              <a:t>[</a:t>
+            </a:r>
+            <a:r>
+              <a:rPr lang="en-AU" dirty="0"/>
+              <a:t>30 mins</a:t>
+            </a:r>
+            <a:r>
+              <a:rPr dirty="0"/>
+              <a:t>] </a:t>
+            </a:r>
+          </a:p>
+        </p:txBody>
+      </p:sp>
+      <p:sp>
+        <p:nvSpPr>
+          <p:cNvPr id="168" name="Shape 168"/>
+          <p:cNvSpPr/>
+          <p:nvPr/>
+        </p:nvSpPr>
+        <p:spPr>
+          <a:xfrm>
+            <a:off x="9864313" y="10291399"/>
+            <a:ext cx="3582665" cy="638176"/>
+          </a:xfrm>
+          <a:prstGeom prst="rect">
+            <a:avLst/>
+          </a:prstGeom>
+          <a:ln w="12700">
+            <a:miter lim="400000"/>
+          </a:ln>
+          <a:extLst>
+            <a:ext uri="{C572A759-6A51-4108-AA02-DFA0A04FC94B}">
+              <ma14:wrappingTextBoxFlag xmlns="" xmlns:ma14="http://schemas.microsoft.com/office/mac/drawingml/2011/main" val="1"/>
+            </a:ext>
+          </a:extLst>
+        </p:spPr>
+        <p:txBody>
+          <a:bodyPr lIns="71437" tIns="71437" rIns="71437" bIns="71437">
+            <a:spAutoFit/>
+          </a:bodyPr>
+          <a:lstStyle>
+            <a:lvl1pPr>
+              <a:defRPr b="0">
+                <a:solidFill>
+                  <a:srgbClr val="FF2830"/>
+                </a:solidFill>
+                <a:latin typeface="Montserrat Medium"/>
+                <a:ea typeface="Montserrat Medium"/>
+                <a:cs typeface="Montserrat Medium"/>
+                <a:sym typeface="Montserrat Medium"/>
+              </a:defRPr>
+            </a:lvl1pPr>
+          </a:lstStyle>
+          <a:p>
+            <a:r>
+              <a:rPr dirty="0"/>
+              <a:t>[</a:t>
+            </a:r>
+            <a:r>
+              <a:rPr lang="en-AU" dirty="0"/>
+              <a:t>20 mins</a:t>
+            </a:r>
+            <a:r>
+              <a:rPr dirty="0"/>
+              <a:t>] </a:t>
+            </a:r>
+          </a:p>
+        </p:txBody>
+      </p:sp>
+      <p:sp>
+        <p:nvSpPr>
+          <p:cNvPr id="169" name="Shape 169"/>
+          <p:cNvSpPr/>
+          <p:nvPr/>
+        </p:nvSpPr>
+        <p:spPr>
+          <a:xfrm>
+            <a:off x="13083700" y="10291399"/>
+            <a:ext cx="3582665" cy="638176"/>
+          </a:xfrm>
+          <a:prstGeom prst="rect">
+            <a:avLst/>
+          </a:prstGeom>
+          <a:ln w="12700">
+            <a:miter lim="400000"/>
+          </a:ln>
+          <a:extLst>
+            <a:ext uri="{C572A759-6A51-4108-AA02-DFA0A04FC94B}">
+              <ma14:wrappingTextBoxFlag xmlns="" xmlns:ma14="http://schemas.microsoft.com/office/mac/drawingml/2011/main" val="1"/>
+            </a:ext>
+          </a:extLst>
+        </p:spPr>
+        <p:txBody>
+          <a:bodyPr lIns="71437" tIns="71437" rIns="71437" bIns="71437">
+            <a:spAutoFit/>
+          </a:bodyPr>
+          <a:lstStyle>
+            <a:lvl1pPr>
+              <a:defRPr b="0">
+                <a:solidFill>
+                  <a:srgbClr val="FF2830"/>
+                </a:solidFill>
+                <a:latin typeface="Montserrat Medium"/>
+                <a:ea typeface="Montserrat Medium"/>
+                <a:cs typeface="Montserrat Medium"/>
+                <a:sym typeface="Montserrat Medium"/>
+              </a:defRPr>
+            </a:lvl1pPr>
+          </a:lstStyle>
+          <a:p>
+            <a:r>
+              <a:rPr dirty="0"/>
+              <a:t>[</a:t>
+            </a:r>
+            <a:r>
+              <a:rPr lang="en-AU" dirty="0"/>
+              <a:t>15 mins</a:t>
+            </a:r>
+            <a:r>
+              <a:rPr dirty="0"/>
+              <a:t>] </a:t>
+            </a:r>
+          </a:p>
+        </p:txBody>
+      </p:sp>
+      <p:sp>
+        <p:nvSpPr>
+          <p:cNvPr id="35" name="Shape 127">
+            <a:extLst>
+              <a:ext uri="{FF2B5EF4-FFF2-40B4-BE49-F238E27FC236}">
+                <a16:creationId xmlns:a16="http://schemas.microsoft.com/office/drawing/2014/main" id="{2F775200-DD5C-E546-8634-FD4E55E21D8B}"/>
+              </a:ext>
+            </a:extLst>
+          </p:cNvPr>
+          <p:cNvSpPr/>
+          <p:nvPr/>
+        </p:nvSpPr>
+        <p:spPr>
+          <a:xfrm>
+            <a:off x="14466277" y="12658992"/>
+            <a:ext cx="14653845" cy="452046"/>
+          </a:xfrm>
+          <a:prstGeom prst="rect">
+            <a:avLst/>
+          </a:prstGeom>
+          <a:ln w="12700">
+            <a:miter lim="400000"/>
+          </a:ln>
+          <a:extLst>
+            <a:ext uri="{C572A759-6A51-4108-AA02-DFA0A04FC94B}">
+              <ma14:wrappingTextBoxFlag xmlns:ma14="http://schemas.microsoft.com/office/mac/drawingml/2011/main" xmlns="" val="1"/>
+            </a:ext>
+          </a:extLst>
+        </p:spPr>
+        <p:txBody>
+          <a:bodyPr wrap="square" lIns="71437" tIns="71437" rIns="71437" bIns="71437" anchor="ctr">
+            <a:spAutoFit/>
+          </a:bodyPr>
+          <a:lstStyle/>
+          <a:p>
+            <a:pPr algn="l">
+              <a:defRPr sz="2000" b="0">
+                <a:solidFill>
+                  <a:srgbClr val="919191"/>
+                </a:solidFill>
+                <a:latin typeface="Montserrat Medium"/>
+                <a:ea typeface="Montserrat Medium"/>
+                <a:cs typeface="Montserrat Medium"/>
+                <a:sym typeface="Montserrat Medium"/>
+              </a:defRPr>
+            </a:pPr>
+            <a:r>
+              <a:rPr dirty="0"/>
+              <a:t>Image Attribution:</a:t>
+            </a:r>
+            <a:r>
+              <a:rPr lang="en-AU" dirty="0"/>
+              <a:t> Jake Hills, https://</a:t>
+            </a:r>
+            <a:r>
+              <a:rPr lang="en-AU" dirty="0" err="1"/>
+              <a:t>unsplash.com</a:t>
+            </a:r>
+            <a:r>
+              <a:rPr lang="en-AU" dirty="0"/>
+              <a:t>/photos/bt-Sc22W-BE</a:t>
+            </a:r>
+          </a:p>
+        </p:txBody>
+      </p:sp>
+    </p:spTree>
+    <p:extLst>
+      <p:ext uri="{BB962C8B-B14F-4D97-AF65-F5344CB8AC3E}">
+        <p14:creationId xmlns:p14="http://schemas.microsoft.com/office/powerpoint/2010/main" val="1476868450"/>
+      </p:ext>
+    </p:extLst>
+  </p:cSld>
+  <p:clrMapOvr>
+    <a:masterClrMapping/>
+  </p:clrMapOvr>
+  <p:transition spd="med"/>
+</p:sld>
+</file>
+
+<file path=ppt/slides/slide5.xml><?xml version="1.0" encoding="utf-8"?>
+<p:sld xmlns:a="http://schemas.openxmlformats.org/drawingml/2006/main" xmlns:r="http://schemas.openxmlformats.org/officeDocument/2006/relationships" xmlns:p="http://schemas.openxmlformats.org/presentationml/2006/main">
+  <p:cSld>
+    <p:spTree>
+      <p:nvGrpSpPr>
+        <p:cNvPr id="1" name=""/>
+        <p:cNvGrpSpPr/>
+        <p:nvPr/>
+      </p:nvGrpSpPr>
+      <p:grpSpPr>
+        <a:xfrm>
+          <a:off x="0" y="0"/>
+          <a:ext cx="0" cy="0"/>
+          <a:chOff x="0" y="0"/>
+          <a:chExt cx="0" cy="0"/>
+        </a:xfrm>
+      </p:grpSpPr>
+      <p:pic>
+        <p:nvPicPr>
+          <p:cNvPr id="38" name="Picture 37" descr="A close - up of a machine&#10;&#10;Description automatically generated with low confidence">
+            <a:extLst>
+              <a:ext uri="{FF2B5EF4-FFF2-40B4-BE49-F238E27FC236}">
+                <a16:creationId xmlns:a16="http://schemas.microsoft.com/office/drawing/2014/main" id="{26E62A6E-18B0-8E49-B9EB-1F0225F9F340}"/>
+              </a:ext>
+            </a:extLst>
+          </p:cNvPr>
+          <p:cNvPicPr>
+            <a:picLocks noChangeAspect="1"/>
+          </p:cNvPicPr>
+          <p:nvPr/>
+        </p:nvPicPr>
+        <p:blipFill rotWithShape="1">
+          <a:blip r:embed="rId2">
+            <a:extLst>
+              <a:ext uri="{28A0092B-C50C-407E-A947-70E740481C1C}">
+                <a14:useLocalDpi xmlns:a14="http://schemas.microsoft.com/office/drawing/2010/main" val="0"/>
+              </a:ext>
+            </a:extLst>
+          </a:blip>
+          <a:srcRect l="3311" t="33117" r="4102" b="21978"/>
+          <a:stretch/>
+        </p:blipFill>
+        <p:spPr>
+          <a:xfrm>
+            <a:off x="-22392" y="-26895"/>
+            <a:ext cx="19428626" cy="5944405"/>
+          </a:xfrm>
+          <a:prstGeom prst="rect">
+            <a:avLst/>
+          </a:prstGeom>
+        </p:spPr>
+      </p:pic>
+      <p:sp>
+        <p:nvSpPr>
+          <p:cNvPr id="39" name="Shape 124">
+            <a:extLst>
+              <a:ext uri="{FF2B5EF4-FFF2-40B4-BE49-F238E27FC236}">
+                <a16:creationId xmlns:a16="http://schemas.microsoft.com/office/drawing/2014/main" id="{B2E28D7F-C438-8F43-95C0-05859735C6CC}"/>
+              </a:ext>
+            </a:extLst>
+          </p:cNvPr>
+          <p:cNvSpPr/>
+          <p:nvPr/>
+        </p:nvSpPr>
+        <p:spPr>
+          <a:xfrm>
+            <a:off x="-46996" y="379438"/>
+            <a:ext cx="7619538" cy="2321716"/>
+          </a:xfrm>
+          <a:prstGeom prst="rect">
+            <a:avLst/>
+          </a:prstGeom>
+          <a:solidFill>
+            <a:srgbClr val="EE5150"/>
+          </a:solidFill>
+          <a:ln w="12700">
+            <a:miter lim="400000"/>
+          </a:ln>
+        </p:spPr>
+        <p:txBody>
+          <a:bodyPr lIns="0" tIns="0" rIns="0" bIns="0" anchor="ctr"/>
+          <a:lstStyle/>
+          <a:p>
+            <a:pPr lvl="3" algn="l" defTabSz="642937">
+              <a:lnSpc>
+                <a:spcPts val="27900"/>
+              </a:lnSpc>
+              <a:defRPr sz="9600">
+                <a:solidFill>
+                  <a:srgbClr val="FFFFFF"/>
+                </a:solidFill>
+                <a:latin typeface="Tw Cen MT"/>
+                <a:ea typeface="Tw Cen MT"/>
+                <a:cs typeface="Tw Cen MT"/>
+                <a:sym typeface="Tw Cen MT"/>
+              </a:defRPr>
+            </a:pPr>
+            <a:endParaRPr/>
+          </a:p>
+        </p:txBody>
+      </p:sp>
+      <p:sp>
+        <p:nvSpPr>
+          <p:cNvPr id="40" name="Shape 125">
+            <a:extLst>
+              <a:ext uri="{FF2B5EF4-FFF2-40B4-BE49-F238E27FC236}">
+                <a16:creationId xmlns:a16="http://schemas.microsoft.com/office/drawing/2014/main" id="{3AE0CF62-A508-344C-96C5-322F92B833BC}"/>
+              </a:ext>
+            </a:extLst>
+          </p:cNvPr>
+          <p:cNvSpPr/>
+          <p:nvPr/>
+        </p:nvSpPr>
+        <p:spPr>
+          <a:xfrm rot="5400000">
+            <a:off x="7047380" y="904601"/>
+            <a:ext cx="2321715" cy="1271394"/>
+          </a:xfrm>
+          <a:custGeom>
+            <a:avLst/>
+            <a:gdLst/>
+            <a:ahLst/>
+            <a:cxnLst>
+              <a:cxn ang="0">
+                <a:pos x="wd2" y="hd2"/>
+              </a:cxn>
+              <a:cxn ang="5400000">
+                <a:pos x="wd2" y="hd2"/>
+              </a:cxn>
+              <a:cxn ang="10800000">
+                <a:pos x="wd2" y="hd2"/>
+              </a:cxn>
+              <a:cxn ang="16200000">
+                <a:pos x="wd2" y="hd2"/>
+              </a:cxn>
+            </a:cxnLst>
+            <a:rect l="0" t="0" r="r" b="b"/>
+            <a:pathLst>
+              <a:path w="21600" h="21600" extrusionOk="0">
+                <a:moveTo>
+                  <a:pt x="0" y="0"/>
+                </a:moveTo>
+                <a:lnTo>
+                  <a:pt x="0" y="21600"/>
+                </a:lnTo>
+                <a:lnTo>
+                  <a:pt x="21600" y="21600"/>
+                </a:lnTo>
+                <a:close/>
+              </a:path>
+            </a:pathLst>
+          </a:custGeom>
+          <a:solidFill>
+            <a:srgbClr val="EE5150"/>
+          </a:solidFill>
+          <a:ln w="12700">
+            <a:miter lim="400000"/>
+          </a:ln>
+        </p:spPr>
+        <p:txBody>
+          <a:bodyPr lIns="71437" tIns="71437" rIns="71437" bIns="71437" anchor="ctr"/>
+          <a:lstStyle/>
+          <a:p>
+            <a:pPr>
+              <a:defRPr sz="3000" b="0">
+                <a:solidFill>
+                  <a:srgbClr val="FFFFFF"/>
+                </a:solidFill>
+                <a:latin typeface="+mn-lt"/>
+                <a:ea typeface="+mn-ea"/>
+                <a:cs typeface="+mn-cs"/>
+                <a:sym typeface="Helvetica Neue Medium"/>
+              </a:defRPr>
+            </a:pPr>
+            <a:endParaRPr/>
+          </a:p>
+        </p:txBody>
+      </p:sp>
+      <p:sp>
+        <p:nvSpPr>
+          <p:cNvPr id="41" name="Shape 128">
+            <a:extLst>
+              <a:ext uri="{FF2B5EF4-FFF2-40B4-BE49-F238E27FC236}">
+                <a16:creationId xmlns:a16="http://schemas.microsoft.com/office/drawing/2014/main" id="{A3FC385D-1B32-884E-AAF6-64CFDA90A0D3}"/>
+              </a:ext>
+            </a:extLst>
+          </p:cNvPr>
+          <p:cNvSpPr/>
+          <p:nvPr/>
+        </p:nvSpPr>
+        <p:spPr>
+          <a:xfrm>
+            <a:off x="-102529" y="2983663"/>
+            <a:ext cx="7675070" cy="2321715"/>
+          </a:xfrm>
+          <a:prstGeom prst="rect">
+            <a:avLst/>
+          </a:prstGeom>
+          <a:solidFill>
+            <a:srgbClr val="EE5150"/>
+          </a:solidFill>
+          <a:ln w="12700">
+            <a:miter lim="400000"/>
+          </a:ln>
+        </p:spPr>
+        <p:txBody>
+          <a:bodyPr lIns="0" tIns="0" rIns="0" bIns="0" anchor="ctr"/>
+          <a:lstStyle/>
+          <a:p>
+            <a:pPr lvl="3" algn="l" defTabSz="642937">
+              <a:lnSpc>
+                <a:spcPts val="27900"/>
+              </a:lnSpc>
+              <a:defRPr sz="9600">
+                <a:solidFill>
+                  <a:srgbClr val="FFFFFF"/>
+                </a:solidFill>
+                <a:latin typeface="Tw Cen MT"/>
+                <a:ea typeface="Tw Cen MT"/>
+                <a:cs typeface="Tw Cen MT"/>
+                <a:sym typeface="Tw Cen MT"/>
+              </a:defRPr>
+            </a:pPr>
+            <a:endParaRPr/>
+          </a:p>
+        </p:txBody>
+      </p:sp>
+      <p:sp>
+        <p:nvSpPr>
+          <p:cNvPr id="42" name="Shape 129">
+            <a:extLst>
+              <a:ext uri="{FF2B5EF4-FFF2-40B4-BE49-F238E27FC236}">
+                <a16:creationId xmlns:a16="http://schemas.microsoft.com/office/drawing/2014/main" id="{F5103DD4-4BB3-E14A-B35A-80E3BFEF0D05}"/>
+              </a:ext>
+            </a:extLst>
+          </p:cNvPr>
+          <p:cNvSpPr/>
+          <p:nvPr/>
+        </p:nvSpPr>
+        <p:spPr>
+          <a:xfrm rot="5400000">
+            <a:off x="7023933" y="3508824"/>
+            <a:ext cx="2321716" cy="1271394"/>
           </a:xfrm>
           <a:custGeom>
             <a:avLst/>
@@ -7240,7 +9201,7 @@
         </p:nvSpPr>
         <p:spPr>
           <a:xfrm>
-            <a:off x="3398920" y="10987347"/>
+            <a:off x="6644926" y="10987347"/>
             <a:ext cx="3687764" cy="2235201"/>
           </a:xfrm>
           <a:custGeom>
@@ -7360,10 +9321,10 @@
         </p:nvGrpSpPr>
         <p:grpSpPr>
           <a:xfrm>
-            <a:off x="-110395" y="-1039931"/>
-            <a:ext cx="24844535" cy="11273559"/>
-            <a:chOff x="-110395" y="-1039931"/>
-            <a:chExt cx="24844535" cy="11273559"/>
+            <a:off x="369844" y="-1039931"/>
+            <a:ext cx="24364296" cy="11273559"/>
+            <a:chOff x="369844" y="-1039931"/>
+            <a:chExt cx="24364296" cy="11273559"/>
           </a:xfrm>
         </p:grpSpPr>
         <p:sp>
@@ -7597,127 +9558,13 @@
               </a:r>
               <a:r>
                 <a:rPr dirty="0"/>
-                <a:t>PAGE </a:t>
+                <a:t>PAGE</a:t>
               </a:r>
               <a:r>
                 <a:rPr lang="en-AU" dirty="0"/>
-                <a:t>104</a:t>
+                <a:t> 148</a:t>
               </a:r>
               <a:endParaRPr dirty="0"/>
-            </a:p>
-          </p:txBody>
-        </p:sp>
-        <p:sp>
-          <p:nvSpPr>
-            <p:cNvPr id="143" name="Shape 143"/>
-            <p:cNvSpPr/>
-            <p:nvPr/>
-          </p:nvSpPr>
-          <p:spPr>
-            <a:xfrm>
-              <a:off x="-110395" y="609796"/>
-              <a:ext cx="12005529" cy="2321715"/>
-            </a:xfrm>
-            <a:prstGeom prst="rect">
-              <a:avLst/>
-            </a:prstGeom>
-            <a:solidFill>
-              <a:srgbClr val="EE5150"/>
-            </a:solidFill>
-            <a:ln w="12700">
-              <a:miter lim="400000"/>
-            </a:ln>
-          </p:spPr>
-          <p:txBody>
-            <a:bodyPr lIns="0" tIns="0" rIns="0" bIns="0" anchor="ctr"/>
-            <a:lstStyle/>
-            <a:p>
-              <a:pPr lvl="3" algn="l" defTabSz="642937">
-                <a:lnSpc>
-                  <a:spcPts val="27900"/>
-                </a:lnSpc>
-                <a:defRPr sz="9600">
-                  <a:solidFill>
-                    <a:srgbClr val="FFFFFF"/>
-                  </a:solidFill>
-                  <a:latin typeface="Tw Cen MT"/>
-                  <a:ea typeface="Tw Cen MT"/>
-                  <a:cs typeface="Tw Cen MT"/>
-                  <a:sym typeface="Tw Cen MT"/>
-                </a:defRPr>
-              </a:pPr>
-              <a:endParaRPr/>
-            </a:p>
-          </p:txBody>
-        </p:sp>
-        <p:sp>
-          <p:nvSpPr>
-            <p:cNvPr id="144" name="Shape 144"/>
-            <p:cNvSpPr/>
-            <p:nvPr/>
-          </p:nvSpPr>
-          <p:spPr>
-            <a:xfrm rot="5400000">
-              <a:off x="11368800" y="1134957"/>
-              <a:ext cx="2321715" cy="1271394"/>
-            </a:xfrm>
-            <a:custGeom>
-              <a:avLst/>
-              <a:gdLst/>
-              <a:ahLst/>
-              <a:cxnLst>
-                <a:cxn ang="0">
-                  <a:pos x="wd2" y="hd2"/>
-                </a:cxn>
-                <a:cxn ang="5400000">
-                  <a:pos x="wd2" y="hd2"/>
-                </a:cxn>
-                <a:cxn ang="10800000">
-                  <a:pos x="wd2" y="hd2"/>
-                </a:cxn>
-                <a:cxn ang="16200000">
-                  <a:pos x="wd2" y="hd2"/>
-                </a:cxn>
-              </a:cxnLst>
-              <a:rect l="0" t="0" r="r" b="b"/>
-              <a:pathLst>
-                <a:path w="21600" h="21600" extrusionOk="0">
-                  <a:moveTo>
-                    <a:pt x="0" y="0"/>
-                  </a:moveTo>
-                  <a:lnTo>
-                    <a:pt x="0" y="21600"/>
-                  </a:lnTo>
-                  <a:lnTo>
-                    <a:pt x="21600" y="21600"/>
-                  </a:lnTo>
-                  <a:close/>
-                </a:path>
-              </a:pathLst>
-            </a:custGeom>
-            <a:solidFill>
-              <a:srgbClr val="EE5150"/>
-            </a:solidFill>
-            <a:ln w="12700">
-              <a:miter lim="400000"/>
-            </a:ln>
-          </p:spPr>
-          <p:txBody>
-            <a:bodyPr lIns="71437" tIns="71437" rIns="71437" bIns="71437" anchor="ctr"/>
-            <a:lstStyle/>
-            <a:p>
-              <a:pPr>
-                <a:defRPr sz="3000" b="0">
-                  <a:solidFill>
-                    <a:srgbClr val="FFFFFF"/>
-                  </a:solidFill>
-                  <a:latin typeface="+mn-lt"/>
-                  <a:ea typeface="+mn-ea"/>
-                  <a:cs typeface="+mn-cs"/>
-                  <a:sym typeface="Helvetica Neue Medium"/>
-                </a:defRPr>
-              </a:pPr>
-              <a:endParaRPr/>
             </a:p>
           </p:txBody>
         </p:sp>
@@ -8018,120 +9865,6 @@
         </p:sp>
         <p:sp>
           <p:nvSpPr>
-            <p:cNvPr id="150" name="Shape 150"/>
-            <p:cNvSpPr/>
-            <p:nvPr/>
-          </p:nvSpPr>
-          <p:spPr>
-            <a:xfrm>
-              <a:off x="-100301" y="3057910"/>
-              <a:ext cx="12986454" cy="2321715"/>
-            </a:xfrm>
-            <a:prstGeom prst="rect">
-              <a:avLst/>
-            </a:prstGeom>
-            <a:solidFill>
-              <a:srgbClr val="EE5150"/>
-            </a:solidFill>
-            <a:ln w="12700">
-              <a:miter lim="400000"/>
-            </a:ln>
-          </p:spPr>
-          <p:txBody>
-            <a:bodyPr lIns="0" tIns="0" rIns="0" bIns="0" anchor="ctr"/>
-            <a:lstStyle/>
-            <a:p>
-              <a:pPr lvl="3" algn="l" defTabSz="642937">
-                <a:lnSpc>
-                  <a:spcPts val="27900"/>
-                </a:lnSpc>
-                <a:defRPr sz="9600">
-                  <a:solidFill>
-                    <a:srgbClr val="FFFFFF"/>
-                  </a:solidFill>
-                  <a:latin typeface="Tw Cen MT"/>
-                  <a:ea typeface="Tw Cen MT"/>
-                  <a:cs typeface="Tw Cen MT"/>
-                  <a:sym typeface="Tw Cen MT"/>
-                </a:defRPr>
-              </a:pPr>
-              <a:endParaRPr dirty="0"/>
-            </a:p>
-          </p:txBody>
-        </p:sp>
-        <p:sp>
-          <p:nvSpPr>
-            <p:cNvPr id="151" name="Shape 151"/>
-            <p:cNvSpPr/>
-            <p:nvPr/>
-          </p:nvSpPr>
-          <p:spPr>
-            <a:xfrm rot="5400000">
-              <a:off x="9976984" y="3583071"/>
-              <a:ext cx="2321716" cy="1271394"/>
-            </a:xfrm>
-            <a:custGeom>
-              <a:avLst/>
-              <a:gdLst/>
-              <a:ahLst/>
-              <a:cxnLst>
-                <a:cxn ang="0">
-                  <a:pos x="wd2" y="hd2"/>
-                </a:cxn>
-                <a:cxn ang="5400000">
-                  <a:pos x="wd2" y="hd2"/>
-                </a:cxn>
-                <a:cxn ang="10800000">
-                  <a:pos x="wd2" y="hd2"/>
-                </a:cxn>
-                <a:cxn ang="16200000">
-                  <a:pos x="wd2" y="hd2"/>
-                </a:cxn>
-              </a:cxnLst>
-              <a:rect l="0" t="0" r="r" b="b"/>
-              <a:pathLst>
-                <a:path w="21600" h="21600" extrusionOk="0">
-                  <a:moveTo>
-                    <a:pt x="0" y="0"/>
-                  </a:moveTo>
-                  <a:lnTo>
-                    <a:pt x="0" y="21600"/>
-                  </a:lnTo>
-                  <a:lnTo>
-                    <a:pt x="21600" y="21600"/>
-                  </a:lnTo>
-                  <a:close/>
-                </a:path>
-              </a:pathLst>
-            </a:custGeom>
-            <a:solidFill>
-              <a:srgbClr val="EE5150"/>
-            </a:solidFill>
-            <a:ln w="12700">
-              <a:miter lim="400000"/>
-            </a:ln>
-          </p:spPr>
-          <p:txBody>
-            <a:bodyPr lIns="71437" tIns="71437" rIns="71437" bIns="71437" anchor="ctr"/>
-            <a:lstStyle/>
-            <a:p>
-              <a:pPr>
-                <a:defRPr sz="3000" b="0">
-                  <a:solidFill>
-                    <a:srgbClr val="FFFFFF"/>
-                  </a:solidFill>
-                  <a:latin typeface="+mn-lt"/>
-                  <a:ea typeface="+mn-ea"/>
-                  <a:cs typeface="+mn-cs"/>
-                  <a:sym typeface="Helvetica Neue Medium"/>
-                </a:defRPr>
-              </a:pPr>
-              <a:endParaRPr/>
-            </a:p>
-          </p:txBody>
-        </p:sp>
-        <p:sp>
-          <p:nvSpPr>
             <p:cNvPr id="153" name="Shape 153"/>
             <p:cNvSpPr/>
             <p:nvPr/>
@@ -8281,7 +10014,7 @@
               <a:avLst/>
             </a:prstGeom>
             <a:solidFill>
-              <a:srgbClr val="EF5150"/>
+              <a:srgbClr val="C0C0C0"/>
             </a:solidFill>
             <a:ln w="12700">
               <a:miter lim="400000"/>
@@ -8329,7 +10062,7 @@
               <a:avLst/>
             </a:prstGeom>
             <a:solidFill>
-              <a:srgbClr val="C0C0C0"/>
+              <a:srgbClr val="EF5150"/>
             </a:solidFill>
             <a:ln w="12700">
               <a:miter lim="400000"/>
@@ -8891,10 +10624,10 @@
       </p:sp>
       <p:sp>
         <p:nvSpPr>
-          <p:cNvPr id="37" name="Shape 127">
+          <p:cNvPr id="35" name="Shape 127">
             <a:extLst>
               <a:ext uri="{FF2B5EF4-FFF2-40B4-BE49-F238E27FC236}">
-                <a16:creationId xmlns:a16="http://schemas.microsoft.com/office/drawing/2014/main" id="{99CA618A-6B4F-8E4C-8AF3-72305AAD38A0}"/>
+                <a16:creationId xmlns:a16="http://schemas.microsoft.com/office/drawing/2014/main" id="{48469F94-A8BD-3D49-AA50-CC664E973D0F}"/>
               </a:ext>
             </a:extLst>
           </p:cNvPr>
@@ -8903,8 +10636,8 @@
         </p:nvSpPr>
         <p:spPr>
           <a:xfrm>
-            <a:off x="16130081" y="12505104"/>
-            <a:ext cx="7734553" cy="759822"/>
+            <a:off x="14466277" y="12658992"/>
+            <a:ext cx="14653845" cy="452046"/>
           </a:xfrm>
           <a:prstGeom prst="rect">
             <a:avLst/>
@@ -8919,12 +10652,12 @@
           </a:extLst>
         </p:spPr>
         <p:txBody>
-          <a:bodyPr wrap="none" lIns="71437" tIns="71437" rIns="71437" bIns="71437" anchor="ctr">
+          <a:bodyPr wrap="square" lIns="71437" tIns="71437" rIns="71437" bIns="71437" anchor="ctr">
             <a:spAutoFit/>
           </a:bodyPr>
           <a:lstStyle/>
           <a:p>
-            <a:pPr algn="r">
+            <a:pPr algn="l">
               <a:defRPr sz="2000" b="0">
                 <a:solidFill>
                   <a:srgbClr val="919191"/>
@@ -8949,24 +10682,7 @@
             </a:r>
             <a:r>
               <a:rPr lang="en-AU" dirty="0"/>
-              <a:t>/photos/</a:t>
-            </a:r>
-          </a:p>
-          <a:p>
-            <a:pPr algn="r">
-              <a:defRPr sz="2000" b="0">
-                <a:solidFill>
-                  <a:srgbClr val="919191"/>
-                </a:solidFill>
-                <a:latin typeface="Montserrat Medium"/>
-                <a:ea typeface="Montserrat Medium"/>
-                <a:cs typeface="Montserrat Medium"/>
-                <a:sym typeface="Montserrat Medium"/>
-              </a:defRPr>
-            </a:pPr>
-            <a:r>
-              <a:rPr lang="en-AU" dirty="0"/>
-              <a:t>bt-Sc22W-BE</a:t>
+              <a:t>/photos/bt-Sc22W-BE</a:t>
             </a:r>
           </a:p>
         </p:txBody>
@@ -8974,7 +10690,7 @@
     </p:spTree>
     <p:extLst>
       <p:ext uri="{BB962C8B-B14F-4D97-AF65-F5344CB8AC3E}">
-        <p14:creationId xmlns:p14="http://schemas.microsoft.com/office/powerpoint/2010/main" val="1933813554"/>
+        <p14:creationId xmlns:p14="http://schemas.microsoft.com/office/powerpoint/2010/main" val="78805269"/>
       </p:ext>
     </p:extLst>
   </p:cSld>
@@ -8985,7 +10701,7 @@
 </p:sld>
 </file>
 
-<file path=ppt/slides/slide5.xml><?xml version="1.0" encoding="utf-8"?>
+<file path=ppt/slides/slide6.xml><?xml version="1.0" encoding="utf-8"?>
 <p:sld xmlns:a="http://schemas.openxmlformats.org/drawingml/2006/main" xmlns:r="http://schemas.openxmlformats.org/officeDocument/2006/relationships" xmlns:p="http://schemas.openxmlformats.org/presentationml/2006/main">
   <p:cSld>
     <p:spTree>
@@ -9039,10 +10755,59 @@
       </p:pic>
       <p:sp>
         <p:nvSpPr>
-          <p:cNvPr id="36" name="Shape 144">
+          <p:cNvPr id="39" name="Shape 124">
             <a:extLst>
               <a:ext uri="{FF2B5EF4-FFF2-40B4-BE49-F238E27FC236}">
-                <a16:creationId xmlns:a16="http://schemas.microsoft.com/office/drawing/2014/main" id="{CD1E192E-5FE6-3E49-8AA2-BBE7F7DBFBD4}"/>
+                <a16:creationId xmlns:a16="http://schemas.microsoft.com/office/drawing/2014/main" id="{B2E28D7F-C438-8F43-95C0-05859735C6CC}"/>
+              </a:ext>
+            </a:extLst>
+          </p:cNvPr>
+          <p:cNvSpPr/>
+          <p:nvPr/>
+        </p:nvSpPr>
+        <p:spPr>
+          <a:xfrm>
+            <a:off x="-46996" y="379438"/>
+            <a:ext cx="7619538" cy="2321716"/>
+          </a:xfrm>
+          <a:prstGeom prst="rect">
+            <a:avLst/>
+          </a:prstGeom>
+          <a:solidFill>
+            <a:srgbClr val="EE5150"/>
+          </a:solidFill>
+          <a:ln w="12700">
+            <a:miter lim="400000"/>
+          </a:ln>
+        </p:spPr>
+        <p:txBody>
+          <a:bodyPr lIns="0" tIns="0" rIns="0" bIns="0" anchor="ctr"/>
+          <a:lstStyle/>
+          <a:p>
+            <a:pPr lvl="3" algn="l" defTabSz="642937">
+              <a:lnSpc>
+                <a:spcPts val="27900"/>
+              </a:lnSpc>
+              <a:defRPr sz="9600">
+                <a:solidFill>
+                  <a:srgbClr val="FFFFFF"/>
+                </a:solidFill>
+                <a:latin typeface="Tw Cen MT"/>
+                <a:ea typeface="Tw Cen MT"/>
+                <a:cs typeface="Tw Cen MT"/>
+                <a:sym typeface="Tw Cen MT"/>
+              </a:defRPr>
+            </a:pPr>
+            <a:endParaRPr/>
+          </a:p>
+        </p:txBody>
+      </p:sp>
+      <p:sp>
+        <p:nvSpPr>
+          <p:cNvPr id="40" name="Shape 125">
+            <a:extLst>
+              <a:ext uri="{FF2B5EF4-FFF2-40B4-BE49-F238E27FC236}">
+                <a16:creationId xmlns:a16="http://schemas.microsoft.com/office/drawing/2014/main" id="{3AE0CF62-A508-344C-96C5-322F92B833BC}"/>
               </a:ext>
             </a:extLst>
           </p:cNvPr>
@@ -9051,8 +10816,134 @@
         </p:nvSpPr>
         <p:spPr>
           <a:xfrm rot="5400000">
-            <a:off x="12360992" y="3581052"/>
+            <a:off x="7047380" y="904601"/>
             <a:ext cx="2321715" cy="1271394"/>
+          </a:xfrm>
+          <a:custGeom>
+            <a:avLst/>
+            <a:gdLst/>
+            <a:ahLst/>
+            <a:cxnLst>
+              <a:cxn ang="0">
+                <a:pos x="wd2" y="hd2"/>
+              </a:cxn>
+              <a:cxn ang="5400000">
+                <a:pos x="wd2" y="hd2"/>
+              </a:cxn>
+              <a:cxn ang="10800000">
+                <a:pos x="wd2" y="hd2"/>
+              </a:cxn>
+              <a:cxn ang="16200000">
+                <a:pos x="wd2" y="hd2"/>
+              </a:cxn>
+            </a:cxnLst>
+            <a:rect l="0" t="0" r="r" b="b"/>
+            <a:pathLst>
+              <a:path w="21600" h="21600" extrusionOk="0">
+                <a:moveTo>
+                  <a:pt x="0" y="0"/>
+                </a:moveTo>
+                <a:lnTo>
+                  <a:pt x="0" y="21600"/>
+                </a:lnTo>
+                <a:lnTo>
+                  <a:pt x="21600" y="21600"/>
+                </a:lnTo>
+                <a:close/>
+              </a:path>
+            </a:pathLst>
+          </a:custGeom>
+          <a:solidFill>
+            <a:srgbClr val="EE5150"/>
+          </a:solidFill>
+          <a:ln w="12700">
+            <a:miter lim="400000"/>
+          </a:ln>
+        </p:spPr>
+        <p:txBody>
+          <a:bodyPr lIns="71437" tIns="71437" rIns="71437" bIns="71437" anchor="ctr"/>
+          <a:lstStyle/>
+          <a:p>
+            <a:pPr>
+              <a:defRPr sz="3000" b="0">
+                <a:solidFill>
+                  <a:srgbClr val="FFFFFF"/>
+                </a:solidFill>
+                <a:latin typeface="+mn-lt"/>
+                <a:ea typeface="+mn-ea"/>
+                <a:cs typeface="+mn-cs"/>
+                <a:sym typeface="Helvetica Neue Medium"/>
+              </a:defRPr>
+            </a:pPr>
+            <a:endParaRPr/>
+          </a:p>
+        </p:txBody>
+      </p:sp>
+      <p:sp>
+        <p:nvSpPr>
+          <p:cNvPr id="41" name="Shape 128">
+            <a:extLst>
+              <a:ext uri="{FF2B5EF4-FFF2-40B4-BE49-F238E27FC236}">
+                <a16:creationId xmlns:a16="http://schemas.microsoft.com/office/drawing/2014/main" id="{A3FC385D-1B32-884E-AAF6-64CFDA90A0D3}"/>
+              </a:ext>
+            </a:extLst>
+          </p:cNvPr>
+          <p:cNvSpPr/>
+          <p:nvPr/>
+        </p:nvSpPr>
+        <p:spPr>
+          <a:xfrm>
+            <a:off x="-102529" y="2983663"/>
+            <a:ext cx="7675070" cy="2321715"/>
+          </a:xfrm>
+          <a:prstGeom prst="rect">
+            <a:avLst/>
+          </a:prstGeom>
+          <a:solidFill>
+            <a:srgbClr val="EE5150"/>
+          </a:solidFill>
+          <a:ln w="12700">
+            <a:miter lim="400000"/>
+          </a:ln>
+        </p:spPr>
+        <p:txBody>
+          <a:bodyPr lIns="0" tIns="0" rIns="0" bIns="0" anchor="ctr"/>
+          <a:lstStyle/>
+          <a:p>
+            <a:pPr lvl="3" algn="l" defTabSz="642937">
+              <a:lnSpc>
+                <a:spcPts val="27900"/>
+              </a:lnSpc>
+              <a:defRPr sz="9600">
+                <a:solidFill>
+                  <a:srgbClr val="FFFFFF"/>
+                </a:solidFill>
+                <a:latin typeface="Tw Cen MT"/>
+                <a:ea typeface="Tw Cen MT"/>
+                <a:cs typeface="Tw Cen MT"/>
+                <a:sym typeface="Tw Cen MT"/>
+              </a:defRPr>
+            </a:pPr>
+            <a:endParaRPr/>
+          </a:p>
+        </p:txBody>
+      </p:sp>
+      <p:sp>
+        <p:nvSpPr>
+          <p:cNvPr id="42" name="Shape 129">
+            <a:extLst>
+              <a:ext uri="{FF2B5EF4-FFF2-40B4-BE49-F238E27FC236}">
+                <a16:creationId xmlns:a16="http://schemas.microsoft.com/office/drawing/2014/main" id="{F5103DD4-4BB3-E14A-B35A-80E3BFEF0D05}"/>
+              </a:ext>
+            </a:extLst>
+          </p:cNvPr>
+          <p:cNvSpPr/>
+          <p:nvPr/>
+        </p:nvSpPr>
+        <p:spPr>
+          <a:xfrm rot="5400000">
+            <a:off x="7023933" y="3508824"/>
+            <a:ext cx="2321716" cy="1271394"/>
           </a:xfrm>
           <a:custGeom>
             <a:avLst/>
@@ -9178,7 +11069,7 @@
         </p:nvSpPr>
         <p:spPr>
           <a:xfrm>
-            <a:off x="6592376" y="10987347"/>
+            <a:off x="9811763" y="10987347"/>
             <a:ext cx="3687764" cy="2235201"/>
           </a:xfrm>
           <a:custGeom>
@@ -9298,10 +11189,10 @@
         </p:nvGrpSpPr>
         <p:grpSpPr>
           <a:xfrm>
-            <a:off x="-110395" y="-1039931"/>
-            <a:ext cx="24844535" cy="11273559"/>
-            <a:chOff x="-110395" y="-1039931"/>
-            <a:chExt cx="24844535" cy="11273559"/>
+            <a:off x="369844" y="-1039931"/>
+            <a:ext cx="24364296" cy="11273559"/>
+            <a:chOff x="369844" y="-1039931"/>
+            <a:chExt cx="24364296" cy="11273559"/>
           </a:xfrm>
         </p:grpSpPr>
         <p:sp>
@@ -9535,127 +11426,13 @@
               </a:r>
               <a:r>
                 <a:rPr dirty="0"/>
-                <a:t>PAGE </a:t>
+                <a:t>PAGE</a:t>
               </a:r>
               <a:r>
                 <a:rPr lang="en-AU" dirty="0"/>
-                <a:t>104</a:t>
+                <a:t> 148</a:t>
               </a:r>
               <a:endParaRPr dirty="0"/>
-            </a:p>
-          </p:txBody>
-        </p:sp>
-        <p:sp>
-          <p:nvSpPr>
-            <p:cNvPr id="143" name="Shape 143"/>
-            <p:cNvSpPr/>
-            <p:nvPr/>
-          </p:nvSpPr>
-          <p:spPr>
-            <a:xfrm>
-              <a:off x="-110395" y="609796"/>
-              <a:ext cx="12005529" cy="2321715"/>
-            </a:xfrm>
-            <a:prstGeom prst="rect">
-              <a:avLst/>
-            </a:prstGeom>
-            <a:solidFill>
-              <a:srgbClr val="EE5150"/>
-            </a:solidFill>
-            <a:ln w="12700">
-              <a:miter lim="400000"/>
-            </a:ln>
-          </p:spPr>
-          <p:txBody>
-            <a:bodyPr lIns="0" tIns="0" rIns="0" bIns="0" anchor="ctr"/>
-            <a:lstStyle/>
-            <a:p>
-              <a:pPr lvl="3" algn="l" defTabSz="642937">
-                <a:lnSpc>
-                  <a:spcPts val="27900"/>
-                </a:lnSpc>
-                <a:defRPr sz="9600">
-                  <a:solidFill>
-                    <a:srgbClr val="FFFFFF"/>
-                  </a:solidFill>
-                  <a:latin typeface="Tw Cen MT"/>
-                  <a:ea typeface="Tw Cen MT"/>
-                  <a:cs typeface="Tw Cen MT"/>
-                  <a:sym typeface="Tw Cen MT"/>
-                </a:defRPr>
-              </a:pPr>
-              <a:endParaRPr/>
-            </a:p>
-          </p:txBody>
-        </p:sp>
-        <p:sp>
-          <p:nvSpPr>
-            <p:cNvPr id="144" name="Shape 144"/>
-            <p:cNvSpPr/>
-            <p:nvPr/>
-          </p:nvSpPr>
-          <p:spPr>
-            <a:xfrm rot="5400000">
-              <a:off x="11368800" y="1134957"/>
-              <a:ext cx="2321715" cy="1271394"/>
-            </a:xfrm>
-            <a:custGeom>
-              <a:avLst/>
-              <a:gdLst/>
-              <a:ahLst/>
-              <a:cxnLst>
-                <a:cxn ang="0">
-                  <a:pos x="wd2" y="hd2"/>
-                </a:cxn>
-                <a:cxn ang="5400000">
-                  <a:pos x="wd2" y="hd2"/>
-                </a:cxn>
-                <a:cxn ang="10800000">
-                  <a:pos x="wd2" y="hd2"/>
-                </a:cxn>
-                <a:cxn ang="16200000">
-                  <a:pos x="wd2" y="hd2"/>
-                </a:cxn>
-              </a:cxnLst>
-              <a:rect l="0" t="0" r="r" b="b"/>
-              <a:pathLst>
-                <a:path w="21600" h="21600" extrusionOk="0">
-                  <a:moveTo>
-                    <a:pt x="0" y="0"/>
-                  </a:moveTo>
-                  <a:lnTo>
-                    <a:pt x="0" y="21600"/>
-                  </a:lnTo>
-                  <a:lnTo>
-                    <a:pt x="21600" y="21600"/>
-                  </a:lnTo>
-                  <a:close/>
-                </a:path>
-              </a:pathLst>
-            </a:custGeom>
-            <a:solidFill>
-              <a:srgbClr val="EE5150"/>
-            </a:solidFill>
-            <a:ln w="12700">
-              <a:miter lim="400000"/>
-            </a:ln>
-          </p:spPr>
-          <p:txBody>
-            <a:bodyPr lIns="71437" tIns="71437" rIns="71437" bIns="71437" anchor="ctr"/>
-            <a:lstStyle/>
-            <a:p>
-              <a:pPr>
-                <a:defRPr sz="3000" b="0">
-                  <a:solidFill>
-                    <a:srgbClr val="FFFFFF"/>
-                  </a:solidFill>
-                  <a:latin typeface="+mn-lt"/>
-                  <a:ea typeface="+mn-ea"/>
-                  <a:cs typeface="+mn-cs"/>
-                  <a:sym typeface="Helvetica Neue Medium"/>
-                </a:defRPr>
-              </a:pPr>
-              <a:endParaRPr/>
             </a:p>
           </p:txBody>
         </p:sp>
@@ -9956,120 +11733,6 @@
         </p:sp>
         <p:sp>
           <p:nvSpPr>
-            <p:cNvPr id="150" name="Shape 150"/>
-            <p:cNvSpPr/>
-            <p:nvPr/>
-          </p:nvSpPr>
-          <p:spPr>
-            <a:xfrm>
-              <a:off x="-100301" y="3057910"/>
-              <a:ext cx="12986454" cy="2321715"/>
-            </a:xfrm>
-            <a:prstGeom prst="rect">
-              <a:avLst/>
-            </a:prstGeom>
-            <a:solidFill>
-              <a:srgbClr val="EE5150"/>
-            </a:solidFill>
-            <a:ln w="12700">
-              <a:miter lim="400000"/>
-            </a:ln>
-          </p:spPr>
-          <p:txBody>
-            <a:bodyPr lIns="0" tIns="0" rIns="0" bIns="0" anchor="ctr"/>
-            <a:lstStyle/>
-            <a:p>
-              <a:pPr lvl="3" algn="l" defTabSz="642937">
-                <a:lnSpc>
-                  <a:spcPts val="27900"/>
-                </a:lnSpc>
-                <a:defRPr sz="9600">
-                  <a:solidFill>
-                    <a:srgbClr val="FFFFFF"/>
-                  </a:solidFill>
-                  <a:latin typeface="Tw Cen MT"/>
-                  <a:ea typeface="Tw Cen MT"/>
-                  <a:cs typeface="Tw Cen MT"/>
-                  <a:sym typeface="Tw Cen MT"/>
-                </a:defRPr>
-              </a:pPr>
-              <a:endParaRPr dirty="0"/>
-            </a:p>
-          </p:txBody>
-        </p:sp>
-        <p:sp>
-          <p:nvSpPr>
-            <p:cNvPr id="151" name="Shape 151"/>
-            <p:cNvSpPr/>
-            <p:nvPr/>
-          </p:nvSpPr>
-          <p:spPr>
-            <a:xfrm rot="5400000">
-              <a:off x="9976984" y="3583071"/>
-              <a:ext cx="2321716" cy="1271394"/>
-            </a:xfrm>
-            <a:custGeom>
-              <a:avLst/>
-              <a:gdLst/>
-              <a:ahLst/>
-              <a:cxnLst>
-                <a:cxn ang="0">
-                  <a:pos x="wd2" y="hd2"/>
-                </a:cxn>
-                <a:cxn ang="5400000">
-                  <a:pos x="wd2" y="hd2"/>
-                </a:cxn>
-                <a:cxn ang="10800000">
-                  <a:pos x="wd2" y="hd2"/>
-                </a:cxn>
-                <a:cxn ang="16200000">
-                  <a:pos x="wd2" y="hd2"/>
-                </a:cxn>
-              </a:cxnLst>
-              <a:rect l="0" t="0" r="r" b="b"/>
-              <a:pathLst>
-                <a:path w="21600" h="21600" extrusionOk="0">
-                  <a:moveTo>
-                    <a:pt x="0" y="0"/>
-                  </a:moveTo>
-                  <a:lnTo>
-                    <a:pt x="0" y="21600"/>
-                  </a:lnTo>
-                  <a:lnTo>
-                    <a:pt x="21600" y="21600"/>
-                  </a:lnTo>
-                  <a:close/>
-                </a:path>
-              </a:pathLst>
-            </a:custGeom>
-            <a:solidFill>
-              <a:srgbClr val="EE5150"/>
-            </a:solidFill>
-            <a:ln w="12700">
-              <a:miter lim="400000"/>
-            </a:ln>
-          </p:spPr>
-          <p:txBody>
-            <a:bodyPr lIns="71437" tIns="71437" rIns="71437" bIns="71437" anchor="ctr"/>
-            <a:lstStyle/>
-            <a:p>
-              <a:pPr>
-                <a:defRPr sz="3000" b="0">
-                  <a:solidFill>
-                    <a:srgbClr val="FFFFFF"/>
-                  </a:solidFill>
-                  <a:latin typeface="+mn-lt"/>
-                  <a:ea typeface="+mn-ea"/>
-                  <a:cs typeface="+mn-cs"/>
-                  <a:sym typeface="Helvetica Neue Medium"/>
-                </a:defRPr>
-              </a:pPr>
-              <a:endParaRPr/>
-            </a:p>
-          </p:txBody>
-        </p:sp>
-        <p:sp>
-          <p:nvSpPr>
             <p:cNvPr id="153" name="Shape 153"/>
             <p:cNvSpPr/>
             <p:nvPr/>
@@ -10267,7 +11930,7 @@
               <a:avLst/>
             </a:prstGeom>
             <a:solidFill>
-              <a:srgbClr val="DC5C56"/>
+              <a:srgbClr val="C0C0C0"/>
             </a:solidFill>
             <a:ln w="12700">
               <a:miter lim="400000"/>
@@ -10315,7 +11978,7 @@
               <a:avLst/>
             </a:prstGeom>
             <a:solidFill>
-              <a:srgbClr val="C0C0C0"/>
+              <a:srgbClr val="EF5150"/>
             </a:solidFill>
             <a:ln w="12700">
               <a:miter lim="400000"/>
@@ -10829,10 +12492,10 @@
       </p:sp>
       <p:sp>
         <p:nvSpPr>
-          <p:cNvPr id="37" name="Shape 127">
+          <p:cNvPr id="35" name="Shape 127">
             <a:extLst>
               <a:ext uri="{FF2B5EF4-FFF2-40B4-BE49-F238E27FC236}">
-                <a16:creationId xmlns:a16="http://schemas.microsoft.com/office/drawing/2014/main" id="{99CA618A-6B4F-8E4C-8AF3-72305AAD38A0}"/>
+                <a16:creationId xmlns:a16="http://schemas.microsoft.com/office/drawing/2014/main" id="{43E8B013-7D35-3B46-A3E6-93111C7D7BEA}"/>
               </a:ext>
             </a:extLst>
           </p:cNvPr>
@@ -10841,8 +12504,8 @@
         </p:nvSpPr>
         <p:spPr>
           <a:xfrm>
-            <a:off x="16130081" y="12505104"/>
-            <a:ext cx="7734553" cy="759822"/>
+            <a:off x="14466277" y="12658992"/>
+            <a:ext cx="14653845" cy="452046"/>
           </a:xfrm>
           <a:prstGeom prst="rect">
             <a:avLst/>
@@ -10852,17 +12515,17 @@
           </a:ln>
           <a:extLst>
             <a:ext uri="{C572A759-6A51-4108-AA02-DFA0A04FC94B}">
-              <ma14:wrappingTextBoxFlag xmlns="" xmlns:ma14="http://schemas.microsoft.com/office/mac/drawingml/2011/main" val="1"/>
+              <ma14:wrappingTextBoxFlag xmlns:ma14="http://schemas.microsoft.com/office/mac/drawingml/2011/main" xmlns="" val="1"/>
             </a:ext>
           </a:extLst>
         </p:spPr>
         <p:txBody>
-          <a:bodyPr wrap="none" lIns="71437" tIns="71437" rIns="71437" bIns="71437" anchor="ctr">
+          <a:bodyPr wrap="square" lIns="71437" tIns="71437" rIns="71437" bIns="71437" anchor="ctr">
             <a:spAutoFit/>
           </a:bodyPr>
           <a:lstStyle/>
           <a:p>
-            <a:pPr algn="r">
+            <a:pPr algn="l">
               <a:defRPr sz="2000" b="0">
                 <a:solidFill>
                   <a:srgbClr val="919191"/>
@@ -10887,24 +12550,7 @@
             </a:r>
             <a:r>
               <a:rPr lang="en-AU" dirty="0"/>
-              <a:t>/photos/</a:t>
-            </a:r>
-          </a:p>
-          <a:p>
-            <a:pPr algn="r">
-              <a:defRPr sz="2000" b="0">
-                <a:solidFill>
-                  <a:srgbClr val="919191"/>
-                </a:solidFill>
-                <a:latin typeface="Montserrat Medium"/>
-                <a:ea typeface="Montserrat Medium"/>
-                <a:cs typeface="Montserrat Medium"/>
-                <a:sym typeface="Montserrat Medium"/>
-              </a:defRPr>
-            </a:pPr>
-            <a:r>
-              <a:rPr lang="en-AU" dirty="0"/>
-              <a:t>bt-Sc22W-BE</a:t>
+              <a:t>/photos/bt-Sc22W-BE</a:t>
             </a:r>
           </a:p>
         </p:txBody>
@@ -10912,7 +12558,7 @@
     </p:spTree>
     <p:extLst>
       <p:ext uri="{BB962C8B-B14F-4D97-AF65-F5344CB8AC3E}">
-        <p14:creationId xmlns:p14="http://schemas.microsoft.com/office/powerpoint/2010/main" val="3374986054"/>
+        <p14:creationId xmlns:p14="http://schemas.microsoft.com/office/powerpoint/2010/main" val="2188436763"/>
       </p:ext>
     </p:extLst>
   </p:cSld>
@@ -10923,7 +12569,7 @@
 </p:sld>
 </file>
 
-<file path=ppt/slides/slide6.xml><?xml version="1.0" encoding="utf-8"?>
+<file path=ppt/slides/slide7.xml><?xml version="1.0" encoding="utf-8"?>
 <p:sld xmlns:a="http://schemas.openxmlformats.org/drawingml/2006/main" xmlns:r="http://schemas.openxmlformats.org/officeDocument/2006/relationships" xmlns:p="http://schemas.openxmlformats.org/presentationml/2006/main">
   <p:cSld>
     <p:spTree>
@@ -10940,6 +12586,71 @@
           <a:chExt cx="0" cy="0"/>
         </a:xfrm>
       </p:grpSpPr>
+      <p:sp>
+        <p:nvSpPr>
+          <p:cNvPr id="35" name="Shape 127">
+            <a:extLst>
+              <a:ext uri="{FF2B5EF4-FFF2-40B4-BE49-F238E27FC236}">
+                <a16:creationId xmlns:a16="http://schemas.microsoft.com/office/drawing/2014/main" id="{626C1701-CB9B-C74F-8E6D-F50594711F40}"/>
+              </a:ext>
+            </a:extLst>
+          </p:cNvPr>
+          <p:cNvSpPr/>
+          <p:nvPr/>
+        </p:nvSpPr>
+        <p:spPr>
+          <a:xfrm>
+            <a:off x="14466277" y="12658992"/>
+            <a:ext cx="14653845" cy="452046"/>
+          </a:xfrm>
+          <a:prstGeom prst="rect">
+            <a:avLst/>
+          </a:prstGeom>
+          <a:ln w="12700">
+            <a:miter lim="400000"/>
+          </a:ln>
+          <a:extLst>
+            <a:ext uri="{C572A759-6A51-4108-AA02-DFA0A04FC94B}">
+              <ma14:wrappingTextBoxFlag xmlns:ma14="http://schemas.microsoft.com/office/mac/drawingml/2011/main" xmlns="" val="1"/>
+            </a:ext>
+          </a:extLst>
+        </p:spPr>
+        <p:txBody>
+          <a:bodyPr wrap="square" lIns="71437" tIns="71437" rIns="71437" bIns="71437" anchor="ctr">
+            <a:spAutoFit/>
+          </a:bodyPr>
+          <a:lstStyle/>
+          <a:p>
+            <a:pPr algn="l">
+              <a:defRPr sz="2000" b="0">
+                <a:solidFill>
+                  <a:srgbClr val="919191"/>
+                </a:solidFill>
+                <a:latin typeface="Montserrat Medium"/>
+                <a:ea typeface="Montserrat Medium"/>
+                <a:cs typeface="Montserrat Medium"/>
+                <a:sym typeface="Montserrat Medium"/>
+              </a:defRPr>
+            </a:pPr>
+            <a:r>
+              <a:rPr dirty="0"/>
+              <a:t>Image Attribution:</a:t>
+            </a:r>
+            <a:r>
+              <a:rPr lang="en-AU" dirty="0"/>
+              <a:t> Jake Hills, https://</a:t>
+            </a:r>
+            <a:r>
+              <a:rPr lang="en-AU" dirty="0" err="1"/>
+              <a:t>unsplash.com</a:t>
+            </a:r>
+            <a:r>
+              <a:rPr lang="en-AU" dirty="0"/>
+              <a:t>/photos/bt-Sc22W-BE</a:t>
+            </a:r>
+          </a:p>
+        </p:txBody>
+      </p:sp>
       <p:pic>
         <p:nvPicPr>
           <p:cNvPr id="38" name="Picture 37" descr="A close - up of a machine&#10;&#10;Description automatically generated with low confidence">
@@ -10977,10 +12688,59 @@
       </p:pic>
       <p:sp>
         <p:nvSpPr>
-          <p:cNvPr id="36" name="Shape 144">
+          <p:cNvPr id="39" name="Shape 124">
             <a:extLst>
               <a:ext uri="{FF2B5EF4-FFF2-40B4-BE49-F238E27FC236}">
-                <a16:creationId xmlns:a16="http://schemas.microsoft.com/office/drawing/2014/main" id="{CD1E192E-5FE6-3E49-8AA2-BBE7F7DBFBD4}"/>
+                <a16:creationId xmlns:a16="http://schemas.microsoft.com/office/drawing/2014/main" id="{B2E28D7F-C438-8F43-95C0-05859735C6CC}"/>
+              </a:ext>
+            </a:extLst>
+          </p:cNvPr>
+          <p:cNvSpPr/>
+          <p:nvPr/>
+        </p:nvSpPr>
+        <p:spPr>
+          <a:xfrm>
+            <a:off x="-46996" y="379438"/>
+            <a:ext cx="7619538" cy="2321716"/>
+          </a:xfrm>
+          <a:prstGeom prst="rect">
+            <a:avLst/>
+          </a:prstGeom>
+          <a:solidFill>
+            <a:srgbClr val="EE5150"/>
+          </a:solidFill>
+          <a:ln w="12700">
+            <a:miter lim="400000"/>
+          </a:ln>
+        </p:spPr>
+        <p:txBody>
+          <a:bodyPr lIns="0" tIns="0" rIns="0" bIns="0" anchor="ctr"/>
+          <a:lstStyle/>
+          <a:p>
+            <a:pPr lvl="3" algn="l" defTabSz="642937">
+              <a:lnSpc>
+                <a:spcPts val="27900"/>
+              </a:lnSpc>
+              <a:defRPr sz="9600">
+                <a:solidFill>
+                  <a:srgbClr val="FFFFFF"/>
+                </a:solidFill>
+                <a:latin typeface="Tw Cen MT"/>
+                <a:ea typeface="Tw Cen MT"/>
+                <a:cs typeface="Tw Cen MT"/>
+                <a:sym typeface="Tw Cen MT"/>
+              </a:defRPr>
+            </a:pPr>
+            <a:endParaRPr/>
+          </a:p>
+        </p:txBody>
+      </p:sp>
+      <p:sp>
+        <p:nvSpPr>
+          <p:cNvPr id="40" name="Shape 125">
+            <a:extLst>
+              <a:ext uri="{FF2B5EF4-FFF2-40B4-BE49-F238E27FC236}">
+                <a16:creationId xmlns:a16="http://schemas.microsoft.com/office/drawing/2014/main" id="{3AE0CF62-A508-344C-96C5-322F92B833BC}"/>
               </a:ext>
             </a:extLst>
           </p:cNvPr>
@@ -10989,8 +12749,134 @@
         </p:nvSpPr>
         <p:spPr>
           <a:xfrm rot="5400000">
-            <a:off x="12360992" y="3581052"/>
+            <a:off x="7047380" y="904601"/>
             <a:ext cx="2321715" cy="1271394"/>
+          </a:xfrm>
+          <a:custGeom>
+            <a:avLst/>
+            <a:gdLst/>
+            <a:ahLst/>
+            <a:cxnLst>
+              <a:cxn ang="0">
+                <a:pos x="wd2" y="hd2"/>
+              </a:cxn>
+              <a:cxn ang="5400000">
+                <a:pos x="wd2" y="hd2"/>
+              </a:cxn>
+              <a:cxn ang="10800000">
+                <a:pos x="wd2" y="hd2"/>
+              </a:cxn>
+              <a:cxn ang="16200000">
+                <a:pos x="wd2" y="hd2"/>
+              </a:cxn>
+            </a:cxnLst>
+            <a:rect l="0" t="0" r="r" b="b"/>
+            <a:pathLst>
+              <a:path w="21600" h="21600" extrusionOk="0">
+                <a:moveTo>
+                  <a:pt x="0" y="0"/>
+                </a:moveTo>
+                <a:lnTo>
+                  <a:pt x="0" y="21600"/>
+                </a:lnTo>
+                <a:lnTo>
+                  <a:pt x="21600" y="21600"/>
+                </a:lnTo>
+                <a:close/>
+              </a:path>
+            </a:pathLst>
+          </a:custGeom>
+          <a:solidFill>
+            <a:srgbClr val="EE5150"/>
+          </a:solidFill>
+          <a:ln w="12700">
+            <a:miter lim="400000"/>
+          </a:ln>
+        </p:spPr>
+        <p:txBody>
+          <a:bodyPr lIns="71437" tIns="71437" rIns="71437" bIns="71437" anchor="ctr"/>
+          <a:lstStyle/>
+          <a:p>
+            <a:pPr>
+              <a:defRPr sz="3000" b="0">
+                <a:solidFill>
+                  <a:srgbClr val="FFFFFF"/>
+                </a:solidFill>
+                <a:latin typeface="+mn-lt"/>
+                <a:ea typeface="+mn-ea"/>
+                <a:cs typeface="+mn-cs"/>
+                <a:sym typeface="Helvetica Neue Medium"/>
+              </a:defRPr>
+            </a:pPr>
+            <a:endParaRPr/>
+          </a:p>
+        </p:txBody>
+      </p:sp>
+      <p:sp>
+        <p:nvSpPr>
+          <p:cNvPr id="41" name="Shape 128">
+            <a:extLst>
+              <a:ext uri="{FF2B5EF4-FFF2-40B4-BE49-F238E27FC236}">
+                <a16:creationId xmlns:a16="http://schemas.microsoft.com/office/drawing/2014/main" id="{A3FC385D-1B32-884E-AAF6-64CFDA90A0D3}"/>
+              </a:ext>
+            </a:extLst>
+          </p:cNvPr>
+          <p:cNvSpPr/>
+          <p:nvPr/>
+        </p:nvSpPr>
+        <p:spPr>
+          <a:xfrm>
+            <a:off x="-102529" y="2983663"/>
+            <a:ext cx="7675070" cy="2321715"/>
+          </a:xfrm>
+          <a:prstGeom prst="rect">
+            <a:avLst/>
+          </a:prstGeom>
+          <a:solidFill>
+            <a:srgbClr val="EE5150"/>
+          </a:solidFill>
+          <a:ln w="12700">
+            <a:miter lim="400000"/>
+          </a:ln>
+        </p:spPr>
+        <p:txBody>
+          <a:bodyPr lIns="0" tIns="0" rIns="0" bIns="0" anchor="ctr"/>
+          <a:lstStyle/>
+          <a:p>
+            <a:pPr lvl="3" algn="l" defTabSz="642937">
+              <a:lnSpc>
+                <a:spcPts val="27900"/>
+              </a:lnSpc>
+              <a:defRPr sz="9600">
+                <a:solidFill>
+                  <a:srgbClr val="FFFFFF"/>
+                </a:solidFill>
+                <a:latin typeface="Tw Cen MT"/>
+                <a:ea typeface="Tw Cen MT"/>
+                <a:cs typeface="Tw Cen MT"/>
+                <a:sym typeface="Tw Cen MT"/>
+              </a:defRPr>
+            </a:pPr>
+            <a:endParaRPr/>
+          </a:p>
+        </p:txBody>
+      </p:sp>
+      <p:sp>
+        <p:nvSpPr>
+          <p:cNvPr id="42" name="Shape 129">
+            <a:extLst>
+              <a:ext uri="{FF2B5EF4-FFF2-40B4-BE49-F238E27FC236}">
+                <a16:creationId xmlns:a16="http://schemas.microsoft.com/office/drawing/2014/main" id="{F5103DD4-4BB3-E14A-B35A-80E3BFEF0D05}"/>
+              </a:ext>
+            </a:extLst>
+          </p:cNvPr>
+          <p:cNvSpPr/>
+          <p:nvPr/>
+        </p:nvSpPr>
+        <p:spPr>
+          <a:xfrm rot="5400000">
+            <a:off x="7023933" y="3508824"/>
+            <a:ext cx="2321716" cy="1271394"/>
           </a:xfrm>
           <a:custGeom>
             <a:avLst/>
@@ -11116,7 +13002,7 @@
         </p:nvSpPr>
         <p:spPr>
           <a:xfrm>
-            <a:off x="9811763" y="10987347"/>
+            <a:off x="13031150" y="10987347"/>
             <a:ext cx="3687764" cy="2235201"/>
           </a:xfrm>
           <a:custGeom>
@@ -11236,10 +13122,10 @@
         </p:nvGrpSpPr>
         <p:grpSpPr>
           <a:xfrm>
-            <a:off x="-110395" y="-1039931"/>
-            <a:ext cx="24844535" cy="11273559"/>
-            <a:chOff x="-110395" y="-1039931"/>
-            <a:chExt cx="24844535" cy="11273559"/>
+            <a:off x="369844" y="-1039931"/>
+            <a:ext cx="24364296" cy="11273559"/>
+            <a:chOff x="369844" y="-1039931"/>
+            <a:chExt cx="24364296" cy="11273559"/>
           </a:xfrm>
         </p:grpSpPr>
         <p:sp>
@@ -11473,127 +13359,13 @@
               </a:r>
               <a:r>
                 <a:rPr dirty="0"/>
-                <a:t>PAGE </a:t>
+                <a:t>PAGE</a:t>
               </a:r>
               <a:r>
                 <a:rPr lang="en-AU" dirty="0"/>
-                <a:t>104</a:t>
+                <a:t> 148</a:t>
               </a:r>
               <a:endParaRPr dirty="0"/>
-            </a:p>
-          </p:txBody>
-        </p:sp>
-        <p:sp>
-          <p:nvSpPr>
-            <p:cNvPr id="143" name="Shape 143"/>
-            <p:cNvSpPr/>
-            <p:nvPr/>
-          </p:nvSpPr>
-          <p:spPr>
-            <a:xfrm>
-              <a:off x="-110395" y="609796"/>
-              <a:ext cx="12005529" cy="2321715"/>
-            </a:xfrm>
-            <a:prstGeom prst="rect">
-              <a:avLst/>
-            </a:prstGeom>
-            <a:solidFill>
-              <a:srgbClr val="EE5150"/>
-            </a:solidFill>
-            <a:ln w="12700">
-              <a:miter lim="400000"/>
-            </a:ln>
-          </p:spPr>
-          <p:txBody>
-            <a:bodyPr lIns="0" tIns="0" rIns="0" bIns="0" anchor="ctr"/>
-            <a:lstStyle/>
-            <a:p>
-              <a:pPr lvl="3" algn="l" defTabSz="642937">
-                <a:lnSpc>
-                  <a:spcPts val="27900"/>
-                </a:lnSpc>
-                <a:defRPr sz="9600">
-                  <a:solidFill>
-                    <a:srgbClr val="FFFFFF"/>
-                  </a:solidFill>
-                  <a:latin typeface="Tw Cen MT"/>
-                  <a:ea typeface="Tw Cen MT"/>
-                  <a:cs typeface="Tw Cen MT"/>
-                  <a:sym typeface="Tw Cen MT"/>
-                </a:defRPr>
-              </a:pPr>
-              <a:endParaRPr/>
-            </a:p>
-          </p:txBody>
-        </p:sp>
-        <p:sp>
-          <p:nvSpPr>
-            <p:cNvPr id="144" name="Shape 144"/>
-            <p:cNvSpPr/>
-            <p:nvPr/>
-          </p:nvSpPr>
-          <p:spPr>
-            <a:xfrm rot="5400000">
-              <a:off x="11368800" y="1134957"/>
-              <a:ext cx="2321715" cy="1271394"/>
-            </a:xfrm>
-            <a:custGeom>
-              <a:avLst/>
-              <a:gdLst/>
-              <a:ahLst/>
-              <a:cxnLst>
-                <a:cxn ang="0">
-                  <a:pos x="wd2" y="hd2"/>
-                </a:cxn>
-                <a:cxn ang="5400000">
-                  <a:pos x="wd2" y="hd2"/>
-                </a:cxn>
-                <a:cxn ang="10800000">
-                  <a:pos x="wd2" y="hd2"/>
-                </a:cxn>
-                <a:cxn ang="16200000">
-                  <a:pos x="wd2" y="hd2"/>
-                </a:cxn>
-              </a:cxnLst>
-              <a:rect l="0" t="0" r="r" b="b"/>
-              <a:pathLst>
-                <a:path w="21600" h="21600" extrusionOk="0">
-                  <a:moveTo>
-                    <a:pt x="0" y="0"/>
-                  </a:moveTo>
-                  <a:lnTo>
-                    <a:pt x="0" y="21600"/>
-                  </a:lnTo>
-                  <a:lnTo>
-                    <a:pt x="21600" y="21600"/>
-                  </a:lnTo>
-                  <a:close/>
-                </a:path>
-              </a:pathLst>
-            </a:custGeom>
-            <a:solidFill>
-              <a:srgbClr val="EE5150"/>
-            </a:solidFill>
-            <a:ln w="12700">
-              <a:miter lim="400000"/>
-            </a:ln>
-          </p:spPr>
-          <p:txBody>
-            <a:bodyPr lIns="71437" tIns="71437" rIns="71437" bIns="71437" anchor="ctr"/>
-            <a:lstStyle/>
-            <a:p>
-              <a:pPr>
-                <a:defRPr sz="3000" b="0">
-                  <a:solidFill>
-                    <a:srgbClr val="FFFFFF"/>
-                  </a:solidFill>
-                  <a:latin typeface="+mn-lt"/>
-                  <a:ea typeface="+mn-ea"/>
-                  <a:cs typeface="+mn-cs"/>
-                  <a:sym typeface="Helvetica Neue Medium"/>
-                </a:defRPr>
-              </a:pPr>
-              <a:endParaRPr/>
             </a:p>
           </p:txBody>
         </p:sp>
@@ -11894,120 +13666,6 @@
         </p:sp>
         <p:sp>
           <p:nvSpPr>
-            <p:cNvPr id="150" name="Shape 150"/>
-            <p:cNvSpPr/>
-            <p:nvPr/>
-          </p:nvSpPr>
-          <p:spPr>
-            <a:xfrm>
-              <a:off x="-100301" y="3057910"/>
-              <a:ext cx="12986454" cy="2321715"/>
-            </a:xfrm>
-            <a:prstGeom prst="rect">
-              <a:avLst/>
-            </a:prstGeom>
-            <a:solidFill>
-              <a:srgbClr val="EE5150"/>
-            </a:solidFill>
-            <a:ln w="12700">
-              <a:miter lim="400000"/>
-            </a:ln>
-          </p:spPr>
-          <p:txBody>
-            <a:bodyPr lIns="0" tIns="0" rIns="0" bIns="0" anchor="ctr"/>
-            <a:lstStyle/>
-            <a:p>
-              <a:pPr lvl="3" algn="l" defTabSz="642937">
-                <a:lnSpc>
-                  <a:spcPts val="27900"/>
-                </a:lnSpc>
-                <a:defRPr sz="9600">
-                  <a:solidFill>
-                    <a:srgbClr val="FFFFFF"/>
-                  </a:solidFill>
-                  <a:latin typeface="Tw Cen MT"/>
-                  <a:ea typeface="Tw Cen MT"/>
-                  <a:cs typeface="Tw Cen MT"/>
-                  <a:sym typeface="Tw Cen MT"/>
-                </a:defRPr>
-              </a:pPr>
-              <a:endParaRPr dirty="0"/>
-            </a:p>
-          </p:txBody>
-        </p:sp>
-        <p:sp>
-          <p:nvSpPr>
-            <p:cNvPr id="151" name="Shape 151"/>
-            <p:cNvSpPr/>
-            <p:nvPr/>
-          </p:nvSpPr>
-          <p:spPr>
-            <a:xfrm rot="5400000">
-              <a:off x="9976984" y="3583071"/>
-              <a:ext cx="2321716" cy="1271394"/>
-            </a:xfrm>
-            <a:custGeom>
-              <a:avLst/>
-              <a:gdLst/>
-              <a:ahLst/>
-              <a:cxnLst>
-                <a:cxn ang="0">
-                  <a:pos x="wd2" y="hd2"/>
-                </a:cxn>
-                <a:cxn ang="5400000">
-                  <a:pos x="wd2" y="hd2"/>
-                </a:cxn>
-                <a:cxn ang="10800000">
-                  <a:pos x="wd2" y="hd2"/>
-                </a:cxn>
-                <a:cxn ang="16200000">
-                  <a:pos x="wd2" y="hd2"/>
-                </a:cxn>
-              </a:cxnLst>
-              <a:rect l="0" t="0" r="r" b="b"/>
-              <a:pathLst>
-                <a:path w="21600" h="21600" extrusionOk="0">
-                  <a:moveTo>
-                    <a:pt x="0" y="0"/>
-                  </a:moveTo>
-                  <a:lnTo>
-                    <a:pt x="0" y="21600"/>
-                  </a:lnTo>
-                  <a:lnTo>
-                    <a:pt x="21600" y="21600"/>
-                  </a:lnTo>
-                  <a:close/>
-                </a:path>
-              </a:pathLst>
-            </a:custGeom>
-            <a:solidFill>
-              <a:srgbClr val="EE5150"/>
-            </a:solidFill>
-            <a:ln w="12700">
-              <a:miter lim="400000"/>
-            </a:ln>
-          </p:spPr>
-          <p:txBody>
-            <a:bodyPr lIns="71437" tIns="71437" rIns="71437" bIns="71437" anchor="ctr"/>
-            <a:lstStyle/>
-            <a:p>
-              <a:pPr>
-                <a:defRPr sz="3000" b="0">
-                  <a:solidFill>
-                    <a:srgbClr val="FFFFFF"/>
-                  </a:solidFill>
-                  <a:latin typeface="+mn-lt"/>
-                  <a:ea typeface="+mn-ea"/>
-                  <a:cs typeface="+mn-cs"/>
-                  <a:sym typeface="Helvetica Neue Medium"/>
-                </a:defRPr>
-              </a:pPr>
-              <a:endParaRPr/>
-            </a:p>
-          </p:txBody>
-        </p:sp>
-        <p:sp>
-          <p:nvSpPr>
             <p:cNvPr id="153" name="Shape 153"/>
             <p:cNvSpPr/>
             <p:nvPr/>
@@ -12253,7 +13911,7 @@
               <a:avLst/>
             </a:prstGeom>
             <a:solidFill>
-              <a:srgbClr val="DC5C56"/>
+              <a:srgbClr val="C0C0C0"/>
             </a:solidFill>
             <a:ln w="12700">
               <a:miter lim="400000"/>
@@ -12301,7 +13959,7 @@
               <a:avLst/>
             </a:prstGeom>
             <a:solidFill>
-              <a:srgbClr val="C0C0C0"/>
+              <a:srgbClr val="EF5150"/>
             </a:solidFill>
             <a:ln w="12700">
               <a:miter lim="400000"/>
@@ -12765,92 +14423,10 @@
           </a:p>
         </p:txBody>
       </p:sp>
-      <p:sp>
-        <p:nvSpPr>
-          <p:cNvPr id="37" name="Shape 127">
-            <a:extLst>
-              <a:ext uri="{FF2B5EF4-FFF2-40B4-BE49-F238E27FC236}">
-                <a16:creationId xmlns:a16="http://schemas.microsoft.com/office/drawing/2014/main" id="{99CA618A-6B4F-8E4C-8AF3-72305AAD38A0}"/>
-              </a:ext>
-            </a:extLst>
-          </p:cNvPr>
-          <p:cNvSpPr/>
-          <p:nvPr/>
-        </p:nvSpPr>
-        <p:spPr>
-          <a:xfrm>
-            <a:off x="16130081" y="12505104"/>
-            <a:ext cx="7734553" cy="759822"/>
-          </a:xfrm>
-          <a:prstGeom prst="rect">
-            <a:avLst/>
-          </a:prstGeom>
-          <a:ln w="12700">
-            <a:miter lim="400000"/>
-          </a:ln>
-          <a:extLst>
-            <a:ext uri="{C572A759-6A51-4108-AA02-DFA0A04FC94B}">
-              <ma14:wrappingTextBoxFlag xmlns:ma14="http://schemas.microsoft.com/office/mac/drawingml/2011/main" xmlns="" val="1"/>
-            </a:ext>
-          </a:extLst>
-        </p:spPr>
-        <p:txBody>
-          <a:bodyPr wrap="none" lIns="71437" tIns="71437" rIns="71437" bIns="71437" anchor="ctr">
-            <a:spAutoFit/>
-          </a:bodyPr>
-          <a:lstStyle/>
-          <a:p>
-            <a:pPr algn="r">
-              <a:defRPr sz="2000" b="0">
-                <a:solidFill>
-                  <a:srgbClr val="919191"/>
-                </a:solidFill>
-                <a:latin typeface="Montserrat Medium"/>
-                <a:ea typeface="Montserrat Medium"/>
-                <a:cs typeface="Montserrat Medium"/>
-                <a:sym typeface="Montserrat Medium"/>
-              </a:defRPr>
-            </a:pPr>
-            <a:r>
-              <a:rPr dirty="0"/>
-              <a:t>Image Attribution:</a:t>
-            </a:r>
-            <a:r>
-              <a:rPr lang="en-AU" dirty="0"/>
-              <a:t> Jake Hills, https://</a:t>
-            </a:r>
-            <a:r>
-              <a:rPr lang="en-AU" dirty="0" err="1"/>
-              <a:t>unsplash.com</a:t>
-            </a:r>
-            <a:r>
-              <a:rPr lang="en-AU" dirty="0"/>
-              <a:t>/photos/</a:t>
-            </a:r>
-          </a:p>
-          <a:p>
-            <a:pPr algn="r">
-              <a:defRPr sz="2000" b="0">
-                <a:solidFill>
-                  <a:srgbClr val="919191"/>
-                </a:solidFill>
-                <a:latin typeface="Montserrat Medium"/>
-                <a:ea typeface="Montserrat Medium"/>
-                <a:cs typeface="Montserrat Medium"/>
-                <a:sym typeface="Montserrat Medium"/>
-              </a:defRPr>
-            </a:pPr>
-            <a:r>
-              <a:rPr lang="en-AU" dirty="0"/>
-              <a:t>bt-Sc22W-BE</a:t>
-            </a:r>
-          </a:p>
-        </p:txBody>
-      </p:sp>
     </p:spTree>
     <p:extLst>
       <p:ext uri="{BB962C8B-B14F-4D97-AF65-F5344CB8AC3E}">
-        <p14:creationId xmlns:p14="http://schemas.microsoft.com/office/powerpoint/2010/main" val="2432101752"/>
+        <p14:creationId xmlns:p14="http://schemas.microsoft.com/office/powerpoint/2010/main" val="1869362711"/>
       </p:ext>
     </p:extLst>
   </p:cSld>
@@ -12861,7 +14437,7 @@
 </p:sld>
 </file>
 
-<file path=ppt/slides/slide7.xml><?xml version="1.0" encoding="utf-8"?>
+<file path=ppt/slides/slide8.xml><?xml version="1.0" encoding="utf-8"?>
 <p:sld xmlns:a="http://schemas.openxmlformats.org/drawingml/2006/main" xmlns:r="http://schemas.openxmlformats.org/officeDocument/2006/relationships" xmlns:p="http://schemas.openxmlformats.org/presentationml/2006/main">
   <p:cSld>
     <p:spTree>
@@ -12878,6 +14454,71 @@
           <a:chExt cx="0" cy="0"/>
         </a:xfrm>
       </p:grpSpPr>
+      <p:sp>
+        <p:nvSpPr>
+          <p:cNvPr id="35" name="Shape 127">
+            <a:extLst>
+              <a:ext uri="{FF2B5EF4-FFF2-40B4-BE49-F238E27FC236}">
+                <a16:creationId xmlns:a16="http://schemas.microsoft.com/office/drawing/2014/main" id="{749BB858-E084-694F-8D39-00F302CCA69B}"/>
+              </a:ext>
+            </a:extLst>
+          </p:cNvPr>
+          <p:cNvSpPr/>
+          <p:nvPr/>
+        </p:nvSpPr>
+        <p:spPr>
+          <a:xfrm>
+            <a:off x="14466277" y="12658992"/>
+            <a:ext cx="14653845" cy="452046"/>
+          </a:xfrm>
+          <a:prstGeom prst="rect">
+            <a:avLst/>
+          </a:prstGeom>
+          <a:ln w="12700">
+            <a:miter lim="400000"/>
+          </a:ln>
+          <a:extLst>
+            <a:ext uri="{C572A759-6A51-4108-AA02-DFA0A04FC94B}">
+              <ma14:wrappingTextBoxFlag xmlns:ma14="http://schemas.microsoft.com/office/mac/drawingml/2011/main" xmlns="" val="1"/>
+            </a:ext>
+          </a:extLst>
+        </p:spPr>
+        <p:txBody>
+          <a:bodyPr wrap="square" lIns="71437" tIns="71437" rIns="71437" bIns="71437" anchor="ctr">
+            <a:spAutoFit/>
+          </a:bodyPr>
+          <a:lstStyle/>
+          <a:p>
+            <a:pPr algn="l">
+              <a:defRPr sz="2000" b="0">
+                <a:solidFill>
+                  <a:srgbClr val="919191"/>
+                </a:solidFill>
+                <a:latin typeface="Montserrat Medium"/>
+                <a:ea typeface="Montserrat Medium"/>
+                <a:cs typeface="Montserrat Medium"/>
+                <a:sym typeface="Montserrat Medium"/>
+              </a:defRPr>
+            </a:pPr>
+            <a:r>
+              <a:rPr dirty="0"/>
+              <a:t>Image Attribution:</a:t>
+            </a:r>
+            <a:r>
+              <a:rPr lang="en-AU" dirty="0"/>
+              <a:t> Jake Hills, https://</a:t>
+            </a:r>
+            <a:r>
+              <a:rPr lang="en-AU" dirty="0" err="1"/>
+              <a:t>unsplash.com</a:t>
+            </a:r>
+            <a:r>
+              <a:rPr lang="en-AU" dirty="0"/>
+              <a:t>/photos/bt-Sc22W-BE</a:t>
+            </a:r>
+          </a:p>
+        </p:txBody>
+      </p:sp>
       <p:pic>
         <p:nvPicPr>
           <p:cNvPr id="38" name="Picture 37" descr="A close - up of a machine&#10;&#10;Description automatically generated with low confidence">
@@ -12915,10 +14556,59 @@
       </p:pic>
       <p:sp>
         <p:nvSpPr>
-          <p:cNvPr id="36" name="Shape 144">
+          <p:cNvPr id="39" name="Shape 124">
             <a:extLst>
               <a:ext uri="{FF2B5EF4-FFF2-40B4-BE49-F238E27FC236}">
-                <a16:creationId xmlns:a16="http://schemas.microsoft.com/office/drawing/2014/main" id="{CD1E192E-5FE6-3E49-8AA2-BBE7F7DBFBD4}"/>
+                <a16:creationId xmlns:a16="http://schemas.microsoft.com/office/drawing/2014/main" id="{B2E28D7F-C438-8F43-95C0-05859735C6CC}"/>
+              </a:ext>
+            </a:extLst>
+          </p:cNvPr>
+          <p:cNvSpPr/>
+          <p:nvPr/>
+        </p:nvSpPr>
+        <p:spPr>
+          <a:xfrm>
+            <a:off x="-46996" y="379438"/>
+            <a:ext cx="7619538" cy="2321716"/>
+          </a:xfrm>
+          <a:prstGeom prst="rect">
+            <a:avLst/>
+          </a:prstGeom>
+          <a:solidFill>
+            <a:srgbClr val="EE5150"/>
+          </a:solidFill>
+          <a:ln w="12700">
+            <a:miter lim="400000"/>
+          </a:ln>
+        </p:spPr>
+        <p:txBody>
+          <a:bodyPr lIns="0" tIns="0" rIns="0" bIns="0" anchor="ctr"/>
+          <a:lstStyle/>
+          <a:p>
+            <a:pPr lvl="3" algn="l" defTabSz="642937">
+              <a:lnSpc>
+                <a:spcPts val="27900"/>
+              </a:lnSpc>
+              <a:defRPr sz="9600">
+                <a:solidFill>
+                  <a:srgbClr val="FFFFFF"/>
+                </a:solidFill>
+                <a:latin typeface="Tw Cen MT"/>
+                <a:ea typeface="Tw Cen MT"/>
+                <a:cs typeface="Tw Cen MT"/>
+                <a:sym typeface="Tw Cen MT"/>
+              </a:defRPr>
+            </a:pPr>
+            <a:endParaRPr/>
+          </a:p>
+        </p:txBody>
+      </p:sp>
+      <p:sp>
+        <p:nvSpPr>
+          <p:cNvPr id="40" name="Shape 125">
+            <a:extLst>
+              <a:ext uri="{FF2B5EF4-FFF2-40B4-BE49-F238E27FC236}">
+                <a16:creationId xmlns:a16="http://schemas.microsoft.com/office/drawing/2014/main" id="{3AE0CF62-A508-344C-96C5-322F92B833BC}"/>
               </a:ext>
             </a:extLst>
           </p:cNvPr>
@@ -12927,8 +14617,134 @@
         </p:nvSpPr>
         <p:spPr>
           <a:xfrm rot="5400000">
-            <a:off x="12360992" y="3581052"/>
+            <a:off x="7047380" y="904601"/>
             <a:ext cx="2321715" cy="1271394"/>
+          </a:xfrm>
+          <a:custGeom>
+            <a:avLst/>
+            <a:gdLst/>
+            <a:ahLst/>
+            <a:cxnLst>
+              <a:cxn ang="0">
+                <a:pos x="wd2" y="hd2"/>
+              </a:cxn>
+              <a:cxn ang="5400000">
+                <a:pos x="wd2" y="hd2"/>
+              </a:cxn>
+              <a:cxn ang="10800000">
+                <a:pos x="wd2" y="hd2"/>
+              </a:cxn>
+              <a:cxn ang="16200000">
+                <a:pos x="wd2" y="hd2"/>
+              </a:cxn>
+            </a:cxnLst>
+            <a:rect l="0" t="0" r="r" b="b"/>
+            <a:pathLst>
+              <a:path w="21600" h="21600" extrusionOk="0">
+                <a:moveTo>
+                  <a:pt x="0" y="0"/>
+                </a:moveTo>
+                <a:lnTo>
+                  <a:pt x="0" y="21600"/>
+                </a:lnTo>
+                <a:lnTo>
+                  <a:pt x="21600" y="21600"/>
+                </a:lnTo>
+                <a:close/>
+              </a:path>
+            </a:pathLst>
+          </a:custGeom>
+          <a:solidFill>
+            <a:srgbClr val="EE5150"/>
+          </a:solidFill>
+          <a:ln w="12700">
+            <a:miter lim="400000"/>
+          </a:ln>
+        </p:spPr>
+        <p:txBody>
+          <a:bodyPr lIns="71437" tIns="71437" rIns="71437" bIns="71437" anchor="ctr"/>
+          <a:lstStyle/>
+          <a:p>
+            <a:pPr>
+              <a:defRPr sz="3000" b="0">
+                <a:solidFill>
+                  <a:srgbClr val="FFFFFF"/>
+                </a:solidFill>
+                <a:latin typeface="+mn-lt"/>
+                <a:ea typeface="+mn-ea"/>
+                <a:cs typeface="+mn-cs"/>
+                <a:sym typeface="Helvetica Neue Medium"/>
+              </a:defRPr>
+            </a:pPr>
+            <a:endParaRPr/>
+          </a:p>
+        </p:txBody>
+      </p:sp>
+      <p:sp>
+        <p:nvSpPr>
+          <p:cNvPr id="41" name="Shape 128">
+            <a:extLst>
+              <a:ext uri="{FF2B5EF4-FFF2-40B4-BE49-F238E27FC236}">
+                <a16:creationId xmlns:a16="http://schemas.microsoft.com/office/drawing/2014/main" id="{A3FC385D-1B32-884E-AAF6-64CFDA90A0D3}"/>
+              </a:ext>
+            </a:extLst>
+          </p:cNvPr>
+          <p:cNvSpPr/>
+          <p:nvPr/>
+        </p:nvSpPr>
+        <p:spPr>
+          <a:xfrm>
+            <a:off x="-102529" y="2983663"/>
+            <a:ext cx="7675070" cy="2321715"/>
+          </a:xfrm>
+          <a:prstGeom prst="rect">
+            <a:avLst/>
+          </a:prstGeom>
+          <a:solidFill>
+            <a:srgbClr val="EE5150"/>
+          </a:solidFill>
+          <a:ln w="12700">
+            <a:miter lim="400000"/>
+          </a:ln>
+        </p:spPr>
+        <p:txBody>
+          <a:bodyPr lIns="0" tIns="0" rIns="0" bIns="0" anchor="ctr"/>
+          <a:lstStyle/>
+          <a:p>
+            <a:pPr lvl="3" algn="l" defTabSz="642937">
+              <a:lnSpc>
+                <a:spcPts val="27900"/>
+              </a:lnSpc>
+              <a:defRPr sz="9600">
+                <a:solidFill>
+                  <a:srgbClr val="FFFFFF"/>
+                </a:solidFill>
+                <a:latin typeface="Tw Cen MT"/>
+                <a:ea typeface="Tw Cen MT"/>
+                <a:cs typeface="Tw Cen MT"/>
+                <a:sym typeface="Tw Cen MT"/>
+              </a:defRPr>
+            </a:pPr>
+            <a:endParaRPr/>
+          </a:p>
+        </p:txBody>
+      </p:sp>
+      <p:sp>
+        <p:nvSpPr>
+          <p:cNvPr id="42" name="Shape 129">
+            <a:extLst>
+              <a:ext uri="{FF2B5EF4-FFF2-40B4-BE49-F238E27FC236}">
+                <a16:creationId xmlns:a16="http://schemas.microsoft.com/office/drawing/2014/main" id="{F5103DD4-4BB3-E14A-B35A-80E3BFEF0D05}"/>
+              </a:ext>
+            </a:extLst>
+          </p:cNvPr>
+          <p:cNvSpPr/>
+          <p:nvPr/>
+        </p:nvSpPr>
+        <p:spPr>
+          <a:xfrm rot="5400000">
+            <a:off x="7023933" y="3508824"/>
+            <a:ext cx="2321716" cy="1271394"/>
           </a:xfrm>
           <a:custGeom>
             <a:avLst/>
@@ -13054,7 +14870,7 @@
         </p:nvSpPr>
         <p:spPr>
           <a:xfrm>
-            <a:off x="13031150" y="10987347"/>
+            <a:off x="16247409" y="10987347"/>
             <a:ext cx="3687764" cy="2235201"/>
           </a:xfrm>
           <a:custGeom>
@@ -13174,10 +14990,10 @@
         </p:nvGrpSpPr>
         <p:grpSpPr>
           <a:xfrm>
-            <a:off x="-110395" y="-1039931"/>
-            <a:ext cx="24844535" cy="11273559"/>
-            <a:chOff x="-110395" y="-1039931"/>
-            <a:chExt cx="24844535" cy="11273559"/>
+            <a:off x="369844" y="-1039931"/>
+            <a:ext cx="24364296" cy="11273559"/>
+            <a:chOff x="369844" y="-1039931"/>
+            <a:chExt cx="24364296" cy="11273559"/>
           </a:xfrm>
         </p:grpSpPr>
         <p:sp>
@@ -13411,127 +15227,13 @@
               </a:r>
               <a:r>
                 <a:rPr dirty="0"/>
-                <a:t>PAGE </a:t>
+                <a:t>PAGE</a:t>
               </a:r>
               <a:r>
                 <a:rPr lang="en-AU" dirty="0"/>
-                <a:t>104</a:t>
+                <a:t> 148</a:t>
               </a:r>
               <a:endParaRPr dirty="0"/>
-            </a:p>
-          </p:txBody>
-        </p:sp>
-        <p:sp>
-          <p:nvSpPr>
-            <p:cNvPr id="143" name="Shape 143"/>
-            <p:cNvSpPr/>
-            <p:nvPr/>
-          </p:nvSpPr>
-          <p:spPr>
-            <a:xfrm>
-              <a:off x="-110395" y="609796"/>
-              <a:ext cx="12005529" cy="2321715"/>
-            </a:xfrm>
-            <a:prstGeom prst="rect">
-              <a:avLst/>
-            </a:prstGeom>
-            <a:solidFill>
-              <a:srgbClr val="EE5150"/>
-            </a:solidFill>
-            <a:ln w="12700">
-              <a:miter lim="400000"/>
-            </a:ln>
-          </p:spPr>
-          <p:txBody>
-            <a:bodyPr lIns="0" tIns="0" rIns="0" bIns="0" anchor="ctr"/>
-            <a:lstStyle/>
-            <a:p>
-              <a:pPr lvl="3" algn="l" defTabSz="642937">
-                <a:lnSpc>
-                  <a:spcPts val="27900"/>
-                </a:lnSpc>
-                <a:defRPr sz="9600">
-                  <a:solidFill>
-                    <a:srgbClr val="FFFFFF"/>
-                  </a:solidFill>
-                  <a:latin typeface="Tw Cen MT"/>
-                  <a:ea typeface="Tw Cen MT"/>
-                  <a:cs typeface="Tw Cen MT"/>
-                  <a:sym typeface="Tw Cen MT"/>
-                </a:defRPr>
-              </a:pPr>
-              <a:endParaRPr/>
-            </a:p>
-          </p:txBody>
-        </p:sp>
-        <p:sp>
-          <p:nvSpPr>
-            <p:cNvPr id="144" name="Shape 144"/>
-            <p:cNvSpPr/>
-            <p:nvPr/>
-          </p:nvSpPr>
-          <p:spPr>
-            <a:xfrm rot="5400000">
-              <a:off x="11368800" y="1134957"/>
-              <a:ext cx="2321715" cy="1271394"/>
-            </a:xfrm>
-            <a:custGeom>
-              <a:avLst/>
-              <a:gdLst/>
-              <a:ahLst/>
-              <a:cxnLst>
-                <a:cxn ang="0">
-                  <a:pos x="wd2" y="hd2"/>
-                </a:cxn>
-                <a:cxn ang="5400000">
-                  <a:pos x="wd2" y="hd2"/>
-                </a:cxn>
-                <a:cxn ang="10800000">
-                  <a:pos x="wd2" y="hd2"/>
-                </a:cxn>
-                <a:cxn ang="16200000">
-                  <a:pos x="wd2" y="hd2"/>
-                </a:cxn>
-              </a:cxnLst>
-              <a:rect l="0" t="0" r="r" b="b"/>
-              <a:pathLst>
-                <a:path w="21600" h="21600" extrusionOk="0">
-                  <a:moveTo>
-                    <a:pt x="0" y="0"/>
-                  </a:moveTo>
-                  <a:lnTo>
-                    <a:pt x="0" y="21600"/>
-                  </a:lnTo>
-                  <a:lnTo>
-                    <a:pt x="21600" y="21600"/>
-                  </a:lnTo>
-                  <a:close/>
-                </a:path>
-              </a:pathLst>
-            </a:custGeom>
-            <a:solidFill>
-              <a:srgbClr val="EE5150"/>
-            </a:solidFill>
-            <a:ln w="12700">
-              <a:miter lim="400000"/>
-            </a:ln>
-          </p:spPr>
-          <p:txBody>
-            <a:bodyPr lIns="71437" tIns="71437" rIns="71437" bIns="71437" anchor="ctr"/>
-            <a:lstStyle/>
-            <a:p>
-              <a:pPr>
-                <a:defRPr sz="3000" b="0">
-                  <a:solidFill>
-                    <a:srgbClr val="FFFFFF"/>
-                  </a:solidFill>
-                  <a:latin typeface="+mn-lt"/>
-                  <a:ea typeface="+mn-ea"/>
-                  <a:cs typeface="+mn-cs"/>
-                  <a:sym typeface="Helvetica Neue Medium"/>
-                </a:defRPr>
-              </a:pPr>
-              <a:endParaRPr/>
             </a:p>
           </p:txBody>
         </p:sp>
@@ -13832,120 +15534,6 @@
         </p:sp>
         <p:sp>
           <p:nvSpPr>
-            <p:cNvPr id="150" name="Shape 150"/>
-            <p:cNvSpPr/>
-            <p:nvPr/>
-          </p:nvSpPr>
-          <p:spPr>
-            <a:xfrm>
-              <a:off x="-100301" y="3057910"/>
-              <a:ext cx="12986454" cy="2321715"/>
-            </a:xfrm>
-            <a:prstGeom prst="rect">
-              <a:avLst/>
-            </a:prstGeom>
-            <a:solidFill>
-              <a:srgbClr val="EE5150"/>
-            </a:solidFill>
-            <a:ln w="12700">
-              <a:miter lim="400000"/>
-            </a:ln>
-          </p:spPr>
-          <p:txBody>
-            <a:bodyPr lIns="0" tIns="0" rIns="0" bIns="0" anchor="ctr"/>
-            <a:lstStyle/>
-            <a:p>
-              <a:pPr lvl="3" algn="l" defTabSz="642937">
-                <a:lnSpc>
-                  <a:spcPts val="27900"/>
-                </a:lnSpc>
-                <a:defRPr sz="9600">
-                  <a:solidFill>
-                    <a:srgbClr val="FFFFFF"/>
-                  </a:solidFill>
-                  <a:latin typeface="Tw Cen MT"/>
-                  <a:ea typeface="Tw Cen MT"/>
-                  <a:cs typeface="Tw Cen MT"/>
-                  <a:sym typeface="Tw Cen MT"/>
-                </a:defRPr>
-              </a:pPr>
-              <a:endParaRPr dirty="0"/>
-            </a:p>
-          </p:txBody>
-        </p:sp>
-        <p:sp>
-          <p:nvSpPr>
-            <p:cNvPr id="151" name="Shape 151"/>
-            <p:cNvSpPr/>
-            <p:nvPr/>
-          </p:nvSpPr>
-          <p:spPr>
-            <a:xfrm rot="5400000">
-              <a:off x="9976984" y="3583071"/>
-              <a:ext cx="2321716" cy="1271394"/>
-            </a:xfrm>
-            <a:custGeom>
-              <a:avLst/>
-              <a:gdLst/>
-              <a:ahLst/>
-              <a:cxnLst>
-                <a:cxn ang="0">
-                  <a:pos x="wd2" y="hd2"/>
-                </a:cxn>
-                <a:cxn ang="5400000">
-                  <a:pos x="wd2" y="hd2"/>
-                </a:cxn>
-                <a:cxn ang="10800000">
-                  <a:pos x="wd2" y="hd2"/>
-                </a:cxn>
-                <a:cxn ang="16200000">
-                  <a:pos x="wd2" y="hd2"/>
-                </a:cxn>
-              </a:cxnLst>
-              <a:rect l="0" t="0" r="r" b="b"/>
-              <a:pathLst>
-                <a:path w="21600" h="21600" extrusionOk="0">
-                  <a:moveTo>
-                    <a:pt x="0" y="0"/>
-                  </a:moveTo>
-                  <a:lnTo>
-                    <a:pt x="0" y="21600"/>
-                  </a:lnTo>
-                  <a:lnTo>
-                    <a:pt x="21600" y="21600"/>
-                  </a:lnTo>
-                  <a:close/>
-                </a:path>
-              </a:pathLst>
-            </a:custGeom>
-            <a:solidFill>
-              <a:srgbClr val="EE5150"/>
-            </a:solidFill>
-            <a:ln w="12700">
-              <a:miter lim="400000"/>
-            </a:ln>
-          </p:spPr>
-          <p:txBody>
-            <a:bodyPr lIns="71437" tIns="71437" rIns="71437" bIns="71437" anchor="ctr"/>
-            <a:lstStyle/>
-            <a:p>
-              <a:pPr>
-                <a:defRPr sz="3000" b="0">
-                  <a:solidFill>
-                    <a:srgbClr val="FFFFFF"/>
-                  </a:solidFill>
-                  <a:latin typeface="+mn-lt"/>
-                  <a:ea typeface="+mn-ea"/>
-                  <a:cs typeface="+mn-cs"/>
-                  <a:sym typeface="Helvetica Neue Medium"/>
-                </a:defRPr>
-              </a:pPr>
-              <a:endParaRPr/>
-            </a:p>
-          </p:txBody>
-        </p:sp>
-        <p:sp>
-          <p:nvSpPr>
             <p:cNvPr id="153" name="Shape 153"/>
             <p:cNvSpPr/>
             <p:nvPr/>
@@ -14123,6 +15711,7 @@
             </a:lstStyle>
             <a:p>
               <a:r>
+                <a:rPr dirty="0"/>
                 <a:t>2</a:t>
               </a:r>
             </a:p>
@@ -14239,7 +15828,7 @@
               <a:avLst/>
             </a:prstGeom>
             <a:solidFill>
-              <a:srgbClr val="DC5C56"/>
+              <a:srgbClr val="C0C0C0"/>
             </a:solidFill>
             <a:ln w="12700">
               <a:miter lim="400000"/>
@@ -14287,7 +15876,7 @@
               <a:avLst/>
             </a:prstGeom>
             <a:solidFill>
-              <a:srgbClr val="C0C0C0"/>
+              <a:srgbClr val="EF5150"/>
             </a:solidFill>
             <a:ln w="12700">
               <a:miter lim="400000"/>
@@ -14649,88 +16238,6 @@
       </p:sp>
       <p:sp>
         <p:nvSpPr>
-          <p:cNvPr id="37" name="Shape 127">
-            <a:extLst>
-              <a:ext uri="{FF2B5EF4-FFF2-40B4-BE49-F238E27FC236}">
-                <a16:creationId xmlns:a16="http://schemas.microsoft.com/office/drawing/2014/main" id="{99CA618A-6B4F-8E4C-8AF3-72305AAD38A0}"/>
-              </a:ext>
-            </a:extLst>
-          </p:cNvPr>
-          <p:cNvSpPr/>
-          <p:nvPr/>
-        </p:nvSpPr>
-        <p:spPr>
-          <a:xfrm>
-            <a:off x="16130081" y="12505104"/>
-            <a:ext cx="7734553" cy="759822"/>
-          </a:xfrm>
-          <a:prstGeom prst="rect">
-            <a:avLst/>
-          </a:prstGeom>
-          <a:ln w="12700">
-            <a:miter lim="400000"/>
-          </a:ln>
-          <a:extLst>
-            <a:ext uri="{C572A759-6A51-4108-AA02-DFA0A04FC94B}">
-              <ma14:wrappingTextBoxFlag xmlns="" xmlns:ma14="http://schemas.microsoft.com/office/mac/drawingml/2011/main" val="1"/>
-            </a:ext>
-          </a:extLst>
-        </p:spPr>
-        <p:txBody>
-          <a:bodyPr wrap="none" lIns="71437" tIns="71437" rIns="71437" bIns="71437" anchor="ctr">
-            <a:spAutoFit/>
-          </a:bodyPr>
-          <a:lstStyle/>
-          <a:p>
-            <a:pPr algn="r">
-              <a:defRPr sz="2000" b="0">
-                <a:solidFill>
-                  <a:srgbClr val="919191"/>
-                </a:solidFill>
-                <a:latin typeface="Montserrat Medium"/>
-                <a:ea typeface="Montserrat Medium"/>
-                <a:cs typeface="Montserrat Medium"/>
-                <a:sym typeface="Montserrat Medium"/>
-              </a:defRPr>
-            </a:pPr>
-            <a:r>
-              <a:rPr dirty="0"/>
-              <a:t>Image Attribution:</a:t>
-            </a:r>
-            <a:r>
-              <a:rPr lang="en-AU" dirty="0"/>
-              <a:t> Jake Hills, https://</a:t>
-            </a:r>
-            <a:r>
-              <a:rPr lang="en-AU" dirty="0" err="1"/>
-              <a:t>unsplash.com</a:t>
-            </a:r>
-            <a:r>
-              <a:rPr lang="en-AU" dirty="0"/>
-              <a:t>/photos/</a:t>
-            </a:r>
-          </a:p>
-          <a:p>
-            <a:pPr algn="r">
-              <a:defRPr sz="2000" b="0">
-                <a:solidFill>
-                  <a:srgbClr val="919191"/>
-                </a:solidFill>
-                <a:latin typeface="Montserrat Medium"/>
-                <a:ea typeface="Montserrat Medium"/>
-                <a:cs typeface="Montserrat Medium"/>
-                <a:sym typeface="Montserrat Medium"/>
-              </a:defRPr>
-            </a:pPr>
-            <a:r>
-              <a:rPr lang="en-AU" dirty="0"/>
-              <a:t>bt-Sc22W-BE</a:t>
-            </a:r>
-          </a:p>
-        </p:txBody>
-      </p:sp>
-      <p:sp>
-        <p:nvSpPr>
           <p:cNvPr id="169" name="Shape 169"/>
           <p:cNvSpPr/>
           <p:nvPr/>
@@ -14788,7 +16295,7 @@
     </p:spTree>
     <p:extLst>
       <p:ext uri="{BB962C8B-B14F-4D97-AF65-F5344CB8AC3E}">
-        <p14:creationId xmlns:p14="http://schemas.microsoft.com/office/powerpoint/2010/main" val="1871474722"/>
+        <p14:creationId xmlns:p14="http://schemas.microsoft.com/office/powerpoint/2010/main" val="3024480843"/>
       </p:ext>
     </p:extLst>
   </p:cSld>
@@ -14799,7 +16306,7 @@
 </p:sld>
 </file>
 
-<file path=ppt/slides/slide8.xml><?xml version="1.0" encoding="utf-8"?>
+<file path=ppt/slides/slide9.xml><?xml version="1.0" encoding="utf-8"?>
 <p:sld xmlns:a="http://schemas.openxmlformats.org/drawingml/2006/main" xmlns:r="http://schemas.openxmlformats.org/officeDocument/2006/relationships" xmlns:p="http://schemas.openxmlformats.org/presentationml/2006/main">
   <p:cSld>
     <p:spTree>
@@ -14818,10 +16325,10 @@
       </p:grpSpPr>
       <p:sp>
         <p:nvSpPr>
-          <p:cNvPr id="37" name="Shape 127">
+          <p:cNvPr id="35" name="Shape 127">
             <a:extLst>
               <a:ext uri="{FF2B5EF4-FFF2-40B4-BE49-F238E27FC236}">
-                <a16:creationId xmlns:a16="http://schemas.microsoft.com/office/drawing/2014/main" id="{99CA618A-6B4F-8E4C-8AF3-72305AAD38A0}"/>
+                <a16:creationId xmlns:a16="http://schemas.microsoft.com/office/drawing/2014/main" id="{6A34CE9B-1B10-0643-994B-48C8A33C1C63}"/>
               </a:ext>
             </a:extLst>
           </p:cNvPr>
@@ -14830,8 +16337,8 @@
         </p:nvSpPr>
         <p:spPr>
           <a:xfrm>
-            <a:off x="16130081" y="12505104"/>
-            <a:ext cx="7734553" cy="759822"/>
+            <a:off x="14466277" y="12658992"/>
+            <a:ext cx="14653845" cy="452046"/>
           </a:xfrm>
           <a:prstGeom prst="rect">
             <a:avLst/>
@@ -14846,12 +16353,12 @@
           </a:extLst>
         </p:spPr>
         <p:txBody>
-          <a:bodyPr wrap="none" lIns="71437" tIns="71437" rIns="71437" bIns="71437" anchor="ctr">
+          <a:bodyPr wrap="square" lIns="71437" tIns="71437" rIns="71437" bIns="71437" anchor="ctr">
             <a:spAutoFit/>
           </a:bodyPr>
           <a:lstStyle/>
           <a:p>
-            <a:pPr algn="r">
+            <a:pPr algn="l">
               <a:defRPr sz="2000" b="0">
                 <a:solidFill>
                   <a:srgbClr val="919191"/>
@@ -14876,24 +16383,7 @@
             </a:r>
             <a:r>
               <a:rPr lang="en-AU" dirty="0"/>
-              <a:t>/photos/</a:t>
-            </a:r>
-          </a:p>
-          <a:p>
-            <a:pPr algn="r">
-              <a:defRPr sz="2000" b="0">
-                <a:solidFill>
-                  <a:srgbClr val="919191"/>
-                </a:solidFill>
-                <a:latin typeface="Montserrat Medium"/>
-                <a:ea typeface="Montserrat Medium"/>
-                <a:cs typeface="Montserrat Medium"/>
-                <a:sym typeface="Montserrat Medium"/>
-              </a:defRPr>
-            </a:pPr>
-            <a:r>
-              <a:rPr lang="en-AU" dirty="0"/>
-              <a:t>bt-Sc22W-BE</a:t>
+              <a:t>/photos/bt-Sc22W-BE</a:t>
             </a:r>
           </a:p>
         </p:txBody>
@@ -14935,10 +16425,59 @@
       </p:pic>
       <p:sp>
         <p:nvSpPr>
-          <p:cNvPr id="36" name="Shape 144">
+          <p:cNvPr id="39" name="Shape 124">
             <a:extLst>
               <a:ext uri="{FF2B5EF4-FFF2-40B4-BE49-F238E27FC236}">
-                <a16:creationId xmlns:a16="http://schemas.microsoft.com/office/drawing/2014/main" id="{CD1E192E-5FE6-3E49-8AA2-BBE7F7DBFBD4}"/>
+                <a16:creationId xmlns:a16="http://schemas.microsoft.com/office/drawing/2014/main" id="{B2E28D7F-C438-8F43-95C0-05859735C6CC}"/>
+              </a:ext>
+            </a:extLst>
+          </p:cNvPr>
+          <p:cNvSpPr/>
+          <p:nvPr/>
+        </p:nvSpPr>
+        <p:spPr>
+          <a:xfrm>
+            <a:off x="-46996" y="379438"/>
+            <a:ext cx="7619538" cy="2321716"/>
+          </a:xfrm>
+          <a:prstGeom prst="rect">
+            <a:avLst/>
+          </a:prstGeom>
+          <a:solidFill>
+            <a:srgbClr val="EE5150"/>
+          </a:solidFill>
+          <a:ln w="12700">
+            <a:miter lim="400000"/>
+          </a:ln>
+        </p:spPr>
+        <p:txBody>
+          <a:bodyPr lIns="0" tIns="0" rIns="0" bIns="0" anchor="ctr"/>
+          <a:lstStyle/>
+          <a:p>
+            <a:pPr lvl="3" algn="l" defTabSz="642937">
+              <a:lnSpc>
+                <a:spcPts val="27900"/>
+              </a:lnSpc>
+              <a:defRPr sz="9600">
+                <a:solidFill>
+                  <a:srgbClr val="FFFFFF"/>
+                </a:solidFill>
+                <a:latin typeface="Tw Cen MT"/>
+                <a:ea typeface="Tw Cen MT"/>
+                <a:cs typeface="Tw Cen MT"/>
+                <a:sym typeface="Tw Cen MT"/>
+              </a:defRPr>
+            </a:pPr>
+            <a:endParaRPr/>
+          </a:p>
+        </p:txBody>
+      </p:sp>
+      <p:sp>
+        <p:nvSpPr>
+          <p:cNvPr id="40" name="Shape 125">
+            <a:extLst>
+              <a:ext uri="{FF2B5EF4-FFF2-40B4-BE49-F238E27FC236}">
+                <a16:creationId xmlns:a16="http://schemas.microsoft.com/office/drawing/2014/main" id="{3AE0CF62-A508-344C-96C5-322F92B833BC}"/>
               </a:ext>
             </a:extLst>
           </p:cNvPr>
@@ -14947,8 +16486,134 @@
         </p:nvSpPr>
         <p:spPr>
           <a:xfrm rot="5400000">
-            <a:off x="12360992" y="3581052"/>
+            <a:off x="7047380" y="904601"/>
             <a:ext cx="2321715" cy="1271394"/>
+          </a:xfrm>
+          <a:custGeom>
+            <a:avLst/>
+            <a:gdLst/>
+            <a:ahLst/>
+            <a:cxnLst>
+              <a:cxn ang="0">
+                <a:pos x="wd2" y="hd2"/>
+              </a:cxn>
+              <a:cxn ang="5400000">
+                <a:pos x="wd2" y="hd2"/>
+              </a:cxn>
+              <a:cxn ang="10800000">
+                <a:pos x="wd2" y="hd2"/>
+              </a:cxn>
+              <a:cxn ang="16200000">
+                <a:pos x="wd2" y="hd2"/>
+              </a:cxn>
+            </a:cxnLst>
+            <a:rect l="0" t="0" r="r" b="b"/>
+            <a:pathLst>
+              <a:path w="21600" h="21600" extrusionOk="0">
+                <a:moveTo>
+                  <a:pt x="0" y="0"/>
+                </a:moveTo>
+                <a:lnTo>
+                  <a:pt x="0" y="21600"/>
+                </a:lnTo>
+                <a:lnTo>
+                  <a:pt x="21600" y="21600"/>
+                </a:lnTo>
+                <a:close/>
+              </a:path>
+            </a:pathLst>
+          </a:custGeom>
+          <a:solidFill>
+            <a:srgbClr val="EE5150"/>
+          </a:solidFill>
+          <a:ln w="12700">
+            <a:miter lim="400000"/>
+          </a:ln>
+        </p:spPr>
+        <p:txBody>
+          <a:bodyPr lIns="71437" tIns="71437" rIns="71437" bIns="71437" anchor="ctr"/>
+          <a:lstStyle/>
+          <a:p>
+            <a:pPr>
+              <a:defRPr sz="3000" b="0">
+                <a:solidFill>
+                  <a:srgbClr val="FFFFFF"/>
+                </a:solidFill>
+                <a:latin typeface="+mn-lt"/>
+                <a:ea typeface="+mn-ea"/>
+                <a:cs typeface="+mn-cs"/>
+                <a:sym typeface="Helvetica Neue Medium"/>
+              </a:defRPr>
+            </a:pPr>
+            <a:endParaRPr/>
+          </a:p>
+        </p:txBody>
+      </p:sp>
+      <p:sp>
+        <p:nvSpPr>
+          <p:cNvPr id="41" name="Shape 128">
+            <a:extLst>
+              <a:ext uri="{FF2B5EF4-FFF2-40B4-BE49-F238E27FC236}">
+                <a16:creationId xmlns:a16="http://schemas.microsoft.com/office/drawing/2014/main" id="{A3FC385D-1B32-884E-AAF6-64CFDA90A0D3}"/>
+              </a:ext>
+            </a:extLst>
+          </p:cNvPr>
+          <p:cNvSpPr/>
+          <p:nvPr/>
+        </p:nvSpPr>
+        <p:spPr>
+          <a:xfrm>
+            <a:off x="-102529" y="2983663"/>
+            <a:ext cx="7675070" cy="2321715"/>
+          </a:xfrm>
+          <a:prstGeom prst="rect">
+            <a:avLst/>
+          </a:prstGeom>
+          <a:solidFill>
+            <a:srgbClr val="EE5150"/>
+          </a:solidFill>
+          <a:ln w="12700">
+            <a:miter lim="400000"/>
+          </a:ln>
+        </p:spPr>
+        <p:txBody>
+          <a:bodyPr lIns="0" tIns="0" rIns="0" bIns="0" anchor="ctr"/>
+          <a:lstStyle/>
+          <a:p>
+            <a:pPr lvl="3" algn="l" defTabSz="642937">
+              <a:lnSpc>
+                <a:spcPts val="27900"/>
+              </a:lnSpc>
+              <a:defRPr sz="9600">
+                <a:solidFill>
+                  <a:srgbClr val="FFFFFF"/>
+                </a:solidFill>
+                <a:latin typeface="Tw Cen MT"/>
+                <a:ea typeface="Tw Cen MT"/>
+                <a:cs typeface="Tw Cen MT"/>
+                <a:sym typeface="Tw Cen MT"/>
+              </a:defRPr>
+            </a:pPr>
+            <a:endParaRPr/>
+          </a:p>
+        </p:txBody>
+      </p:sp>
+      <p:sp>
+        <p:nvSpPr>
+          <p:cNvPr id="42" name="Shape 129">
+            <a:extLst>
+              <a:ext uri="{FF2B5EF4-FFF2-40B4-BE49-F238E27FC236}">
+                <a16:creationId xmlns:a16="http://schemas.microsoft.com/office/drawing/2014/main" id="{F5103DD4-4BB3-E14A-B35A-80E3BFEF0D05}"/>
+              </a:ext>
+            </a:extLst>
+          </p:cNvPr>
+          <p:cNvSpPr/>
+          <p:nvPr/>
+        </p:nvSpPr>
+        <p:spPr>
+          <a:xfrm rot="5400000">
+            <a:off x="7023933" y="3508824"/>
+            <a:ext cx="2321716" cy="1271394"/>
           </a:xfrm>
           <a:custGeom>
             <a:avLst/>
@@ -15074,7 +16739,7 @@
         </p:nvSpPr>
         <p:spPr>
           <a:xfrm>
-            <a:off x="16268260" y="10987347"/>
+            <a:off x="19474792" y="10987347"/>
             <a:ext cx="3687764" cy="2235201"/>
           </a:xfrm>
           <a:custGeom>
@@ -15194,10 +16859,10 @@
         </p:nvGrpSpPr>
         <p:grpSpPr>
           <a:xfrm>
-            <a:off x="-110395" y="-1039931"/>
-            <a:ext cx="24844535" cy="11273559"/>
-            <a:chOff x="-110395" y="-1039931"/>
-            <a:chExt cx="24844535" cy="11273559"/>
+            <a:off x="369844" y="-1039931"/>
+            <a:ext cx="24364296" cy="11273559"/>
+            <a:chOff x="369844" y="-1039931"/>
+            <a:chExt cx="24364296" cy="11273559"/>
           </a:xfrm>
         </p:grpSpPr>
         <p:sp>
@@ -15431,127 +17096,13 @@
               </a:r>
               <a:r>
                 <a:rPr dirty="0"/>
-                <a:t>PAGE </a:t>
+                <a:t>PAGE</a:t>
               </a:r>
               <a:r>
                 <a:rPr lang="en-AU" dirty="0"/>
-                <a:t>104</a:t>
+                <a:t> 148</a:t>
               </a:r>
               <a:endParaRPr dirty="0"/>
-            </a:p>
-          </p:txBody>
-        </p:sp>
-        <p:sp>
-          <p:nvSpPr>
-            <p:cNvPr id="143" name="Shape 143"/>
-            <p:cNvSpPr/>
-            <p:nvPr/>
-          </p:nvSpPr>
-          <p:spPr>
-            <a:xfrm>
-              <a:off x="-110395" y="609796"/>
-              <a:ext cx="12005529" cy="2321715"/>
-            </a:xfrm>
-            <a:prstGeom prst="rect">
-              <a:avLst/>
-            </a:prstGeom>
-            <a:solidFill>
-              <a:srgbClr val="EE5150"/>
-            </a:solidFill>
-            <a:ln w="12700">
-              <a:miter lim="400000"/>
-            </a:ln>
-          </p:spPr>
-          <p:txBody>
-            <a:bodyPr lIns="0" tIns="0" rIns="0" bIns="0" anchor="ctr"/>
-            <a:lstStyle/>
-            <a:p>
-              <a:pPr lvl="3" algn="l" defTabSz="642937">
-                <a:lnSpc>
-                  <a:spcPts val="27900"/>
-                </a:lnSpc>
-                <a:defRPr sz="9600">
-                  <a:solidFill>
-                    <a:srgbClr val="FFFFFF"/>
-                  </a:solidFill>
-                  <a:latin typeface="Tw Cen MT"/>
-                  <a:ea typeface="Tw Cen MT"/>
-                  <a:cs typeface="Tw Cen MT"/>
-                  <a:sym typeface="Tw Cen MT"/>
-                </a:defRPr>
-              </a:pPr>
-              <a:endParaRPr/>
-            </a:p>
-          </p:txBody>
-        </p:sp>
-        <p:sp>
-          <p:nvSpPr>
-            <p:cNvPr id="144" name="Shape 144"/>
-            <p:cNvSpPr/>
-            <p:nvPr/>
-          </p:nvSpPr>
-          <p:spPr>
-            <a:xfrm rot="5400000">
-              <a:off x="11368800" y="1134957"/>
-              <a:ext cx="2321715" cy="1271394"/>
-            </a:xfrm>
-            <a:custGeom>
-              <a:avLst/>
-              <a:gdLst/>
-              <a:ahLst/>
-              <a:cxnLst>
-                <a:cxn ang="0">
-                  <a:pos x="wd2" y="hd2"/>
-                </a:cxn>
-                <a:cxn ang="5400000">
-                  <a:pos x="wd2" y="hd2"/>
-                </a:cxn>
-                <a:cxn ang="10800000">
-                  <a:pos x="wd2" y="hd2"/>
-                </a:cxn>
-                <a:cxn ang="16200000">
-                  <a:pos x="wd2" y="hd2"/>
-                </a:cxn>
-              </a:cxnLst>
-              <a:rect l="0" t="0" r="r" b="b"/>
-              <a:pathLst>
-                <a:path w="21600" h="21600" extrusionOk="0">
-                  <a:moveTo>
-                    <a:pt x="0" y="0"/>
-                  </a:moveTo>
-                  <a:lnTo>
-                    <a:pt x="0" y="21600"/>
-                  </a:lnTo>
-                  <a:lnTo>
-                    <a:pt x="21600" y="21600"/>
-                  </a:lnTo>
-                  <a:close/>
-                </a:path>
-              </a:pathLst>
-            </a:custGeom>
-            <a:solidFill>
-              <a:srgbClr val="EE5150"/>
-            </a:solidFill>
-            <a:ln w="12700">
-              <a:miter lim="400000"/>
-            </a:ln>
-          </p:spPr>
-          <p:txBody>
-            <a:bodyPr lIns="71437" tIns="71437" rIns="71437" bIns="71437" anchor="ctr"/>
-            <a:lstStyle/>
-            <a:p>
-              <a:pPr>
-                <a:defRPr sz="3000" b="0">
-                  <a:solidFill>
-                    <a:srgbClr val="FFFFFF"/>
-                  </a:solidFill>
-                  <a:latin typeface="+mn-lt"/>
-                  <a:ea typeface="+mn-ea"/>
-                  <a:cs typeface="+mn-cs"/>
-                  <a:sym typeface="Helvetica Neue Medium"/>
-                </a:defRPr>
-              </a:pPr>
-              <a:endParaRPr/>
             </a:p>
           </p:txBody>
         </p:sp>
@@ -15852,120 +17403,6 @@
         </p:sp>
         <p:sp>
           <p:nvSpPr>
-            <p:cNvPr id="150" name="Shape 150"/>
-            <p:cNvSpPr/>
-            <p:nvPr/>
-          </p:nvSpPr>
-          <p:spPr>
-            <a:xfrm>
-              <a:off x="-100301" y="3057910"/>
-              <a:ext cx="12986454" cy="2321715"/>
-            </a:xfrm>
-            <a:prstGeom prst="rect">
-              <a:avLst/>
-            </a:prstGeom>
-            <a:solidFill>
-              <a:srgbClr val="EE5150"/>
-            </a:solidFill>
-            <a:ln w="12700">
-              <a:miter lim="400000"/>
-            </a:ln>
-          </p:spPr>
-          <p:txBody>
-            <a:bodyPr lIns="0" tIns="0" rIns="0" bIns="0" anchor="ctr"/>
-            <a:lstStyle/>
-            <a:p>
-              <a:pPr lvl="3" algn="l" defTabSz="642937">
-                <a:lnSpc>
-                  <a:spcPts val="27900"/>
-                </a:lnSpc>
-                <a:defRPr sz="9600">
-                  <a:solidFill>
-                    <a:srgbClr val="FFFFFF"/>
-                  </a:solidFill>
-                  <a:latin typeface="Tw Cen MT"/>
-                  <a:ea typeface="Tw Cen MT"/>
-                  <a:cs typeface="Tw Cen MT"/>
-                  <a:sym typeface="Tw Cen MT"/>
-                </a:defRPr>
-              </a:pPr>
-              <a:endParaRPr dirty="0"/>
-            </a:p>
-          </p:txBody>
-        </p:sp>
-        <p:sp>
-          <p:nvSpPr>
-            <p:cNvPr id="151" name="Shape 151"/>
-            <p:cNvSpPr/>
-            <p:nvPr/>
-          </p:nvSpPr>
-          <p:spPr>
-            <a:xfrm rot="5400000">
-              <a:off x="9976984" y="3583071"/>
-              <a:ext cx="2321716" cy="1271394"/>
-            </a:xfrm>
-            <a:custGeom>
-              <a:avLst/>
-              <a:gdLst/>
-              <a:ahLst/>
-              <a:cxnLst>
-                <a:cxn ang="0">
-                  <a:pos x="wd2" y="hd2"/>
-                </a:cxn>
-                <a:cxn ang="5400000">
-                  <a:pos x="wd2" y="hd2"/>
-                </a:cxn>
-                <a:cxn ang="10800000">
-                  <a:pos x="wd2" y="hd2"/>
-                </a:cxn>
-                <a:cxn ang="16200000">
-                  <a:pos x="wd2" y="hd2"/>
-                </a:cxn>
-              </a:cxnLst>
-              <a:rect l="0" t="0" r="r" b="b"/>
-              <a:pathLst>
-                <a:path w="21600" h="21600" extrusionOk="0">
-                  <a:moveTo>
-                    <a:pt x="0" y="0"/>
-                  </a:moveTo>
-                  <a:lnTo>
-                    <a:pt x="0" y="21600"/>
-                  </a:lnTo>
-                  <a:lnTo>
-                    <a:pt x="21600" y="21600"/>
-                  </a:lnTo>
-                  <a:close/>
-                </a:path>
-              </a:pathLst>
-            </a:custGeom>
-            <a:solidFill>
-              <a:srgbClr val="EE5150"/>
-            </a:solidFill>
-            <a:ln w="12700">
-              <a:miter lim="400000"/>
-            </a:ln>
-          </p:spPr>
-          <p:txBody>
-            <a:bodyPr lIns="71437" tIns="71437" rIns="71437" bIns="71437" anchor="ctr"/>
-            <a:lstStyle/>
-            <a:p>
-              <a:pPr>
-                <a:defRPr sz="3000" b="0">
-                  <a:solidFill>
-                    <a:srgbClr val="FFFFFF"/>
-                  </a:solidFill>
-                  <a:latin typeface="+mn-lt"/>
-                  <a:ea typeface="+mn-ea"/>
-                  <a:cs typeface="+mn-cs"/>
-                  <a:sym typeface="Helvetica Neue Medium"/>
-                </a:defRPr>
-              </a:pPr>
-              <a:endParaRPr/>
-            </a:p>
-          </p:txBody>
-        </p:sp>
-        <p:sp>
-          <p:nvSpPr>
             <p:cNvPr id="153" name="Shape 153"/>
             <p:cNvSpPr/>
             <p:nvPr/>
@@ -16067,7 +17504,7 @@
               <a:avLst/>
             </a:prstGeom>
             <a:solidFill>
-              <a:srgbClr val="C0C0C0"/>
+              <a:srgbClr val="EF5150"/>
             </a:solidFill>
             <a:ln w="12700">
               <a:miter lim="400000"/>
@@ -16307,7 +17744,7 @@
               <a:avLst/>
             </a:prstGeom>
             <a:solidFill>
-              <a:srgbClr val="DC5C56"/>
+              <a:srgbClr val="C0C0C0"/>
             </a:solidFill>
             <a:ln w="12700">
               <a:miter lim="400000"/>
@@ -16726,1945 +18163,7 @@
     </p:spTree>
     <p:extLst>
       <p:ext uri="{BB962C8B-B14F-4D97-AF65-F5344CB8AC3E}">
-        <p14:creationId xmlns:p14="http://schemas.microsoft.com/office/powerpoint/2010/main" val="727655611"/>
-      </p:ext>
-    </p:extLst>
-  </p:cSld>
-  <p:clrMapOvr>
-    <a:masterClrMapping/>
-  </p:clrMapOvr>
-  <p:transition spd="med"/>
-</p:sld>
-</file>
-
-<file path=ppt/slides/slide9.xml><?xml version="1.0" encoding="utf-8"?>
-<p:sld xmlns:a="http://schemas.openxmlformats.org/drawingml/2006/main" xmlns:r="http://schemas.openxmlformats.org/officeDocument/2006/relationships" xmlns:p="http://schemas.openxmlformats.org/presentationml/2006/main">
-  <p:cSld>
-    <p:spTree>
-      <p:nvGrpSpPr>
-        <p:cNvPr id="1" name=""/>
-        <p:cNvGrpSpPr/>
-        <p:nvPr/>
-      </p:nvGrpSpPr>
-      <p:grpSpPr>
-        <a:xfrm>
-          <a:off x="0" y="0"/>
-          <a:ext cx="0" cy="0"/>
-          <a:chOff x="0" y="0"/>
-          <a:chExt cx="0" cy="0"/>
-        </a:xfrm>
-      </p:grpSpPr>
-      <p:sp>
-        <p:nvSpPr>
-          <p:cNvPr id="37" name="Shape 127">
-            <a:extLst>
-              <a:ext uri="{FF2B5EF4-FFF2-40B4-BE49-F238E27FC236}">
-                <a16:creationId xmlns:a16="http://schemas.microsoft.com/office/drawing/2014/main" id="{99CA618A-6B4F-8E4C-8AF3-72305AAD38A0}"/>
-              </a:ext>
-            </a:extLst>
-          </p:cNvPr>
-          <p:cNvSpPr/>
-          <p:nvPr/>
-        </p:nvSpPr>
-        <p:spPr>
-          <a:xfrm>
-            <a:off x="16130081" y="12505104"/>
-            <a:ext cx="7734553" cy="759822"/>
-          </a:xfrm>
-          <a:prstGeom prst="rect">
-            <a:avLst/>
-          </a:prstGeom>
-          <a:ln w="12700">
-            <a:miter lim="400000"/>
-          </a:ln>
-          <a:extLst>
-            <a:ext uri="{C572A759-6A51-4108-AA02-DFA0A04FC94B}">
-              <ma14:wrappingTextBoxFlag xmlns="" xmlns:ma14="http://schemas.microsoft.com/office/mac/drawingml/2011/main" val="1"/>
-            </a:ext>
-          </a:extLst>
-        </p:spPr>
-        <p:txBody>
-          <a:bodyPr wrap="none" lIns="71437" tIns="71437" rIns="71437" bIns="71437" anchor="ctr">
-            <a:spAutoFit/>
-          </a:bodyPr>
-          <a:lstStyle/>
-          <a:p>
-            <a:pPr algn="r">
-              <a:defRPr sz="2000" b="0">
-                <a:solidFill>
-                  <a:srgbClr val="919191"/>
-                </a:solidFill>
-                <a:latin typeface="Montserrat Medium"/>
-                <a:ea typeface="Montserrat Medium"/>
-                <a:cs typeface="Montserrat Medium"/>
-                <a:sym typeface="Montserrat Medium"/>
-              </a:defRPr>
-            </a:pPr>
-            <a:r>
-              <a:rPr dirty="0"/>
-              <a:t>Image Attribution:</a:t>
-            </a:r>
-            <a:r>
-              <a:rPr lang="en-AU" dirty="0"/>
-              <a:t> Jake Hills, https://</a:t>
-            </a:r>
-            <a:r>
-              <a:rPr lang="en-AU" dirty="0" err="1"/>
-              <a:t>unsplash.com</a:t>
-            </a:r>
-            <a:r>
-              <a:rPr lang="en-AU" dirty="0"/>
-              <a:t>/photos/</a:t>
-            </a:r>
-          </a:p>
-          <a:p>
-            <a:pPr algn="r">
-              <a:defRPr sz="2000" b="0">
-                <a:solidFill>
-                  <a:srgbClr val="919191"/>
-                </a:solidFill>
-                <a:latin typeface="Montserrat Medium"/>
-                <a:ea typeface="Montserrat Medium"/>
-                <a:cs typeface="Montserrat Medium"/>
-                <a:sym typeface="Montserrat Medium"/>
-              </a:defRPr>
-            </a:pPr>
-            <a:r>
-              <a:rPr lang="en-AU" dirty="0"/>
-              <a:t>bt-Sc22W-BE</a:t>
-            </a:r>
-          </a:p>
-        </p:txBody>
-      </p:sp>
-      <p:pic>
-        <p:nvPicPr>
-          <p:cNvPr id="38" name="Picture 37" descr="A close - up of a machine&#10;&#10;Description automatically generated with low confidence">
-            <a:extLst>
-              <a:ext uri="{FF2B5EF4-FFF2-40B4-BE49-F238E27FC236}">
-                <a16:creationId xmlns:a16="http://schemas.microsoft.com/office/drawing/2014/main" id="{26E62A6E-18B0-8E49-B9EB-1F0225F9F340}"/>
-              </a:ext>
-            </a:extLst>
-          </p:cNvPr>
-          <p:cNvPicPr>
-            <a:picLocks noChangeAspect="1"/>
-          </p:cNvPicPr>
-          <p:nvPr/>
-        </p:nvPicPr>
-        <p:blipFill rotWithShape="1">
-          <a:blip r:embed="rId2">
-            <a:extLst>
-              <a:ext uri="{28A0092B-C50C-407E-A947-70E740481C1C}">
-                <a14:useLocalDpi xmlns:a14="http://schemas.microsoft.com/office/drawing/2010/main" val="0"/>
-              </a:ext>
-            </a:extLst>
-          </a:blip>
-          <a:srcRect l="3311" t="33117" r="4102" b="21978"/>
-          <a:stretch/>
-        </p:blipFill>
-        <p:spPr>
-          <a:xfrm>
-            <a:off x="-22392" y="-26895"/>
-            <a:ext cx="19428626" cy="5944405"/>
-          </a:xfrm>
-          <a:prstGeom prst="rect">
-            <a:avLst/>
-          </a:prstGeom>
-        </p:spPr>
-      </p:pic>
-      <p:sp>
-        <p:nvSpPr>
-          <p:cNvPr id="36" name="Shape 144">
-            <a:extLst>
-              <a:ext uri="{FF2B5EF4-FFF2-40B4-BE49-F238E27FC236}">
-                <a16:creationId xmlns:a16="http://schemas.microsoft.com/office/drawing/2014/main" id="{CD1E192E-5FE6-3E49-8AA2-BBE7F7DBFBD4}"/>
-              </a:ext>
-            </a:extLst>
-          </p:cNvPr>
-          <p:cNvSpPr/>
-          <p:nvPr/>
-        </p:nvSpPr>
-        <p:spPr>
-          <a:xfrm rot="5400000">
-            <a:off x="12360992" y="3581052"/>
-            <a:ext cx="2321715" cy="1271394"/>
-          </a:xfrm>
-          <a:custGeom>
-            <a:avLst/>
-            <a:gdLst/>
-            <a:ahLst/>
-            <a:cxnLst>
-              <a:cxn ang="0">
-                <a:pos x="wd2" y="hd2"/>
-              </a:cxn>
-              <a:cxn ang="5400000">
-                <a:pos x="wd2" y="hd2"/>
-              </a:cxn>
-              <a:cxn ang="10800000">
-                <a:pos x="wd2" y="hd2"/>
-              </a:cxn>
-              <a:cxn ang="16200000">
-                <a:pos x="wd2" y="hd2"/>
-              </a:cxn>
-            </a:cxnLst>
-            <a:rect l="0" t="0" r="r" b="b"/>
-            <a:pathLst>
-              <a:path w="21600" h="21600" extrusionOk="0">
-                <a:moveTo>
-                  <a:pt x="0" y="0"/>
-                </a:moveTo>
-                <a:lnTo>
-                  <a:pt x="0" y="21600"/>
-                </a:lnTo>
-                <a:lnTo>
-                  <a:pt x="21600" y="21600"/>
-                </a:lnTo>
-                <a:close/>
-              </a:path>
-            </a:pathLst>
-          </a:custGeom>
-          <a:solidFill>
-            <a:srgbClr val="EE5150"/>
-          </a:solidFill>
-          <a:ln w="12700">
-            <a:miter lim="400000"/>
-          </a:ln>
-        </p:spPr>
-        <p:txBody>
-          <a:bodyPr lIns="71437" tIns="71437" rIns="71437" bIns="71437" anchor="ctr"/>
-          <a:lstStyle/>
-          <a:p>
-            <a:pPr>
-              <a:defRPr sz="3000" b="0">
-                <a:solidFill>
-                  <a:srgbClr val="FFFFFF"/>
-                </a:solidFill>
-                <a:latin typeface="+mn-lt"/>
-                <a:ea typeface="+mn-ea"/>
-                <a:cs typeface="+mn-cs"/>
-                <a:sym typeface="Helvetica Neue Medium"/>
-              </a:defRPr>
-            </a:pPr>
-            <a:endParaRPr/>
-          </a:p>
-        </p:txBody>
-      </p:sp>
-      <p:sp>
-        <p:nvSpPr>
-          <p:cNvPr id="160" name="Shape 160"/>
-          <p:cNvSpPr/>
-          <p:nvPr/>
-        </p:nvSpPr>
-        <p:spPr>
-          <a:xfrm>
-            <a:off x="206152" y="10291399"/>
-            <a:ext cx="3582665" cy="638176"/>
-          </a:xfrm>
-          <a:prstGeom prst="rect">
-            <a:avLst/>
-          </a:prstGeom>
-          <a:ln w="12700">
-            <a:miter lim="400000"/>
-          </a:ln>
-          <a:extLst>
-            <a:ext uri="{C572A759-6A51-4108-AA02-DFA0A04FC94B}">
-              <ma14:wrappingTextBoxFlag xmlns="" xmlns:ma14="http://schemas.microsoft.com/office/mac/drawingml/2011/main" val="1"/>
-            </a:ext>
-          </a:extLst>
-        </p:spPr>
-        <p:txBody>
-          <a:bodyPr lIns="71437" tIns="71437" rIns="71437" bIns="71437">
-            <a:spAutoFit/>
-          </a:bodyPr>
-          <a:lstStyle>
-            <a:lvl1pPr>
-              <a:defRPr b="0">
-                <a:solidFill>
-                  <a:srgbClr val="FF2830"/>
-                </a:solidFill>
-                <a:latin typeface="Montserrat Medium"/>
-                <a:ea typeface="Montserrat Medium"/>
-                <a:cs typeface="Montserrat Medium"/>
-                <a:sym typeface="Montserrat Medium"/>
-              </a:defRPr>
-            </a:lvl1pPr>
-          </a:lstStyle>
-          <a:p>
-            <a:r>
-              <a:rPr dirty="0"/>
-              <a:t>[</a:t>
-            </a:r>
-            <a:r>
-              <a:rPr lang="en-AU" dirty="0"/>
-              <a:t>10 mins</a:t>
-            </a:r>
-            <a:r>
-              <a:rPr dirty="0"/>
-              <a:t>] </a:t>
-            </a:r>
-          </a:p>
-        </p:txBody>
-      </p:sp>
-      <p:sp>
-        <p:nvSpPr>
-          <p:cNvPr id="162" name="Shape 162"/>
-          <p:cNvSpPr/>
-          <p:nvPr/>
-        </p:nvSpPr>
-        <p:spPr>
-          <a:xfrm>
-            <a:off x="19432526" y="10987347"/>
-            <a:ext cx="3687764" cy="2235201"/>
-          </a:xfrm>
-          <a:custGeom>
-            <a:avLst/>
-            <a:gdLst/>
-            <a:ahLst/>
-            <a:cxnLst>
-              <a:cxn ang="0">
-                <a:pos x="wd2" y="hd2"/>
-              </a:cxn>
-              <a:cxn ang="5400000">
-                <a:pos x="wd2" y="hd2"/>
-              </a:cxn>
-              <a:cxn ang="10800000">
-                <a:pos x="wd2" y="hd2"/>
-              </a:cxn>
-              <a:cxn ang="16200000">
-                <a:pos x="wd2" y="hd2"/>
-              </a:cxn>
-            </a:cxnLst>
-            <a:rect l="0" t="0" r="r" b="b"/>
-            <a:pathLst>
-              <a:path w="21600" h="21600" extrusionOk="0">
-                <a:moveTo>
-                  <a:pt x="10902" y="0"/>
-                </a:moveTo>
-                <a:lnTo>
-                  <a:pt x="8659" y="4150"/>
-                </a:lnTo>
-                <a:lnTo>
-                  <a:pt x="1492" y="4150"/>
-                </a:lnTo>
-                <a:cubicBezTo>
-                  <a:pt x="668" y="4150"/>
-                  <a:pt x="0" y="5252"/>
-                  <a:pt x="0" y="6612"/>
-                </a:cubicBezTo>
-                <a:lnTo>
-                  <a:pt x="0" y="19138"/>
-                </a:lnTo>
-                <a:cubicBezTo>
-                  <a:pt x="0" y="20498"/>
-                  <a:pt x="668" y="21600"/>
-                  <a:pt x="1492" y="21600"/>
-                </a:cubicBezTo>
-                <a:lnTo>
-                  <a:pt x="20108" y="21600"/>
-                </a:lnTo>
-                <a:cubicBezTo>
-                  <a:pt x="20932" y="21600"/>
-                  <a:pt x="21600" y="20498"/>
-                  <a:pt x="21600" y="19138"/>
-                </a:cubicBezTo>
-                <a:lnTo>
-                  <a:pt x="21600" y="6612"/>
-                </a:lnTo>
-                <a:cubicBezTo>
-                  <a:pt x="21600" y="5252"/>
-                  <a:pt x="20932" y="4150"/>
-                  <a:pt x="20108" y="4150"/>
-                </a:cubicBezTo>
-                <a:lnTo>
-                  <a:pt x="13143" y="4150"/>
-                </a:lnTo>
-                <a:lnTo>
-                  <a:pt x="10902" y="0"/>
-                </a:lnTo>
-                <a:close/>
-              </a:path>
-            </a:pathLst>
-          </a:custGeom>
-          <a:solidFill>
-            <a:srgbClr val="EE5150"/>
-          </a:solidFill>
-          <a:ln w="12700">
-            <a:miter lim="400000"/>
-          </a:ln>
-          <a:extLst>
-            <a:ext uri="{C572A759-6A51-4108-AA02-DFA0A04FC94B}">
-              <ma14:wrappingTextBoxFlag xmlns="" xmlns:ma14="http://schemas.microsoft.com/office/mac/drawingml/2011/main" val="1"/>
-            </a:ext>
-          </a:extLst>
-        </p:spPr>
-        <p:txBody>
-          <a:bodyPr lIns="71437" tIns="71437" rIns="71437" bIns="71437" anchor="ctr"/>
-          <a:lstStyle>
-            <a:lvl1pPr>
-              <a:defRPr sz="3000" b="0">
-                <a:solidFill>
-                  <a:srgbClr val="FFFFFF"/>
-                </a:solidFill>
-                <a:latin typeface="Montserrat Medium"/>
-                <a:ea typeface="Montserrat Medium"/>
-                <a:cs typeface="Montserrat Medium"/>
-                <a:sym typeface="Montserrat Medium"/>
-              </a:defRPr>
-            </a:lvl1pPr>
-          </a:lstStyle>
-          <a:p>
-            <a:r>
-              <a:t>Lorum ipsum dolor sit amet</a:t>
-            </a:r>
-          </a:p>
-        </p:txBody>
-      </p:sp>
-      <p:grpSp>
-        <p:nvGrpSpPr>
-          <p:cNvPr id="2" name="Group 1">
-            <a:extLst>
-              <a:ext uri="{FF2B5EF4-FFF2-40B4-BE49-F238E27FC236}">
-                <a16:creationId xmlns:a16="http://schemas.microsoft.com/office/drawing/2014/main" id="{27304E72-85EE-1B4A-9675-032DACEA0D51}"/>
-              </a:ext>
-            </a:extLst>
-          </p:cNvPr>
-          <p:cNvGrpSpPr/>
-          <p:nvPr/>
-        </p:nvGrpSpPr>
-        <p:grpSpPr>
-          <a:xfrm>
-            <a:off x="-110395" y="-1039931"/>
-            <a:ext cx="24844535" cy="11273559"/>
-            <a:chOff x="-110395" y="-1039931"/>
-            <a:chExt cx="24844535" cy="11273559"/>
-          </a:xfrm>
-        </p:grpSpPr>
-        <p:sp>
-          <p:nvSpPr>
-            <p:cNvPr id="139" name="Shape 139"/>
-            <p:cNvSpPr/>
-            <p:nvPr/>
-          </p:nvSpPr>
-          <p:spPr>
-            <a:xfrm rot="16200000">
-              <a:off x="14734463" y="1317089"/>
-              <a:ext cx="6120259" cy="3360399"/>
-            </a:xfrm>
-            <a:custGeom>
-              <a:avLst/>
-              <a:gdLst/>
-              <a:ahLst/>
-              <a:cxnLst>
-                <a:cxn ang="0">
-                  <a:pos x="wd2" y="hd2"/>
-                </a:cxn>
-                <a:cxn ang="5400000">
-                  <a:pos x="wd2" y="hd2"/>
-                </a:cxn>
-                <a:cxn ang="10800000">
-                  <a:pos x="wd2" y="hd2"/>
-                </a:cxn>
-                <a:cxn ang="16200000">
-                  <a:pos x="wd2" y="hd2"/>
-                </a:cxn>
-              </a:cxnLst>
-              <a:rect l="0" t="0" r="r" b="b"/>
-              <a:pathLst>
-                <a:path w="21600" h="21600" extrusionOk="0">
-                  <a:moveTo>
-                    <a:pt x="0" y="0"/>
-                  </a:moveTo>
-                  <a:lnTo>
-                    <a:pt x="0" y="21600"/>
-                  </a:lnTo>
-                  <a:lnTo>
-                    <a:pt x="21600" y="21600"/>
-                  </a:lnTo>
-                  <a:close/>
-                </a:path>
-              </a:pathLst>
-            </a:custGeom>
-            <a:solidFill>
-              <a:srgbClr val="FFFFFF"/>
-            </a:solidFill>
-            <a:ln w="12700">
-              <a:miter lim="400000"/>
-            </a:ln>
-          </p:spPr>
-          <p:txBody>
-            <a:bodyPr lIns="71437" tIns="71437" rIns="71437" bIns="71437" anchor="ctr"/>
-            <a:lstStyle/>
-            <a:p>
-              <a:pPr>
-                <a:defRPr sz="3000" b="0">
-                  <a:solidFill>
-                    <a:srgbClr val="FFFFFF"/>
-                  </a:solidFill>
-                  <a:latin typeface="+mn-lt"/>
-                  <a:ea typeface="+mn-ea"/>
-                  <a:cs typeface="+mn-cs"/>
-                  <a:sym typeface="Helvetica Neue Medium"/>
-                </a:defRPr>
-              </a:pPr>
-              <a:endParaRPr/>
-            </a:p>
-          </p:txBody>
-        </p:sp>
-        <p:sp>
-          <p:nvSpPr>
-            <p:cNvPr id="140" name="Shape 140"/>
-            <p:cNvSpPr/>
-            <p:nvPr/>
-          </p:nvSpPr>
-          <p:spPr>
-            <a:xfrm rot="16200000">
-              <a:off x="17562253" y="615600"/>
-              <a:ext cx="3063687" cy="1682153"/>
-            </a:xfrm>
-            <a:custGeom>
-              <a:avLst/>
-              <a:gdLst/>
-              <a:ahLst/>
-              <a:cxnLst>
-                <a:cxn ang="0">
-                  <a:pos x="wd2" y="hd2"/>
-                </a:cxn>
-                <a:cxn ang="5400000">
-                  <a:pos x="wd2" y="hd2"/>
-                </a:cxn>
-                <a:cxn ang="10800000">
-                  <a:pos x="wd2" y="hd2"/>
-                </a:cxn>
-                <a:cxn ang="16200000">
-                  <a:pos x="wd2" y="hd2"/>
-                </a:cxn>
-              </a:cxnLst>
-              <a:rect l="0" t="0" r="r" b="b"/>
-              <a:pathLst>
-                <a:path w="21600" h="21600" extrusionOk="0">
-                  <a:moveTo>
-                    <a:pt x="0" y="0"/>
-                  </a:moveTo>
-                  <a:lnTo>
-                    <a:pt x="0" y="21600"/>
-                  </a:lnTo>
-                  <a:lnTo>
-                    <a:pt x="21600" y="21600"/>
-                  </a:lnTo>
-                  <a:close/>
-                </a:path>
-              </a:pathLst>
-            </a:custGeom>
-            <a:solidFill>
-              <a:srgbClr val="EE5150"/>
-            </a:solidFill>
-            <a:ln w="12700">
-              <a:miter lim="400000"/>
-            </a:ln>
-          </p:spPr>
-          <p:txBody>
-            <a:bodyPr lIns="71437" tIns="71437" rIns="71437" bIns="71437" anchor="ctr"/>
-            <a:lstStyle/>
-            <a:p>
-              <a:pPr>
-                <a:defRPr sz="3000" b="0">
-                  <a:solidFill>
-                    <a:srgbClr val="FFFFFF"/>
-                  </a:solidFill>
-                  <a:latin typeface="+mn-lt"/>
-                  <a:ea typeface="+mn-ea"/>
-                  <a:cs typeface="+mn-cs"/>
-                  <a:sym typeface="Helvetica Neue Medium"/>
-                </a:defRPr>
-              </a:pPr>
-              <a:endParaRPr/>
-            </a:p>
-          </p:txBody>
-        </p:sp>
-        <p:sp>
-          <p:nvSpPr>
-            <p:cNvPr id="141" name="Shape 141"/>
-            <p:cNvSpPr/>
-            <p:nvPr/>
-          </p:nvSpPr>
-          <p:spPr>
-            <a:xfrm>
-              <a:off x="19899076" y="-60452"/>
-              <a:ext cx="4496226" cy="3047293"/>
-            </a:xfrm>
-            <a:prstGeom prst="rect">
-              <a:avLst/>
-            </a:prstGeom>
-            <a:solidFill>
-              <a:srgbClr val="EE5150"/>
-            </a:solidFill>
-            <a:ln w="12700">
-              <a:miter lim="400000"/>
-            </a:ln>
-          </p:spPr>
-          <p:txBody>
-            <a:bodyPr lIns="71437" tIns="71437" rIns="71437" bIns="71437" anchor="ctr"/>
-            <a:lstStyle/>
-            <a:p>
-              <a:pPr>
-                <a:defRPr sz="3000" b="0">
-                  <a:solidFill>
-                    <a:srgbClr val="FFFFFF"/>
-                  </a:solidFill>
-                  <a:latin typeface="+mn-lt"/>
-                  <a:ea typeface="+mn-ea"/>
-                  <a:cs typeface="+mn-cs"/>
-                  <a:sym typeface="Helvetica Neue Medium"/>
-                </a:defRPr>
-              </a:pPr>
-              <a:endParaRPr/>
-            </a:p>
-          </p:txBody>
-        </p:sp>
-        <p:sp>
-          <p:nvSpPr>
-            <p:cNvPr id="142" name="Shape 142"/>
-            <p:cNvSpPr/>
-            <p:nvPr/>
-          </p:nvSpPr>
-          <p:spPr>
-            <a:xfrm>
-              <a:off x="18613692" y="-539579"/>
-              <a:ext cx="6120448" cy="2607060"/>
-            </a:xfrm>
-            <a:prstGeom prst="rect">
-              <a:avLst/>
-            </a:prstGeom>
-            <a:ln w="12700">
-              <a:miter lim="400000"/>
-            </a:ln>
-            <a:extLst>
-              <a:ext uri="{C572A759-6A51-4108-AA02-DFA0A04FC94B}">
-                <ma14:wrappingTextBoxFlag xmlns="" xmlns:ma14="http://schemas.microsoft.com/office/mac/drawingml/2011/main" val="1"/>
-              </a:ext>
-            </a:extLst>
-          </p:spPr>
-          <p:txBody>
-            <a:bodyPr wrap="square" lIns="0" tIns="0" rIns="0" bIns="0" anchor="ctr">
-              <a:spAutoFit/>
-            </a:bodyPr>
-            <a:lstStyle/>
-            <a:p>
-              <a:pPr lvl="3" algn="l" defTabSz="642937">
-                <a:lnSpc>
-                  <a:spcPts val="24800"/>
-                </a:lnSpc>
-                <a:defRPr sz="7000" b="0" spc="-140">
-                  <a:solidFill>
-                    <a:srgbClr val="FFFFFF"/>
-                  </a:solidFill>
-                  <a:latin typeface="Montserrat Bold"/>
-                  <a:ea typeface="Montserrat Bold"/>
-                  <a:cs typeface="Montserrat Bold"/>
-                  <a:sym typeface="Montserrat Bold"/>
-                </a:defRPr>
-              </a:pPr>
-              <a:r>
-                <a:rPr lang="en-AU" dirty="0"/>
-                <a:t>  </a:t>
-              </a:r>
-              <a:r>
-                <a:rPr dirty="0"/>
-                <a:t>PAGE </a:t>
-              </a:r>
-              <a:r>
-                <a:rPr lang="en-AU" dirty="0"/>
-                <a:t>104</a:t>
-              </a:r>
-              <a:endParaRPr dirty="0"/>
-            </a:p>
-          </p:txBody>
-        </p:sp>
-        <p:sp>
-          <p:nvSpPr>
-            <p:cNvPr id="143" name="Shape 143"/>
-            <p:cNvSpPr/>
-            <p:nvPr/>
-          </p:nvSpPr>
-          <p:spPr>
-            <a:xfrm>
-              <a:off x="-110395" y="609796"/>
-              <a:ext cx="12005529" cy="2321715"/>
-            </a:xfrm>
-            <a:prstGeom prst="rect">
-              <a:avLst/>
-            </a:prstGeom>
-            <a:solidFill>
-              <a:srgbClr val="EE5150"/>
-            </a:solidFill>
-            <a:ln w="12700">
-              <a:miter lim="400000"/>
-            </a:ln>
-          </p:spPr>
-          <p:txBody>
-            <a:bodyPr lIns="0" tIns="0" rIns="0" bIns="0" anchor="ctr"/>
-            <a:lstStyle/>
-            <a:p>
-              <a:pPr lvl="3" algn="l" defTabSz="642937">
-                <a:lnSpc>
-                  <a:spcPts val="27900"/>
-                </a:lnSpc>
-                <a:defRPr sz="9600">
-                  <a:solidFill>
-                    <a:srgbClr val="FFFFFF"/>
-                  </a:solidFill>
-                  <a:latin typeface="Tw Cen MT"/>
-                  <a:ea typeface="Tw Cen MT"/>
-                  <a:cs typeface="Tw Cen MT"/>
-                  <a:sym typeface="Tw Cen MT"/>
-                </a:defRPr>
-              </a:pPr>
-              <a:endParaRPr/>
-            </a:p>
-          </p:txBody>
-        </p:sp>
-        <p:sp>
-          <p:nvSpPr>
-            <p:cNvPr id="144" name="Shape 144"/>
-            <p:cNvSpPr/>
-            <p:nvPr/>
-          </p:nvSpPr>
-          <p:spPr>
-            <a:xfrm rot="5400000">
-              <a:off x="11368800" y="1134957"/>
-              <a:ext cx="2321715" cy="1271394"/>
-            </a:xfrm>
-            <a:custGeom>
-              <a:avLst/>
-              <a:gdLst/>
-              <a:ahLst/>
-              <a:cxnLst>
-                <a:cxn ang="0">
-                  <a:pos x="wd2" y="hd2"/>
-                </a:cxn>
-                <a:cxn ang="5400000">
-                  <a:pos x="wd2" y="hd2"/>
-                </a:cxn>
-                <a:cxn ang="10800000">
-                  <a:pos x="wd2" y="hd2"/>
-                </a:cxn>
-                <a:cxn ang="16200000">
-                  <a:pos x="wd2" y="hd2"/>
-                </a:cxn>
-              </a:cxnLst>
-              <a:rect l="0" t="0" r="r" b="b"/>
-              <a:pathLst>
-                <a:path w="21600" h="21600" extrusionOk="0">
-                  <a:moveTo>
-                    <a:pt x="0" y="0"/>
-                  </a:moveTo>
-                  <a:lnTo>
-                    <a:pt x="0" y="21600"/>
-                  </a:lnTo>
-                  <a:lnTo>
-                    <a:pt x="21600" y="21600"/>
-                  </a:lnTo>
-                  <a:close/>
-                </a:path>
-              </a:pathLst>
-            </a:custGeom>
-            <a:solidFill>
-              <a:srgbClr val="EE5150"/>
-            </a:solidFill>
-            <a:ln w="12700">
-              <a:miter lim="400000"/>
-            </a:ln>
-          </p:spPr>
-          <p:txBody>
-            <a:bodyPr lIns="71437" tIns="71437" rIns="71437" bIns="71437" anchor="ctr"/>
-            <a:lstStyle/>
-            <a:p>
-              <a:pPr>
-                <a:defRPr sz="3000" b="0">
-                  <a:solidFill>
-                    <a:srgbClr val="FFFFFF"/>
-                  </a:solidFill>
-                  <a:latin typeface="+mn-lt"/>
-                  <a:ea typeface="+mn-ea"/>
-                  <a:cs typeface="+mn-cs"/>
-                  <a:sym typeface="Helvetica Neue Medium"/>
-                </a:defRPr>
-              </a:pPr>
-              <a:endParaRPr/>
-            </a:p>
-          </p:txBody>
-        </p:sp>
-        <p:sp>
-          <p:nvSpPr>
-            <p:cNvPr id="145" name="Shape 145"/>
-            <p:cNvSpPr/>
-            <p:nvPr/>
-          </p:nvSpPr>
-          <p:spPr>
-            <a:xfrm>
-              <a:off x="385152" y="-1039931"/>
-              <a:ext cx="9610201" cy="3931013"/>
-            </a:xfrm>
-            <a:prstGeom prst="rect">
-              <a:avLst/>
-            </a:prstGeom>
-            <a:ln w="12700">
-              <a:miter lim="400000"/>
-            </a:ln>
-            <a:extLst>
-              <a:ext uri="{C572A759-6A51-4108-AA02-DFA0A04FC94B}">
-                <ma14:wrappingTextBoxFlag xmlns="" xmlns:ma14="http://schemas.microsoft.com/office/mac/drawingml/2011/main" val="1"/>
-              </a:ext>
-            </a:extLst>
-          </p:spPr>
-          <p:txBody>
-            <a:bodyPr lIns="0" tIns="0" rIns="0" bIns="0" anchor="ctr">
-              <a:spAutoFit/>
-            </a:bodyPr>
-            <a:lstStyle/>
-            <a:p>
-              <a:pPr lvl="3" algn="l" defTabSz="642937">
-                <a:lnSpc>
-                  <a:spcPts val="35600"/>
-                </a:lnSpc>
-                <a:defRPr sz="15000" b="0" spc="-300">
-                  <a:solidFill>
-                    <a:srgbClr val="FFFFFF"/>
-                  </a:solidFill>
-                  <a:latin typeface="Montserrat Bold"/>
-                  <a:ea typeface="Montserrat Bold"/>
-                  <a:cs typeface="Montserrat Bold"/>
-                  <a:sym typeface="Montserrat Bold"/>
-                </a:defRPr>
-              </a:pPr>
-              <a:r>
-                <a:rPr lang="en-AU" sz="16000" spc="-319" dirty="0"/>
-                <a:t>STEP</a:t>
-              </a:r>
-              <a:endParaRPr sz="16000" spc="-319" dirty="0"/>
-            </a:p>
-          </p:txBody>
-        </p:sp>
-        <p:sp>
-          <p:nvSpPr>
-            <p:cNvPr id="146" name="Shape 146"/>
-            <p:cNvSpPr/>
-            <p:nvPr/>
-          </p:nvSpPr>
-          <p:spPr>
-            <a:xfrm>
-              <a:off x="1334644" y="6636377"/>
-              <a:ext cx="21354888" cy="1621597"/>
-            </a:xfrm>
-            <a:prstGeom prst="rect">
-              <a:avLst/>
-            </a:prstGeom>
-            <a:ln w="12700">
-              <a:miter lim="400000"/>
-            </a:ln>
-            <a:extLst>
-              <a:ext uri="{C572A759-6A51-4108-AA02-DFA0A04FC94B}">
-                <ma14:wrappingTextBoxFlag xmlns="" xmlns:ma14="http://schemas.microsoft.com/office/mac/drawingml/2011/main" val="1"/>
-              </a:ext>
-            </a:extLst>
-          </p:spPr>
-          <p:txBody>
-            <a:bodyPr lIns="71437" tIns="71437" rIns="71437" bIns="71437">
-              <a:spAutoFit/>
-            </a:bodyPr>
-            <a:lstStyle>
-              <a:lvl1pPr algn="l">
-                <a:defRPr b="0">
-                  <a:latin typeface="Montserrat Medium"/>
-                  <a:ea typeface="Montserrat Medium"/>
-                  <a:cs typeface="Montserrat Medium"/>
-                  <a:sym typeface="Montserrat Medium"/>
-                </a:defRPr>
-              </a:lvl1pPr>
-            </a:lstStyle>
-            <a:p>
-              <a:r>
-                <a:rPr lang="en-AU" dirty="0"/>
-                <a:t>In this exercise, you will populate a set of STEP cards representing the forces relevant to your chosen context, using the template on the companion website. Focus on your own design problem, or follow the ‘Supermarket of the Future’ design brief (p.196). See p.199 for an example of a set of STEP Cards.</a:t>
-              </a:r>
-              <a:endParaRPr dirty="0"/>
-            </a:p>
-          </p:txBody>
-        </p:sp>
-        <p:sp>
-          <p:nvSpPr>
-            <p:cNvPr id="147" name="Shape 147"/>
-            <p:cNvSpPr/>
-            <p:nvPr/>
-          </p:nvSpPr>
-          <p:spPr>
-            <a:xfrm rot="16200000">
-              <a:off x="16480800" y="3733069"/>
-              <a:ext cx="2107691" cy="1157253"/>
-            </a:xfrm>
-            <a:custGeom>
-              <a:avLst/>
-              <a:gdLst/>
-              <a:ahLst/>
-              <a:cxnLst>
-                <a:cxn ang="0">
-                  <a:pos x="wd2" y="hd2"/>
-                </a:cxn>
-                <a:cxn ang="5400000">
-                  <a:pos x="wd2" y="hd2"/>
-                </a:cxn>
-                <a:cxn ang="10800000">
-                  <a:pos x="wd2" y="hd2"/>
-                </a:cxn>
-                <a:cxn ang="16200000">
-                  <a:pos x="wd2" y="hd2"/>
-                </a:cxn>
-              </a:cxnLst>
-              <a:rect l="0" t="0" r="r" b="b"/>
-              <a:pathLst>
-                <a:path w="21600" h="21600" extrusionOk="0">
-                  <a:moveTo>
-                    <a:pt x="0" y="0"/>
-                  </a:moveTo>
-                  <a:lnTo>
-                    <a:pt x="0" y="21600"/>
-                  </a:lnTo>
-                  <a:lnTo>
-                    <a:pt x="21600" y="21600"/>
-                  </a:lnTo>
-                  <a:close/>
-                </a:path>
-              </a:pathLst>
-            </a:custGeom>
-            <a:solidFill>
-              <a:srgbClr val="212121"/>
-            </a:solidFill>
-            <a:ln w="12700">
-              <a:miter lim="400000"/>
-            </a:ln>
-          </p:spPr>
-          <p:txBody>
-            <a:bodyPr lIns="71437" tIns="71437" rIns="71437" bIns="71437" anchor="ctr"/>
-            <a:lstStyle/>
-            <a:p>
-              <a:pPr>
-                <a:defRPr sz="3000" b="0">
-                  <a:solidFill>
-                    <a:srgbClr val="FFFFFF"/>
-                  </a:solidFill>
-                  <a:latin typeface="+mn-lt"/>
-                  <a:ea typeface="+mn-ea"/>
-                  <a:cs typeface="+mn-cs"/>
-                  <a:sym typeface="Helvetica Neue Medium"/>
-                </a:defRPr>
-              </a:pPr>
-              <a:endParaRPr/>
-            </a:p>
-          </p:txBody>
-        </p:sp>
-        <p:sp>
-          <p:nvSpPr>
-            <p:cNvPr id="148" name="Shape 148"/>
-            <p:cNvSpPr/>
-            <p:nvPr/>
-          </p:nvSpPr>
-          <p:spPr>
-            <a:xfrm>
-              <a:off x="18112142" y="3266047"/>
-              <a:ext cx="6328532" cy="2107692"/>
-            </a:xfrm>
-            <a:prstGeom prst="rect">
-              <a:avLst/>
-            </a:prstGeom>
-            <a:solidFill>
-              <a:srgbClr val="212121"/>
-            </a:solidFill>
-            <a:ln w="12700">
-              <a:miter lim="400000"/>
-            </a:ln>
-          </p:spPr>
-          <p:txBody>
-            <a:bodyPr lIns="71437" tIns="71437" rIns="71437" bIns="71437" anchor="ctr"/>
-            <a:lstStyle/>
-            <a:p>
-              <a:pPr marR="254000" algn="r">
-                <a:defRPr sz="3000" b="0">
-                  <a:solidFill>
-                    <a:srgbClr val="FFFFFF"/>
-                  </a:solidFill>
-                  <a:latin typeface="Montserrat Bold"/>
-                  <a:ea typeface="Montserrat Bold"/>
-                  <a:cs typeface="Montserrat Bold"/>
-                  <a:sym typeface="Montserrat Bold"/>
-                </a:defRPr>
-              </a:pPr>
-              <a:endParaRPr/>
-            </a:p>
-          </p:txBody>
-        </p:sp>
-        <p:sp>
-          <p:nvSpPr>
-            <p:cNvPr id="149" name="Shape 149"/>
-            <p:cNvSpPr/>
-            <p:nvPr/>
-          </p:nvSpPr>
-          <p:spPr>
-            <a:xfrm>
-              <a:off x="19398447" y="3551163"/>
-              <a:ext cx="4823435" cy="1529264"/>
-            </a:xfrm>
-            <a:prstGeom prst="rect">
-              <a:avLst/>
-            </a:prstGeom>
-            <a:ln w="12700">
-              <a:miter lim="400000"/>
-            </a:ln>
-            <a:extLst>
-              <a:ext uri="{C572A759-6A51-4108-AA02-DFA0A04FC94B}">
-                <ma14:wrappingTextBoxFlag xmlns="" xmlns:ma14="http://schemas.microsoft.com/office/mac/drawingml/2011/main" val="1"/>
-              </a:ext>
-            </a:extLst>
-          </p:spPr>
-          <p:txBody>
-            <a:bodyPr wrap="none" lIns="71437" tIns="71437" rIns="71437" bIns="71437" anchor="ctr">
-              <a:spAutoFit/>
-            </a:bodyPr>
-            <a:lstStyle/>
-            <a:p>
-              <a:pPr marR="254000" algn="r">
-                <a:defRPr sz="3000" b="0">
-                  <a:solidFill>
-                    <a:srgbClr val="FFFFFF"/>
-                  </a:solidFill>
-                  <a:latin typeface="Montserrat Bold"/>
-                  <a:ea typeface="Montserrat Bold"/>
-                  <a:cs typeface="Montserrat Bold"/>
-                  <a:sym typeface="Montserrat Bold"/>
-                </a:defRPr>
-              </a:pPr>
-              <a:r>
-                <a:rPr lang="en-AU" sz="3000" dirty="0"/>
-                <a:t>YOU WILL NEED</a:t>
-              </a:r>
-            </a:p>
-            <a:p>
-              <a:pPr marR="254000" algn="r">
-                <a:defRPr sz="3000" b="0">
-                  <a:solidFill>
-                    <a:srgbClr val="FFFFFF"/>
-                  </a:solidFill>
-                  <a:latin typeface="Montserrat Bold"/>
-                  <a:ea typeface="Montserrat Bold"/>
-                  <a:cs typeface="Montserrat Bold"/>
-                  <a:sym typeface="Montserrat Bold"/>
-                </a:defRPr>
-              </a:pPr>
-              <a:r>
-                <a:rPr lang="en-AU" sz="3000" dirty="0"/>
-                <a:t>Pen, paper, a range of</a:t>
-              </a:r>
-            </a:p>
-            <a:p>
-              <a:pPr marR="254000" algn="r">
-                <a:defRPr sz="3000" b="0">
-                  <a:solidFill>
-                    <a:srgbClr val="FFFFFF"/>
-                  </a:solidFill>
-                  <a:latin typeface="Montserrat Bold"/>
-                  <a:ea typeface="Montserrat Bold"/>
-                  <a:cs typeface="Montserrat Bold"/>
-                  <a:sym typeface="Montserrat Bold"/>
-                </a:defRPr>
-              </a:pPr>
-              <a:r>
-                <a:rPr lang="en-AU" sz="3000" dirty="0"/>
-                <a:t>materials (optional)</a:t>
-              </a:r>
-              <a:endParaRPr sz="3000" dirty="0">
-                <a:latin typeface="Montserrat Medium"/>
-                <a:ea typeface="Montserrat Medium"/>
-                <a:cs typeface="Montserrat Medium"/>
-                <a:sym typeface="Montserrat Medium"/>
-              </a:endParaRPr>
-            </a:p>
-          </p:txBody>
-        </p:sp>
-        <p:sp>
-          <p:nvSpPr>
-            <p:cNvPr id="150" name="Shape 150"/>
-            <p:cNvSpPr/>
-            <p:nvPr/>
-          </p:nvSpPr>
-          <p:spPr>
-            <a:xfrm>
-              <a:off x="-100301" y="3057910"/>
-              <a:ext cx="12986454" cy="2321715"/>
-            </a:xfrm>
-            <a:prstGeom prst="rect">
-              <a:avLst/>
-            </a:prstGeom>
-            <a:solidFill>
-              <a:srgbClr val="EE5150"/>
-            </a:solidFill>
-            <a:ln w="12700">
-              <a:miter lim="400000"/>
-            </a:ln>
-          </p:spPr>
-          <p:txBody>
-            <a:bodyPr lIns="0" tIns="0" rIns="0" bIns="0" anchor="ctr"/>
-            <a:lstStyle/>
-            <a:p>
-              <a:pPr lvl="3" algn="l" defTabSz="642937">
-                <a:lnSpc>
-                  <a:spcPts val="27900"/>
-                </a:lnSpc>
-                <a:defRPr sz="9600">
-                  <a:solidFill>
-                    <a:srgbClr val="FFFFFF"/>
-                  </a:solidFill>
-                  <a:latin typeface="Tw Cen MT"/>
-                  <a:ea typeface="Tw Cen MT"/>
-                  <a:cs typeface="Tw Cen MT"/>
-                  <a:sym typeface="Tw Cen MT"/>
-                </a:defRPr>
-              </a:pPr>
-              <a:endParaRPr dirty="0"/>
-            </a:p>
-          </p:txBody>
-        </p:sp>
-        <p:sp>
-          <p:nvSpPr>
-            <p:cNvPr id="151" name="Shape 151"/>
-            <p:cNvSpPr/>
-            <p:nvPr/>
-          </p:nvSpPr>
-          <p:spPr>
-            <a:xfrm rot="5400000">
-              <a:off x="9976984" y="3583071"/>
-              <a:ext cx="2321716" cy="1271394"/>
-            </a:xfrm>
-            <a:custGeom>
-              <a:avLst/>
-              <a:gdLst/>
-              <a:ahLst/>
-              <a:cxnLst>
-                <a:cxn ang="0">
-                  <a:pos x="wd2" y="hd2"/>
-                </a:cxn>
-                <a:cxn ang="5400000">
-                  <a:pos x="wd2" y="hd2"/>
-                </a:cxn>
-                <a:cxn ang="10800000">
-                  <a:pos x="wd2" y="hd2"/>
-                </a:cxn>
-                <a:cxn ang="16200000">
-                  <a:pos x="wd2" y="hd2"/>
-                </a:cxn>
-              </a:cxnLst>
-              <a:rect l="0" t="0" r="r" b="b"/>
-              <a:pathLst>
-                <a:path w="21600" h="21600" extrusionOk="0">
-                  <a:moveTo>
-                    <a:pt x="0" y="0"/>
-                  </a:moveTo>
-                  <a:lnTo>
-                    <a:pt x="0" y="21600"/>
-                  </a:lnTo>
-                  <a:lnTo>
-                    <a:pt x="21600" y="21600"/>
-                  </a:lnTo>
-                  <a:close/>
-                </a:path>
-              </a:pathLst>
-            </a:custGeom>
-            <a:solidFill>
-              <a:srgbClr val="EE5150"/>
-            </a:solidFill>
-            <a:ln w="12700">
-              <a:miter lim="400000"/>
-            </a:ln>
-          </p:spPr>
-          <p:txBody>
-            <a:bodyPr lIns="71437" tIns="71437" rIns="71437" bIns="71437" anchor="ctr"/>
-            <a:lstStyle/>
-            <a:p>
-              <a:pPr>
-                <a:defRPr sz="3000" b="0">
-                  <a:solidFill>
-                    <a:srgbClr val="FFFFFF"/>
-                  </a:solidFill>
-                  <a:latin typeface="+mn-lt"/>
-                  <a:ea typeface="+mn-ea"/>
-                  <a:cs typeface="+mn-cs"/>
-                  <a:sym typeface="Helvetica Neue Medium"/>
-                </a:defRPr>
-              </a:pPr>
-              <a:endParaRPr/>
-            </a:p>
-          </p:txBody>
-        </p:sp>
-        <p:sp>
-          <p:nvSpPr>
-            <p:cNvPr id="153" name="Shape 153"/>
-            <p:cNvSpPr/>
-            <p:nvPr/>
-          </p:nvSpPr>
-          <p:spPr>
-            <a:xfrm>
-              <a:off x="2479707" y="9714356"/>
-              <a:ext cx="19139561" cy="1"/>
-            </a:xfrm>
-            <a:prstGeom prst="line">
-              <a:avLst/>
-            </a:prstGeom>
-            <a:ln w="88900">
-              <a:solidFill>
-                <a:srgbClr val="000000"/>
-              </a:solidFill>
-              <a:miter lim="400000"/>
-            </a:ln>
-          </p:spPr>
-          <p:txBody>
-            <a:bodyPr lIns="71437" tIns="71437" rIns="71437" bIns="71437" anchor="ctr"/>
-            <a:lstStyle/>
-            <a:p>
-              <a:pPr>
-                <a:defRPr sz="3000" b="0">
-                  <a:solidFill>
-                    <a:srgbClr val="FFFFFF"/>
-                  </a:solidFill>
-                  <a:latin typeface="+mn-lt"/>
-                  <a:ea typeface="+mn-ea"/>
-                  <a:cs typeface="+mn-cs"/>
-                  <a:sym typeface="Helvetica Neue Medium"/>
-                </a:defRPr>
-              </a:pPr>
-              <a:endParaRPr/>
-            </a:p>
-          </p:txBody>
-        </p:sp>
-        <p:sp>
-          <p:nvSpPr>
-            <p:cNvPr id="154" name="Shape 154"/>
-            <p:cNvSpPr/>
-            <p:nvPr/>
-          </p:nvSpPr>
-          <p:spPr>
-            <a:xfrm>
-              <a:off x="1478213" y="9195086"/>
-              <a:ext cx="1038542" cy="1038541"/>
-            </a:xfrm>
-            <a:prstGeom prst="ellipse">
-              <a:avLst/>
-            </a:prstGeom>
-            <a:solidFill>
-              <a:srgbClr val="C0C0C0"/>
-            </a:solidFill>
-            <a:ln w="12700">
-              <a:miter lim="400000"/>
-            </a:ln>
-            <a:extLst>
-              <a:ext uri="{C572A759-6A51-4108-AA02-DFA0A04FC94B}">
-                <ma14:wrappingTextBoxFlag xmlns="" xmlns:ma14="http://schemas.microsoft.com/office/mac/drawingml/2011/main" val="1"/>
-              </a:ext>
-            </a:extLst>
-          </p:spPr>
-          <p:txBody>
-            <a:bodyPr lIns="71437" tIns="71437" rIns="71437" bIns="71437" anchor="ctr"/>
-            <a:lstStyle>
-              <a:lvl1pPr>
-                <a:defRPr sz="4000" b="0">
-                  <a:solidFill>
-                    <a:srgbClr val="FFFFFF"/>
-                  </a:solidFill>
-                  <a:latin typeface="Montserrat Bold"/>
-                  <a:ea typeface="Montserrat Bold"/>
-                  <a:cs typeface="Montserrat Bold"/>
-                  <a:sym typeface="Montserrat Bold"/>
-                </a:defRPr>
-              </a:lvl1pPr>
-            </a:lstStyle>
-            <a:p>
-              <a:r>
-                <a:t>1</a:t>
-              </a:r>
-            </a:p>
-          </p:txBody>
-        </p:sp>
-        <p:sp>
-          <p:nvSpPr>
-            <p:cNvPr id="155" name="Shape 155"/>
-            <p:cNvSpPr/>
-            <p:nvPr/>
-          </p:nvSpPr>
-          <p:spPr>
-            <a:xfrm>
-              <a:off x="20794536" y="9195086"/>
-              <a:ext cx="1038542" cy="1038541"/>
-            </a:xfrm>
-            <a:prstGeom prst="ellipse">
-              <a:avLst/>
-            </a:prstGeom>
-            <a:solidFill>
-              <a:srgbClr val="DC5C56"/>
-            </a:solidFill>
-            <a:ln w="12700">
-              <a:miter lim="400000"/>
-            </a:ln>
-            <a:extLst>
-              <a:ext uri="{C572A759-6A51-4108-AA02-DFA0A04FC94B}">
-                <ma14:wrappingTextBoxFlag xmlns="" xmlns:ma14="http://schemas.microsoft.com/office/mac/drawingml/2011/main" val="1"/>
-              </a:ext>
-            </a:extLst>
-          </p:spPr>
-          <p:txBody>
-            <a:bodyPr lIns="71437" tIns="71437" rIns="71437" bIns="71437" anchor="ctr"/>
-            <a:lstStyle>
-              <a:lvl1pPr>
-                <a:defRPr sz="4000" b="0">
-                  <a:solidFill>
-                    <a:srgbClr val="FFFFFF"/>
-                  </a:solidFill>
-                  <a:latin typeface="Montserrat Bold"/>
-                  <a:ea typeface="Montserrat Bold"/>
-                  <a:cs typeface="Montserrat Bold"/>
-                  <a:sym typeface="Montserrat Bold"/>
-                </a:defRPr>
-              </a:lvl1pPr>
-            </a:lstStyle>
-            <a:p>
-              <a:r>
-                <a:t>7</a:t>
-              </a:r>
-            </a:p>
-          </p:txBody>
-        </p:sp>
-        <p:sp>
-          <p:nvSpPr>
-            <p:cNvPr id="156" name="Shape 156"/>
-            <p:cNvSpPr/>
-            <p:nvPr/>
-          </p:nvSpPr>
-          <p:spPr>
-            <a:xfrm>
-              <a:off x="4697601" y="9195086"/>
-              <a:ext cx="1038541" cy="1038541"/>
-            </a:xfrm>
-            <a:prstGeom prst="ellipse">
-              <a:avLst/>
-            </a:prstGeom>
-            <a:solidFill>
-              <a:srgbClr val="C0C0C0"/>
-            </a:solidFill>
-            <a:ln w="12700">
-              <a:miter lim="400000"/>
-            </a:ln>
-            <a:extLst>
-              <a:ext uri="{C572A759-6A51-4108-AA02-DFA0A04FC94B}">
-                <ma14:wrappingTextBoxFlag xmlns="" xmlns:ma14="http://schemas.microsoft.com/office/mac/drawingml/2011/main" val="1"/>
-              </a:ext>
-            </a:extLst>
-          </p:spPr>
-          <p:txBody>
-            <a:bodyPr lIns="71437" tIns="71437" rIns="71437" bIns="71437" anchor="ctr"/>
-            <a:lstStyle>
-              <a:lvl1pPr>
-                <a:defRPr sz="4000" b="0">
-                  <a:solidFill>
-                    <a:srgbClr val="FFFFFF"/>
-                  </a:solidFill>
-                  <a:latin typeface="Montserrat Bold"/>
-                  <a:ea typeface="Montserrat Bold"/>
-                  <a:cs typeface="Montserrat Bold"/>
-                  <a:sym typeface="Montserrat Bold"/>
-                </a:defRPr>
-              </a:lvl1pPr>
-            </a:lstStyle>
-            <a:p>
-              <a:r>
-                <a:t>2</a:t>
-              </a:r>
-            </a:p>
-          </p:txBody>
-        </p:sp>
-        <p:sp>
-          <p:nvSpPr>
-            <p:cNvPr id="157" name="Shape 157"/>
-            <p:cNvSpPr/>
-            <p:nvPr/>
-          </p:nvSpPr>
-          <p:spPr>
-            <a:xfrm>
-              <a:off x="7916988" y="9195086"/>
-              <a:ext cx="1038541" cy="1038541"/>
-            </a:xfrm>
-            <a:prstGeom prst="ellipse">
-              <a:avLst/>
-            </a:prstGeom>
-            <a:solidFill>
-              <a:srgbClr val="C0C0C0"/>
-            </a:solidFill>
-            <a:ln w="12700">
-              <a:miter lim="400000"/>
-            </a:ln>
-            <a:extLst>
-              <a:ext uri="{C572A759-6A51-4108-AA02-DFA0A04FC94B}">
-                <ma14:wrappingTextBoxFlag xmlns="" xmlns:ma14="http://schemas.microsoft.com/office/mac/drawingml/2011/main" val="1"/>
-              </a:ext>
-            </a:extLst>
-          </p:spPr>
-          <p:txBody>
-            <a:bodyPr lIns="71437" tIns="71437" rIns="71437" bIns="71437" anchor="ctr"/>
-            <a:lstStyle>
-              <a:lvl1pPr>
-                <a:defRPr sz="4000" b="0">
-                  <a:solidFill>
-                    <a:srgbClr val="FFFFFF"/>
-                  </a:solidFill>
-                  <a:latin typeface="Montserrat Bold"/>
-                  <a:ea typeface="Montserrat Bold"/>
-                  <a:cs typeface="Montserrat Bold"/>
-                  <a:sym typeface="Montserrat Bold"/>
-                </a:defRPr>
-              </a:lvl1pPr>
-            </a:lstStyle>
-            <a:p>
-              <a:r>
-                <a:t>3</a:t>
-              </a:r>
-            </a:p>
-          </p:txBody>
-        </p:sp>
-        <p:sp>
-          <p:nvSpPr>
-            <p:cNvPr id="158" name="Shape 158"/>
-            <p:cNvSpPr/>
-            <p:nvPr/>
-          </p:nvSpPr>
-          <p:spPr>
-            <a:xfrm>
-              <a:off x="11136375" y="9195086"/>
-              <a:ext cx="1038541" cy="1038541"/>
-            </a:xfrm>
-            <a:prstGeom prst="ellipse">
-              <a:avLst/>
-            </a:prstGeom>
-            <a:solidFill>
-              <a:srgbClr val="C0C0C0"/>
-            </a:solidFill>
-            <a:ln w="12700">
-              <a:miter lim="400000"/>
-            </a:ln>
-            <a:extLst>
-              <a:ext uri="{C572A759-6A51-4108-AA02-DFA0A04FC94B}">
-                <ma14:wrappingTextBoxFlag xmlns="" xmlns:ma14="http://schemas.microsoft.com/office/mac/drawingml/2011/main" val="1"/>
-              </a:ext>
-            </a:extLst>
-          </p:spPr>
-          <p:txBody>
-            <a:bodyPr lIns="71437" tIns="71437" rIns="71437" bIns="71437" anchor="ctr"/>
-            <a:lstStyle>
-              <a:lvl1pPr>
-                <a:defRPr sz="4000" b="0">
-                  <a:solidFill>
-                    <a:srgbClr val="FFFFFF"/>
-                  </a:solidFill>
-                  <a:latin typeface="Montserrat Bold"/>
-                  <a:ea typeface="Montserrat Bold"/>
-                  <a:cs typeface="Montserrat Bold"/>
-                  <a:sym typeface="Montserrat Bold"/>
-                </a:defRPr>
-              </a:lvl1pPr>
-            </a:lstStyle>
-            <a:p>
-              <a:r>
-                <a:t>4</a:t>
-              </a:r>
-            </a:p>
-          </p:txBody>
-        </p:sp>
-        <p:sp>
-          <p:nvSpPr>
-            <p:cNvPr id="159" name="Shape 159"/>
-            <p:cNvSpPr/>
-            <p:nvPr/>
-          </p:nvSpPr>
-          <p:spPr>
-            <a:xfrm>
-              <a:off x="14355762" y="9195086"/>
-              <a:ext cx="1038541" cy="1038541"/>
-            </a:xfrm>
-            <a:prstGeom prst="ellipse">
-              <a:avLst/>
-            </a:prstGeom>
-            <a:solidFill>
-              <a:srgbClr val="C0C0C0"/>
-            </a:solidFill>
-            <a:ln w="12700">
-              <a:miter lim="400000"/>
-            </a:ln>
-            <a:extLst>
-              <a:ext uri="{C572A759-6A51-4108-AA02-DFA0A04FC94B}">
-                <ma14:wrappingTextBoxFlag xmlns="" xmlns:ma14="http://schemas.microsoft.com/office/mac/drawingml/2011/main" val="1"/>
-              </a:ext>
-            </a:extLst>
-          </p:spPr>
-          <p:txBody>
-            <a:bodyPr lIns="71437" tIns="71437" rIns="71437" bIns="71437" anchor="ctr"/>
-            <a:lstStyle>
-              <a:lvl1pPr>
-                <a:defRPr sz="4000" b="0">
-                  <a:solidFill>
-                    <a:srgbClr val="FFFFFF"/>
-                  </a:solidFill>
-                  <a:latin typeface="Montserrat Bold"/>
-                  <a:ea typeface="Montserrat Bold"/>
-                  <a:cs typeface="Montserrat Bold"/>
-                  <a:sym typeface="Montserrat Bold"/>
-                </a:defRPr>
-              </a:lvl1pPr>
-            </a:lstStyle>
-            <a:p>
-              <a:r>
-                <a:t>5</a:t>
-              </a:r>
-            </a:p>
-          </p:txBody>
-        </p:sp>
-        <p:sp>
-          <p:nvSpPr>
-            <p:cNvPr id="163" name="Shape 163"/>
-            <p:cNvSpPr/>
-            <p:nvPr/>
-          </p:nvSpPr>
-          <p:spPr>
-            <a:xfrm>
-              <a:off x="17575150" y="9195086"/>
-              <a:ext cx="1038541" cy="1038542"/>
-            </a:xfrm>
-            <a:prstGeom prst="ellipse">
-              <a:avLst/>
-            </a:prstGeom>
-            <a:solidFill>
-              <a:srgbClr val="C0C0C0"/>
-            </a:solidFill>
-            <a:ln w="12700">
-              <a:miter lim="400000"/>
-            </a:ln>
-            <a:extLst>
-              <a:ext uri="{C572A759-6A51-4108-AA02-DFA0A04FC94B}">
-                <ma14:wrappingTextBoxFlag xmlns="" xmlns:ma14="http://schemas.microsoft.com/office/mac/drawingml/2011/main" val="1"/>
-              </a:ext>
-            </a:extLst>
-          </p:spPr>
-          <p:txBody>
-            <a:bodyPr lIns="71437" tIns="71437" rIns="71437" bIns="71437" anchor="ctr"/>
-            <a:lstStyle>
-              <a:lvl1pPr>
-                <a:defRPr sz="4000" b="0">
-                  <a:solidFill>
-                    <a:srgbClr val="FFFFFF"/>
-                  </a:solidFill>
-                  <a:latin typeface="Montserrat Bold"/>
-                  <a:ea typeface="Montserrat Bold"/>
-                  <a:cs typeface="Montserrat Bold"/>
-                  <a:sym typeface="Montserrat Bold"/>
-                </a:defRPr>
-              </a:lvl1pPr>
-            </a:lstStyle>
-            <a:p>
-              <a:r>
-                <a:t>6</a:t>
-              </a:r>
-            </a:p>
-          </p:txBody>
-        </p:sp>
-        <p:sp>
-          <p:nvSpPr>
-            <p:cNvPr id="152" name="Shape 152"/>
-            <p:cNvSpPr/>
-            <p:nvPr/>
-          </p:nvSpPr>
-          <p:spPr>
-            <a:xfrm>
-              <a:off x="369844" y="1408182"/>
-              <a:ext cx="13084209" cy="3931013"/>
-            </a:xfrm>
-            <a:prstGeom prst="rect">
-              <a:avLst/>
-            </a:prstGeom>
-            <a:ln w="12700">
-              <a:miter lim="400000"/>
-            </a:ln>
-            <a:extLst>
-              <a:ext uri="{C572A759-6A51-4108-AA02-DFA0A04FC94B}">
-                <ma14:wrappingTextBoxFlag xmlns="" xmlns:ma14="http://schemas.microsoft.com/office/mac/drawingml/2011/main" val="1"/>
-              </a:ext>
-            </a:extLst>
-          </p:spPr>
-          <p:txBody>
-            <a:bodyPr wrap="square" lIns="0" tIns="0" rIns="0" bIns="0" anchor="ctr">
-              <a:spAutoFit/>
-            </a:bodyPr>
-            <a:lstStyle/>
-            <a:p>
-              <a:pPr lvl="3" algn="l" defTabSz="642937">
-                <a:lnSpc>
-                  <a:spcPts val="35600"/>
-                </a:lnSpc>
-                <a:defRPr sz="15000" b="0" spc="-300">
-                  <a:solidFill>
-                    <a:srgbClr val="FFFFFF"/>
-                  </a:solidFill>
-                  <a:latin typeface="Montserrat Bold"/>
-                  <a:ea typeface="Montserrat Bold"/>
-                  <a:cs typeface="Montserrat Bold"/>
-                  <a:sym typeface="Montserrat Bold"/>
-                </a:defRPr>
-              </a:pPr>
-              <a:r>
-                <a:rPr lang="en-AU" sz="16000" spc="-319" dirty="0"/>
-                <a:t>Cards</a:t>
-              </a:r>
-              <a:endParaRPr sz="16000" spc="-319" dirty="0"/>
-            </a:p>
-          </p:txBody>
-        </p:sp>
-      </p:grpSp>
-      <p:sp>
-        <p:nvSpPr>
-          <p:cNvPr id="164" name="Shape 164"/>
-          <p:cNvSpPr/>
-          <p:nvPr/>
-        </p:nvSpPr>
-        <p:spPr>
-          <a:xfrm>
-            <a:off x="16303088" y="10291399"/>
-            <a:ext cx="3582665" cy="638176"/>
-          </a:xfrm>
-          <a:prstGeom prst="rect">
-            <a:avLst/>
-          </a:prstGeom>
-          <a:ln w="12700">
-            <a:miter lim="400000"/>
-          </a:ln>
-          <a:extLst>
-            <a:ext uri="{C572A759-6A51-4108-AA02-DFA0A04FC94B}">
-              <ma14:wrappingTextBoxFlag xmlns="" xmlns:ma14="http://schemas.microsoft.com/office/mac/drawingml/2011/main" val="1"/>
-            </a:ext>
-          </a:extLst>
-        </p:spPr>
-        <p:txBody>
-          <a:bodyPr lIns="71437" tIns="71437" rIns="71437" bIns="71437">
-            <a:spAutoFit/>
-          </a:bodyPr>
-          <a:lstStyle>
-            <a:lvl1pPr>
-              <a:defRPr b="0">
-                <a:solidFill>
-                  <a:srgbClr val="FF2830"/>
-                </a:solidFill>
-                <a:latin typeface="Montserrat Medium"/>
-                <a:ea typeface="Montserrat Medium"/>
-                <a:cs typeface="Montserrat Medium"/>
-                <a:sym typeface="Montserrat Medium"/>
-              </a:defRPr>
-            </a:lvl1pPr>
-          </a:lstStyle>
-          <a:p>
-            <a:r>
-              <a:rPr dirty="0"/>
-              <a:t>[</a:t>
-            </a:r>
-            <a:r>
-              <a:rPr lang="en-AU" dirty="0"/>
-              <a:t>15 mins</a:t>
-            </a:r>
-            <a:r>
-              <a:rPr dirty="0"/>
-              <a:t>] </a:t>
-            </a:r>
-          </a:p>
-        </p:txBody>
-      </p:sp>
-      <p:sp>
-        <p:nvSpPr>
-          <p:cNvPr id="165" name="Shape 165"/>
-          <p:cNvSpPr/>
-          <p:nvPr/>
-        </p:nvSpPr>
-        <p:spPr>
-          <a:xfrm>
-            <a:off x="19156336" y="10291399"/>
-            <a:ext cx="4314942" cy="636712"/>
-          </a:xfrm>
-          <a:prstGeom prst="rect">
-            <a:avLst/>
-          </a:prstGeom>
-          <a:ln w="12700">
-            <a:miter lim="400000"/>
-          </a:ln>
-          <a:extLst>
-            <a:ext uri="{C572A759-6A51-4108-AA02-DFA0A04FC94B}">
-              <ma14:wrappingTextBoxFlag xmlns="" xmlns:ma14="http://schemas.microsoft.com/office/mac/drawingml/2011/main" val="1"/>
-            </a:ext>
-          </a:extLst>
-        </p:spPr>
-        <p:txBody>
-          <a:bodyPr lIns="71437" tIns="71437" rIns="71437" bIns="71437">
-            <a:spAutoFit/>
-          </a:bodyPr>
-          <a:lstStyle/>
-          <a:p>
-            <a:pPr>
-              <a:defRPr b="0">
-                <a:solidFill>
-                  <a:srgbClr val="FF2830"/>
-                </a:solidFill>
-                <a:latin typeface="Montserrat Medium"/>
-                <a:ea typeface="Montserrat Medium"/>
-                <a:cs typeface="Montserrat Medium"/>
-                <a:sym typeface="Montserrat Medium"/>
-              </a:defRPr>
-            </a:pPr>
-            <a:r>
-              <a:rPr dirty="0"/>
-              <a:t>[</a:t>
-            </a:r>
-            <a:r>
-              <a:rPr lang="en-AU" dirty="0"/>
-              <a:t>10 mins</a:t>
-            </a:r>
-            <a:r>
-              <a:rPr dirty="0"/>
-              <a:t>] </a:t>
-            </a:r>
-          </a:p>
-        </p:txBody>
-      </p:sp>
-      <p:sp>
-        <p:nvSpPr>
-          <p:cNvPr id="166" name="Shape 166"/>
-          <p:cNvSpPr/>
-          <p:nvPr/>
-        </p:nvSpPr>
-        <p:spPr>
-          <a:xfrm>
-            <a:off x="3398920" y="10291399"/>
-            <a:ext cx="3582665" cy="638176"/>
-          </a:xfrm>
-          <a:prstGeom prst="rect">
-            <a:avLst/>
-          </a:prstGeom>
-          <a:ln w="12700">
-            <a:miter lim="400000"/>
-          </a:ln>
-          <a:extLst>
-            <a:ext uri="{C572A759-6A51-4108-AA02-DFA0A04FC94B}">
-              <ma14:wrappingTextBoxFlag xmlns="" xmlns:ma14="http://schemas.microsoft.com/office/mac/drawingml/2011/main" val="1"/>
-            </a:ext>
-          </a:extLst>
-        </p:spPr>
-        <p:txBody>
-          <a:bodyPr lIns="71437" tIns="71437" rIns="71437" bIns="71437">
-            <a:spAutoFit/>
-          </a:bodyPr>
-          <a:lstStyle>
-            <a:lvl1pPr>
-              <a:defRPr b="0">
-                <a:solidFill>
-                  <a:srgbClr val="FF2830"/>
-                </a:solidFill>
-                <a:latin typeface="Montserrat Medium"/>
-                <a:ea typeface="Montserrat Medium"/>
-                <a:cs typeface="Montserrat Medium"/>
-                <a:sym typeface="Montserrat Medium"/>
-              </a:defRPr>
-            </a:lvl1pPr>
-          </a:lstStyle>
-          <a:p>
-            <a:r>
-              <a:rPr lang="en-AU" dirty="0"/>
-              <a:t>[1-4 hours</a:t>
-            </a:r>
-            <a:r>
-              <a:rPr dirty="0"/>
-              <a:t>] </a:t>
-            </a:r>
-          </a:p>
-        </p:txBody>
-      </p:sp>
-      <p:sp>
-        <p:nvSpPr>
-          <p:cNvPr id="167" name="Shape 167"/>
-          <p:cNvSpPr/>
-          <p:nvPr/>
-        </p:nvSpPr>
-        <p:spPr>
-          <a:xfrm>
-            <a:off x="6644926" y="10291399"/>
-            <a:ext cx="3582665" cy="638176"/>
-          </a:xfrm>
-          <a:prstGeom prst="rect">
-            <a:avLst/>
-          </a:prstGeom>
-          <a:ln w="12700">
-            <a:miter lim="400000"/>
-          </a:ln>
-          <a:extLst>
-            <a:ext uri="{C572A759-6A51-4108-AA02-DFA0A04FC94B}">
-              <ma14:wrappingTextBoxFlag xmlns="" xmlns:ma14="http://schemas.microsoft.com/office/mac/drawingml/2011/main" val="1"/>
-            </a:ext>
-          </a:extLst>
-        </p:spPr>
-        <p:txBody>
-          <a:bodyPr lIns="71437" tIns="71437" rIns="71437" bIns="71437">
-            <a:spAutoFit/>
-          </a:bodyPr>
-          <a:lstStyle>
-            <a:lvl1pPr>
-              <a:defRPr b="0">
-                <a:solidFill>
-                  <a:srgbClr val="FF2830"/>
-                </a:solidFill>
-                <a:latin typeface="Montserrat Medium"/>
-                <a:ea typeface="Montserrat Medium"/>
-                <a:cs typeface="Montserrat Medium"/>
-                <a:sym typeface="Montserrat Medium"/>
-              </a:defRPr>
-            </a:lvl1pPr>
-          </a:lstStyle>
-          <a:p>
-            <a:r>
-              <a:rPr dirty="0"/>
-              <a:t>[</a:t>
-            </a:r>
-            <a:r>
-              <a:rPr lang="en-AU" dirty="0"/>
-              <a:t>30 mins</a:t>
-            </a:r>
-            <a:r>
-              <a:rPr dirty="0"/>
-              <a:t>] </a:t>
-            </a:r>
-          </a:p>
-        </p:txBody>
-      </p:sp>
-      <p:sp>
-        <p:nvSpPr>
-          <p:cNvPr id="168" name="Shape 168"/>
-          <p:cNvSpPr/>
-          <p:nvPr/>
-        </p:nvSpPr>
-        <p:spPr>
-          <a:xfrm>
-            <a:off x="9864313" y="10291399"/>
-            <a:ext cx="3582665" cy="638176"/>
-          </a:xfrm>
-          <a:prstGeom prst="rect">
-            <a:avLst/>
-          </a:prstGeom>
-          <a:ln w="12700">
-            <a:miter lim="400000"/>
-          </a:ln>
-          <a:extLst>
-            <a:ext uri="{C572A759-6A51-4108-AA02-DFA0A04FC94B}">
-              <ma14:wrappingTextBoxFlag xmlns="" xmlns:ma14="http://schemas.microsoft.com/office/mac/drawingml/2011/main" val="1"/>
-            </a:ext>
-          </a:extLst>
-        </p:spPr>
-        <p:txBody>
-          <a:bodyPr lIns="71437" tIns="71437" rIns="71437" bIns="71437">
-            <a:spAutoFit/>
-          </a:bodyPr>
-          <a:lstStyle>
-            <a:lvl1pPr>
-              <a:defRPr b="0">
-                <a:solidFill>
-                  <a:srgbClr val="FF2830"/>
-                </a:solidFill>
-                <a:latin typeface="Montserrat Medium"/>
-                <a:ea typeface="Montserrat Medium"/>
-                <a:cs typeface="Montserrat Medium"/>
-                <a:sym typeface="Montserrat Medium"/>
-              </a:defRPr>
-            </a:lvl1pPr>
-          </a:lstStyle>
-          <a:p>
-            <a:r>
-              <a:rPr dirty="0"/>
-              <a:t>[</a:t>
-            </a:r>
-            <a:r>
-              <a:rPr lang="en-AU" dirty="0"/>
-              <a:t>20 mins</a:t>
-            </a:r>
-            <a:r>
-              <a:rPr dirty="0"/>
-              <a:t>] </a:t>
-            </a:r>
-          </a:p>
-        </p:txBody>
-      </p:sp>
-      <p:sp>
-        <p:nvSpPr>
-          <p:cNvPr id="169" name="Shape 169"/>
-          <p:cNvSpPr/>
-          <p:nvPr/>
-        </p:nvSpPr>
-        <p:spPr>
-          <a:xfrm>
-            <a:off x="13083700" y="10291399"/>
-            <a:ext cx="3582665" cy="638176"/>
-          </a:xfrm>
-          <a:prstGeom prst="rect">
-            <a:avLst/>
-          </a:prstGeom>
-          <a:ln w="12700">
-            <a:miter lim="400000"/>
-          </a:ln>
-          <a:extLst>
-            <a:ext uri="{C572A759-6A51-4108-AA02-DFA0A04FC94B}">
-              <ma14:wrappingTextBoxFlag xmlns="" xmlns:ma14="http://schemas.microsoft.com/office/mac/drawingml/2011/main" val="1"/>
-            </a:ext>
-          </a:extLst>
-        </p:spPr>
-        <p:txBody>
-          <a:bodyPr lIns="71437" tIns="71437" rIns="71437" bIns="71437">
-            <a:spAutoFit/>
-          </a:bodyPr>
-          <a:lstStyle>
-            <a:lvl1pPr>
-              <a:defRPr b="0">
-                <a:solidFill>
-                  <a:srgbClr val="FF2830"/>
-                </a:solidFill>
-                <a:latin typeface="Montserrat Medium"/>
-                <a:ea typeface="Montserrat Medium"/>
-                <a:cs typeface="Montserrat Medium"/>
-                <a:sym typeface="Montserrat Medium"/>
-              </a:defRPr>
-            </a:lvl1pPr>
-          </a:lstStyle>
-          <a:p>
-            <a:r>
-              <a:rPr dirty="0"/>
-              <a:t>[</a:t>
-            </a:r>
-            <a:r>
-              <a:rPr lang="en-AU" dirty="0"/>
-              <a:t>15 mins</a:t>
-            </a:r>
-            <a:r>
-              <a:rPr dirty="0"/>
-              <a:t>] </a:t>
-            </a:r>
-          </a:p>
-        </p:txBody>
-      </p:sp>
-    </p:spTree>
-    <p:extLst>
-      <p:ext uri="{BB962C8B-B14F-4D97-AF65-F5344CB8AC3E}">
-        <p14:creationId xmlns:p14="http://schemas.microsoft.com/office/powerpoint/2010/main" val="2338493403"/>
+        <p14:creationId xmlns:p14="http://schemas.microsoft.com/office/powerpoint/2010/main" val="2563382610"/>
       </p:ext>
     </p:extLst>
   </p:cSld>
